--- a/lectures/Lect08_SVM.pptx
+++ b/lectures/Lect08_SVM.pptx
@@ -5,7 +5,7 @@
     <p:sldMasterId id="2147483648" r:id="rId1"/>
   </p:sldMasterIdLst>
   <p:notesMasterIdLst>
-    <p:notesMasterId r:id="rId55"/>
+    <p:notesMasterId r:id="rId54"/>
   </p:notesMasterIdLst>
   <p:sldIdLst>
     <p:sldId id="258" r:id="rId2"/>
@@ -13,54 +13,53 @@
     <p:sldId id="285" r:id="rId4"/>
     <p:sldId id="276" r:id="rId5"/>
     <p:sldId id="278" r:id="rId6"/>
-    <p:sldId id="277" r:id="rId7"/>
-    <p:sldId id="279" r:id="rId8"/>
-    <p:sldId id="280" r:id="rId9"/>
-    <p:sldId id="281" r:id="rId10"/>
-    <p:sldId id="282" r:id="rId11"/>
-    <p:sldId id="283" r:id="rId12"/>
-    <p:sldId id="284" r:id="rId13"/>
-    <p:sldId id="286" r:id="rId14"/>
-    <p:sldId id="287" r:id="rId15"/>
-    <p:sldId id="288" r:id="rId16"/>
-    <p:sldId id="289" r:id="rId17"/>
-    <p:sldId id="363" r:id="rId18"/>
-    <p:sldId id="364" r:id="rId19"/>
-    <p:sldId id="291" r:id="rId20"/>
-    <p:sldId id="324" r:id="rId21"/>
-    <p:sldId id="290" r:id="rId22"/>
-    <p:sldId id="292" r:id="rId23"/>
-    <p:sldId id="293" r:id="rId24"/>
-    <p:sldId id="294" r:id="rId25"/>
-    <p:sldId id="295" r:id="rId26"/>
-    <p:sldId id="297" r:id="rId27"/>
-    <p:sldId id="298" r:id="rId28"/>
-    <p:sldId id="302" r:id="rId29"/>
-    <p:sldId id="304" r:id="rId30"/>
-    <p:sldId id="303" r:id="rId31"/>
-    <p:sldId id="305" r:id="rId32"/>
-    <p:sldId id="306" r:id="rId33"/>
-    <p:sldId id="299" r:id="rId34"/>
-    <p:sldId id="300" r:id="rId35"/>
-    <p:sldId id="301" r:id="rId36"/>
-    <p:sldId id="307" r:id="rId37"/>
-    <p:sldId id="309" r:id="rId38"/>
-    <p:sldId id="308" r:id="rId39"/>
-    <p:sldId id="310" r:id="rId40"/>
-    <p:sldId id="312" r:id="rId41"/>
-    <p:sldId id="314" r:id="rId42"/>
-    <p:sldId id="313" r:id="rId43"/>
-    <p:sldId id="311" r:id="rId44"/>
-    <p:sldId id="315" r:id="rId45"/>
-    <p:sldId id="316" r:id="rId46"/>
-    <p:sldId id="317" r:id="rId47"/>
-    <p:sldId id="318" r:id="rId48"/>
-    <p:sldId id="319" r:id="rId49"/>
-    <p:sldId id="320" r:id="rId50"/>
-    <p:sldId id="322" r:id="rId51"/>
-    <p:sldId id="321" r:id="rId52"/>
-    <p:sldId id="323" r:id="rId53"/>
-    <p:sldId id="365" r:id="rId54"/>
+    <p:sldId id="279" r:id="rId7"/>
+    <p:sldId id="280" r:id="rId8"/>
+    <p:sldId id="281" r:id="rId9"/>
+    <p:sldId id="282" r:id="rId10"/>
+    <p:sldId id="283" r:id="rId11"/>
+    <p:sldId id="284" r:id="rId12"/>
+    <p:sldId id="286" r:id="rId13"/>
+    <p:sldId id="287" r:id="rId14"/>
+    <p:sldId id="288" r:id="rId15"/>
+    <p:sldId id="289" r:id="rId16"/>
+    <p:sldId id="363" r:id="rId17"/>
+    <p:sldId id="364" r:id="rId18"/>
+    <p:sldId id="291" r:id="rId19"/>
+    <p:sldId id="324" r:id="rId20"/>
+    <p:sldId id="290" r:id="rId21"/>
+    <p:sldId id="292" r:id="rId22"/>
+    <p:sldId id="293" r:id="rId23"/>
+    <p:sldId id="294" r:id="rId24"/>
+    <p:sldId id="295" r:id="rId25"/>
+    <p:sldId id="297" r:id="rId26"/>
+    <p:sldId id="298" r:id="rId27"/>
+    <p:sldId id="302" r:id="rId28"/>
+    <p:sldId id="304" r:id="rId29"/>
+    <p:sldId id="303" r:id="rId30"/>
+    <p:sldId id="305" r:id="rId31"/>
+    <p:sldId id="306" r:id="rId32"/>
+    <p:sldId id="299" r:id="rId33"/>
+    <p:sldId id="300" r:id="rId34"/>
+    <p:sldId id="301" r:id="rId35"/>
+    <p:sldId id="307" r:id="rId36"/>
+    <p:sldId id="309" r:id="rId37"/>
+    <p:sldId id="308" r:id="rId38"/>
+    <p:sldId id="310" r:id="rId39"/>
+    <p:sldId id="312" r:id="rId40"/>
+    <p:sldId id="314" r:id="rId41"/>
+    <p:sldId id="313" r:id="rId42"/>
+    <p:sldId id="311" r:id="rId43"/>
+    <p:sldId id="315" r:id="rId44"/>
+    <p:sldId id="316" r:id="rId45"/>
+    <p:sldId id="317" r:id="rId46"/>
+    <p:sldId id="318" r:id="rId47"/>
+    <p:sldId id="319" r:id="rId48"/>
+    <p:sldId id="320" r:id="rId49"/>
+    <p:sldId id="322" r:id="rId50"/>
+    <p:sldId id="321" r:id="rId51"/>
+    <p:sldId id="323" r:id="rId52"/>
+    <p:sldId id="365" r:id="rId53"/>
   </p:sldIdLst>
   <p:sldSz cx="12192000" cy="6858000"/>
   <p:notesSz cx="7315200" cy="9601200"/>
@@ -260,7 +259,7 @@
           <a:p>
             <a:fld id="{B7D6DDD3-D7E9-488B-B626-1E8285E424D8}" type="datetimeFigureOut">
               <a:rPr lang="en-US" smtClean="0"/>
-              <a:t>3/18/18</a:t>
+              <a:t>4/1/2019</a:t>
             </a:fld>
             <a:endParaRPr lang="en-US"/>
           </a:p>
@@ -4182,7 +4181,7 @@
           <a:p>
             <a:r>
               <a:rPr lang="en-US" dirty="0"/>
-              <a:t>Try a Logistic Classifier</a:t>
+              <a:t>Performance</a:t>
             </a:r>
           </a:p>
         </p:txBody>
@@ -4199,56 +4198,31 @@
         </p:nvSpPr>
         <p:spPr>
           <a:xfrm>
-            <a:off x="4077478" y="1539277"/>
-            <a:ext cx="7078201" cy="4329817"/>
+            <a:off x="1097280" y="1539277"/>
+            <a:ext cx="10058400" cy="1530493"/>
           </a:xfrm>
         </p:spPr>
         <p:txBody>
-          <a:bodyPr/>
+          <a:bodyPr>
+            <a:normAutofit/>
+          </a:bodyPr>
           <a:lstStyle/>
           <a:p>
             <a:r>
               <a:rPr lang="en-US" dirty="0"/>
-              <a:t>Train on 5000 samples</a:t>
+              <a:t>Accuracy = 89%.  Very bad</a:t>
             </a:r>
           </a:p>
           <a:p>
-            <a:pPr lvl="1"/>
             <a:r>
               <a:rPr lang="en-US" dirty="0"/>
-              <a:t>To reduce training time.</a:t>
+              <a:t>Some of the errors seem like they should have been easy to spot </a:t>
             </a:r>
           </a:p>
           <a:p>
-            <a:pPr lvl="1"/>
             <a:r>
               <a:rPr lang="en-US" dirty="0"/>
-              <a:t>In practice want to train with ~40k</a:t>
-            </a:r>
-          </a:p>
-          <a:p>
-            <a:pPr lvl="1"/>
-            <a:endParaRPr lang="en-US" dirty="0"/>
-          </a:p>
-          <a:p>
-            <a:r>
-              <a:rPr lang="en-US" dirty="0"/>
-              <a:t>Select correct solver (</a:t>
-            </a:r>
-            <a:r>
-              <a:rPr lang="en-US" dirty="0" err="1"/>
-              <a:t>lbfgs</a:t>
-            </a:r>
-            <a:r>
-              <a:rPr lang="en-US" dirty="0"/>
-              <a:t>)</a:t>
-            </a:r>
-          </a:p>
-          <a:p>
-            <a:pPr lvl="1"/>
-            <a:r>
-              <a:rPr lang="en-US" dirty="0"/>
-              <a:t>Others can be very slow.  Even this will take minutes</a:t>
+              <a:t>What went wrong?</a:t>
             </a:r>
           </a:p>
         </p:txBody>
@@ -4278,7 +4252,7 @@
       </p:sp>
       <p:pic>
         <p:nvPicPr>
-          <p:cNvPr id="5" name="Picture 4"/>
+          <p:cNvPr id="6" name="Picture 5"/>
           <p:cNvPicPr>
             <a:picLocks noChangeAspect="1"/>
           </p:cNvPicPr>
@@ -4292,8 +4266,8 @@
         </p:blipFill>
         <p:spPr>
           <a:xfrm>
-            <a:off x="1232224" y="1636939"/>
-            <a:ext cx="2076450" cy="971550"/>
+            <a:off x="4592018" y="3578077"/>
+            <a:ext cx="7192546" cy="1922284"/>
           </a:xfrm>
           <a:prstGeom prst="rect">
             <a:avLst/>
@@ -4302,22 +4276,27 @@
       </p:pic>
       <p:pic>
         <p:nvPicPr>
-          <p:cNvPr id="6" name="Picture 5"/>
+          <p:cNvPr id="8" name="Picture 7">
+            <a:extLst>
+              <a:ext uri="{FF2B5EF4-FFF2-40B4-BE49-F238E27FC236}">
+                <a16:creationId xmlns:a16="http://schemas.microsoft.com/office/drawing/2014/main" id="{0FC835FD-E036-4DDB-AE2D-CDCBC28C3D87}"/>
+              </a:ext>
+            </a:extLst>
+          </p:cNvPr>
           <p:cNvPicPr>
             <a:picLocks noChangeAspect="1"/>
           </p:cNvPicPr>
           <p:nvPr/>
         </p:nvPicPr>
-        <p:blipFill>
+        <p:blipFill rotWithShape="1">
           <a:blip r:embed="rId3"/>
-          <a:stretch>
-            <a:fillRect/>
-          </a:stretch>
+          <a:srcRect r="30329" b="122"/>
+          <a:stretch/>
         </p:blipFill>
         <p:spPr>
           <a:xfrm>
-            <a:off x="1097280" y="3887894"/>
-            <a:ext cx="9248775" cy="1981200"/>
+            <a:off x="594044" y="3678316"/>
+            <a:ext cx="3997974" cy="1922285"/>
           </a:xfrm>
           <a:prstGeom prst="rect">
             <a:avLst/>
@@ -4327,7 +4306,7 @@
     </p:spTree>
     <p:extLst>
       <p:ext uri="{BB962C8B-B14F-4D97-AF65-F5344CB8AC3E}">
-        <p14:creationId xmlns:p14="http://schemas.microsoft.com/office/powerpoint/2010/main" val="2818710623"/>
+        <p14:creationId xmlns:p14="http://schemas.microsoft.com/office/powerpoint/2010/main" val="1900384386"/>
       </p:ext>
     </p:extLst>
   </p:cSld>
@@ -4371,48 +4350,7 @@
           <a:p>
             <a:r>
               <a:rPr lang="en-US" dirty="0"/>
-              <a:t>Performance</a:t>
-            </a:r>
-          </a:p>
-        </p:txBody>
-      </p:sp>
-      <p:sp>
-        <p:nvSpPr>
-          <p:cNvPr id="3" name="Content Placeholder 2"/>
-          <p:cNvSpPr>
-            <a:spLocks noGrp="1"/>
-          </p:cNvSpPr>
-          <p:nvPr>
-            <p:ph idx="1"/>
-          </p:nvPr>
-        </p:nvSpPr>
-        <p:spPr>
-          <a:xfrm>
-            <a:off x="1097280" y="1539277"/>
-            <a:ext cx="10058400" cy="1530493"/>
-          </a:xfrm>
-        </p:spPr>
-        <p:txBody>
-          <a:bodyPr>
-            <a:normAutofit/>
-          </a:bodyPr>
-          <a:lstStyle/>
-          <a:p>
-            <a:r>
-              <a:rPr lang="en-US" dirty="0"/>
-              <a:t>Accuracy = 85%.  Very bad</a:t>
-            </a:r>
-          </a:p>
-          <a:p>
-            <a:r>
-              <a:rPr lang="en-US" dirty="0"/>
-              <a:t>Some of the errors seem like they should have been easy to spot </a:t>
-            </a:r>
-          </a:p>
-          <a:p>
-            <a:r>
-              <a:rPr lang="en-US" dirty="0"/>
-              <a:t>What went wrong?</a:t>
+              <a:t>Recap: Logistic Classifier</a:t>
             </a:r>
           </a:p>
         </p:txBody>
@@ -4435,129 +4373,6 @@
             <a:fld id="{629637A9-119A-49DA-BD12-AAC58B377D80}" type="slidenum">
               <a:rPr lang="en-US" smtClean="0"/>
               <a:t>11</a:t>
-            </a:fld>
-            <a:endParaRPr lang="en-US" dirty="0"/>
-          </a:p>
-        </p:txBody>
-      </p:sp>
-      <p:pic>
-        <p:nvPicPr>
-          <p:cNvPr id="5" name="Picture 4"/>
-          <p:cNvPicPr>
-            <a:picLocks noChangeAspect="1"/>
-          </p:cNvPicPr>
-          <p:nvPr/>
-        </p:nvPicPr>
-        <p:blipFill>
-          <a:blip r:embed="rId2"/>
-          <a:stretch>
-            <a:fillRect/>
-          </a:stretch>
-        </p:blipFill>
-        <p:spPr>
-          <a:xfrm>
-            <a:off x="406814" y="4133073"/>
-            <a:ext cx="3257550" cy="1409700"/>
-          </a:xfrm>
-          <a:prstGeom prst="rect">
-            <a:avLst/>
-          </a:prstGeom>
-        </p:spPr>
-      </p:pic>
-      <p:pic>
-        <p:nvPicPr>
-          <p:cNvPr id="6" name="Picture 5"/>
-          <p:cNvPicPr>
-            <a:picLocks noChangeAspect="1"/>
-          </p:cNvPicPr>
-          <p:nvPr/>
-        </p:nvPicPr>
-        <p:blipFill>
-          <a:blip r:embed="rId3"/>
-          <a:stretch>
-            <a:fillRect/>
-          </a:stretch>
-        </p:blipFill>
-        <p:spPr>
-          <a:xfrm>
-            <a:off x="3983978" y="3578076"/>
-            <a:ext cx="7800586" cy="2084789"/>
-          </a:xfrm>
-          <a:prstGeom prst="rect">
-            <a:avLst/>
-          </a:prstGeom>
-        </p:spPr>
-      </p:pic>
-    </p:spTree>
-    <p:extLst>
-      <p:ext uri="{BB962C8B-B14F-4D97-AF65-F5344CB8AC3E}">
-        <p14:creationId xmlns:p14="http://schemas.microsoft.com/office/powerpoint/2010/main" val="1900384386"/>
-      </p:ext>
-    </p:extLst>
-  </p:cSld>
-  <p:clrMapOvr>
-    <a:masterClrMapping/>
-  </p:clrMapOvr>
-</p:sld>
-</file>
-
-<file path=ppt/slides/slide12.xml><?xml version="1.0" encoding="utf-8"?>
-<p:sld xmlns:a="http://schemas.openxmlformats.org/drawingml/2006/main" xmlns:r="http://schemas.openxmlformats.org/officeDocument/2006/relationships" xmlns:p="http://schemas.openxmlformats.org/presentationml/2006/main">
-  <p:cSld>
-    <p:spTree>
-      <p:nvGrpSpPr>
-        <p:cNvPr id="1" name=""/>
-        <p:cNvGrpSpPr/>
-        <p:nvPr/>
-      </p:nvGrpSpPr>
-      <p:grpSpPr>
-        <a:xfrm>
-          <a:off x="0" y="0"/>
-          <a:ext cx="0" cy="0"/>
-          <a:chOff x="0" y="0"/>
-          <a:chExt cx="0" cy="0"/>
-        </a:xfrm>
-      </p:grpSpPr>
-      <p:sp>
-        <p:nvSpPr>
-          <p:cNvPr id="2" name="Title 1"/>
-          <p:cNvSpPr>
-            <a:spLocks noGrp="1"/>
-          </p:cNvSpPr>
-          <p:nvPr>
-            <p:ph type="title"/>
-          </p:nvPr>
-        </p:nvSpPr>
-        <p:spPr/>
-        <p:txBody>
-          <a:bodyPr/>
-          <a:lstStyle/>
-          <a:p>
-            <a:r>
-              <a:rPr lang="en-US" dirty="0"/>
-              <a:t>Recap: Logistic Classifier</a:t>
-            </a:r>
-          </a:p>
-        </p:txBody>
-      </p:sp>
-      <p:sp>
-        <p:nvSpPr>
-          <p:cNvPr id="4" name="Slide Number Placeholder 3"/>
-          <p:cNvSpPr>
-            <a:spLocks noGrp="1"/>
-          </p:cNvSpPr>
-          <p:nvPr>
-            <p:ph type="sldNum" sz="quarter" idx="12"/>
-          </p:nvPr>
-        </p:nvSpPr>
-        <p:spPr/>
-        <p:txBody>
-          <a:bodyPr/>
-          <a:lstStyle/>
-          <a:p>
-            <a:fld id="{629637A9-119A-49DA-BD12-AAC58B377D80}" type="slidenum">
-              <a:rPr lang="en-US" smtClean="0"/>
-              <a:t>12</a:t>
             </a:fld>
             <a:endParaRPr lang="en-US" dirty="0"/>
           </a:p>
@@ -5911,7 +5726,7 @@
 </p:sld>
 </file>
 
-<file path=ppt/slides/slide13.xml><?xml version="1.0" encoding="utf-8"?>
+<file path=ppt/slides/slide12.xml><?xml version="1.0" encoding="utf-8"?>
 <p:sld xmlns:a="http://schemas.openxmlformats.org/drawingml/2006/main" xmlns:r="http://schemas.openxmlformats.org/officeDocument/2006/relationships" xmlns:p="http://schemas.openxmlformats.org/presentationml/2006/main">
   <p:cSld>
     <p:spTree>
@@ -5952,8 +5767,8 @@
           </a:p>
         </p:txBody>
       </p:sp>
-      <mc:AlternateContent xmlns:mc="http://schemas.openxmlformats.org/markup-compatibility/2006">
-        <mc:Choice xmlns:a14="http://schemas.microsoft.com/office/drawing/2010/main" Requires="a14">
+      <mc:AlternateContent xmlns:mc="http://schemas.openxmlformats.org/markup-compatibility/2006" xmlns:a14="http://schemas.microsoft.com/office/drawing/2010/main">
+        <mc:Choice Requires="a14">
           <p:sp>
             <p:nvSpPr>
               <p:cNvPr id="3" name="Content Placeholder 2"/>
@@ -6632,7 +6447,7 @@
             </p:txBody>
           </p:sp>
         </mc:Choice>
-        <mc:Fallback>
+        <mc:Fallback xmlns="">
           <p:sp>
             <p:nvSpPr>
               <p:cNvPr id="3" name="Content Placeholder 2"/>
@@ -6683,7 +6498,7 @@
           <a:p>
             <a:fld id="{629637A9-119A-49DA-BD12-AAC58B377D80}" type="slidenum">
               <a:rPr lang="en-US" smtClean="0"/>
-              <a:t>13</a:t>
+              <a:t>12</a:t>
             </a:fld>
             <a:endParaRPr lang="en-US" dirty="0"/>
           </a:p>
@@ -6702,7 +6517,7 @@
 </p:sld>
 </file>
 
-<file path=ppt/slides/slide14.xml><?xml version="1.0" encoding="utf-8"?>
+<file path=ppt/slides/slide13.xml><?xml version="1.0" encoding="utf-8"?>
 <p:sld xmlns:a="http://schemas.openxmlformats.org/drawingml/2006/main" xmlns:r="http://schemas.openxmlformats.org/officeDocument/2006/relationships" xmlns:p="http://schemas.openxmlformats.org/presentationml/2006/main">
   <p:cSld>
     <p:spTree>
@@ -6886,7 +6701,7 @@
           <a:p>
             <a:fld id="{629637A9-119A-49DA-BD12-AAC58B377D80}" type="slidenum">
               <a:rPr lang="en-US" smtClean="0"/>
-              <a:t>14</a:t>
+              <a:t>13</a:t>
             </a:fld>
             <a:endParaRPr lang="en-US" dirty="0"/>
           </a:p>
@@ -6967,6 +6782,151 @@
 </p:sld>
 </file>
 
+<file path=ppt/slides/slide14.xml><?xml version="1.0" encoding="utf-8"?>
+<p:sld xmlns:a="http://schemas.openxmlformats.org/drawingml/2006/main" xmlns:r="http://schemas.openxmlformats.org/officeDocument/2006/relationships" xmlns:p="http://schemas.openxmlformats.org/presentationml/2006/main">
+  <p:cSld>
+    <p:spTree>
+      <p:nvGrpSpPr>
+        <p:cNvPr id="1" name=""/>
+        <p:cNvGrpSpPr/>
+        <p:nvPr/>
+      </p:nvGrpSpPr>
+      <p:grpSpPr>
+        <a:xfrm>
+          <a:off x="0" y="0"/>
+          <a:ext cx="0" cy="0"/>
+          <a:chOff x="0" y="0"/>
+          <a:chExt cx="0" cy="0"/>
+        </a:xfrm>
+      </p:grpSpPr>
+      <p:sp>
+        <p:nvSpPr>
+          <p:cNvPr id="2" name="Title 1"/>
+          <p:cNvSpPr>
+            <a:spLocks noGrp="1"/>
+          </p:cNvSpPr>
+          <p:nvPr>
+            <p:ph type="title"/>
+          </p:nvPr>
+        </p:nvSpPr>
+        <p:spPr/>
+        <p:txBody>
+          <a:bodyPr/>
+          <a:lstStyle/>
+          <a:p>
+            <a:r>
+              <a:rPr lang="en-US" dirty="0"/>
+              <a:t>Problems with Logistic Classifier</a:t>
+            </a:r>
+          </a:p>
+        </p:txBody>
+      </p:sp>
+      <p:sp>
+        <p:nvSpPr>
+          <p:cNvPr id="3" name="Content Placeholder 2"/>
+          <p:cNvSpPr>
+            <a:spLocks noGrp="1"/>
+          </p:cNvSpPr>
+          <p:nvPr>
+            <p:ph idx="1"/>
+          </p:nvPr>
+        </p:nvSpPr>
+        <p:spPr/>
+        <p:txBody>
+          <a:bodyPr/>
+          <a:lstStyle/>
+          <a:p>
+            <a:r>
+              <a:rPr lang="en-US" dirty="0"/>
+              <a:t>Linear weighting cannot capture many deformities in image</a:t>
+            </a:r>
+          </a:p>
+          <a:p>
+            <a:pPr lvl="1"/>
+            <a:r>
+              <a:rPr lang="en-US" dirty="0"/>
+              <a:t>Rotations </a:t>
+            </a:r>
+          </a:p>
+          <a:p>
+            <a:pPr lvl="1"/>
+            <a:r>
+              <a:rPr lang="en-US" dirty="0"/>
+              <a:t>Translations</a:t>
+            </a:r>
+          </a:p>
+          <a:p>
+            <a:pPr lvl="1"/>
+            <a:r>
+              <a:rPr lang="en-US" dirty="0"/>
+              <a:t>Variations in relative size of digit components</a:t>
+            </a:r>
+          </a:p>
+          <a:p>
+            <a:r>
+              <a:rPr lang="en-US" dirty="0"/>
+              <a:t>Can be improved with preprocessing</a:t>
+            </a:r>
+          </a:p>
+          <a:p>
+            <a:pPr lvl="1"/>
+            <a:r>
+              <a:rPr lang="en-US" dirty="0"/>
+              <a:t>E.g. </a:t>
+            </a:r>
+            <a:r>
+              <a:rPr lang="en-US" dirty="0" err="1"/>
+              <a:t>deskewing</a:t>
+            </a:r>
+            <a:r>
+              <a:rPr lang="en-US" dirty="0"/>
+              <a:t>, contrast normalization, many methods</a:t>
+            </a:r>
+          </a:p>
+          <a:p>
+            <a:r>
+              <a:rPr lang="en-US" dirty="0"/>
+              <a:t>Is there a better classifier?</a:t>
+            </a:r>
+          </a:p>
+        </p:txBody>
+      </p:sp>
+      <p:sp>
+        <p:nvSpPr>
+          <p:cNvPr id="4" name="Slide Number Placeholder 3"/>
+          <p:cNvSpPr>
+            <a:spLocks noGrp="1"/>
+          </p:cNvSpPr>
+          <p:nvPr>
+            <p:ph type="sldNum" sz="quarter" idx="12"/>
+          </p:nvPr>
+        </p:nvSpPr>
+        <p:spPr/>
+        <p:txBody>
+          <a:bodyPr/>
+          <a:lstStyle/>
+          <a:p>
+            <a:fld id="{629637A9-119A-49DA-BD12-AAC58B377D80}" type="slidenum">
+              <a:rPr lang="en-US" smtClean="0"/>
+              <a:t>14</a:t>
+            </a:fld>
+            <a:endParaRPr lang="en-US" dirty="0"/>
+          </a:p>
+        </p:txBody>
+      </p:sp>
+    </p:spTree>
+    <p:extLst>
+      <p:ext uri="{BB962C8B-B14F-4D97-AF65-F5344CB8AC3E}">
+        <p14:creationId xmlns:p14="http://schemas.microsoft.com/office/powerpoint/2010/main" val="870901743"/>
+      </p:ext>
+    </p:extLst>
+  </p:cSld>
+  <p:clrMapOvr>
+    <a:masterClrMapping/>
+  </p:clrMapOvr>
+</p:sld>
+</file>
+
 <file path=ppt/slides/slide15.xml><?xml version="1.0" encoding="utf-8"?>
 <p:sld xmlns:a="http://schemas.openxmlformats.org/drawingml/2006/main" xmlns:r="http://schemas.openxmlformats.org/officeDocument/2006/relationships" xmlns:p="http://schemas.openxmlformats.org/presentationml/2006/main">
   <p:cSld>
@@ -7001,7 +6961,7 @@
           <a:p>
             <a:r>
               <a:rPr lang="en-US" dirty="0"/>
-              <a:t>Problems with Logistic Classifier</a:t>
+              <a:t>Outline</a:t>
             </a:r>
           </a:p>
         </p:txBody>
@@ -7023,55 +6983,38 @@
           <a:p>
             <a:r>
               <a:rPr lang="en-US" dirty="0"/>
-              <a:t>Linear weighting cannot capture many deformities in image</a:t>
+              <a:t>Motivating example:  Recognizing handwritten digits</a:t>
             </a:r>
           </a:p>
           <a:p>
             <a:pPr lvl="1"/>
             <a:r>
               <a:rPr lang="en-US" dirty="0"/>
-              <a:t>Rotations </a:t>
+              <a:t>Why logistic regression doesn’t work well.</a:t>
             </a:r>
           </a:p>
           <a:p>
-            <a:pPr lvl="1"/>
             <a:r>
               <a:rPr lang="en-US" dirty="0"/>
-              <a:t>Translations</a:t>
+              <a:t>Maximum margin classifiers</a:t>
             </a:r>
           </a:p>
           <a:p>
-            <a:pPr lvl="1"/>
             <a:r>
               <a:rPr lang="en-US" dirty="0"/>
-              <a:t>Variations in relative size of digit components</a:t>
+              <a:t>Support vector machines</a:t>
             </a:r>
           </a:p>
           <a:p>
             <a:r>
               <a:rPr lang="en-US" dirty="0"/>
-              <a:t>Can be improved with preprocessing</a:t>
+              <a:t>Constrained optimization</a:t>
             </a:r>
           </a:p>
           <a:p>
-            <a:pPr lvl="1"/>
             <a:r>
               <a:rPr lang="en-US" dirty="0"/>
-              <a:t>E.g. </a:t>
-            </a:r>
-            <a:r>
-              <a:rPr lang="en-US" dirty="0" err="1"/>
-              <a:t>deskewing</a:t>
-            </a:r>
-            <a:r>
-              <a:rPr lang="en-US" dirty="0"/>
-              <a:t>, contrast normalization, many methods</a:t>
-            </a:r>
-          </a:p>
-          <a:p>
-            <a:r>
-              <a:rPr lang="en-US" dirty="0"/>
-              <a:t>Is there a better classifier?</a:t>
+              <a:t>Kernel trick</a:t>
             </a:r>
           </a:p>
         </p:txBody>
@@ -7094,134 +7037,6 @@
             <a:fld id="{629637A9-119A-49DA-BD12-AAC58B377D80}" type="slidenum">
               <a:rPr lang="en-US" smtClean="0"/>
               <a:t>15</a:t>
-            </a:fld>
-            <a:endParaRPr lang="en-US" dirty="0"/>
-          </a:p>
-        </p:txBody>
-      </p:sp>
-    </p:spTree>
-    <p:extLst>
-      <p:ext uri="{BB962C8B-B14F-4D97-AF65-F5344CB8AC3E}">
-        <p14:creationId xmlns:p14="http://schemas.microsoft.com/office/powerpoint/2010/main" val="870901743"/>
-      </p:ext>
-    </p:extLst>
-  </p:cSld>
-  <p:clrMapOvr>
-    <a:masterClrMapping/>
-  </p:clrMapOvr>
-</p:sld>
-</file>
-
-<file path=ppt/slides/slide16.xml><?xml version="1.0" encoding="utf-8"?>
-<p:sld xmlns:a="http://schemas.openxmlformats.org/drawingml/2006/main" xmlns:r="http://schemas.openxmlformats.org/officeDocument/2006/relationships" xmlns:p="http://schemas.openxmlformats.org/presentationml/2006/main">
-  <p:cSld>
-    <p:spTree>
-      <p:nvGrpSpPr>
-        <p:cNvPr id="1" name=""/>
-        <p:cNvGrpSpPr/>
-        <p:nvPr/>
-      </p:nvGrpSpPr>
-      <p:grpSpPr>
-        <a:xfrm>
-          <a:off x="0" y="0"/>
-          <a:ext cx="0" cy="0"/>
-          <a:chOff x="0" y="0"/>
-          <a:chExt cx="0" cy="0"/>
-        </a:xfrm>
-      </p:grpSpPr>
-      <p:sp>
-        <p:nvSpPr>
-          <p:cNvPr id="2" name="Title 1"/>
-          <p:cNvSpPr>
-            <a:spLocks noGrp="1"/>
-          </p:cNvSpPr>
-          <p:nvPr>
-            <p:ph type="title"/>
-          </p:nvPr>
-        </p:nvSpPr>
-        <p:spPr/>
-        <p:txBody>
-          <a:bodyPr/>
-          <a:lstStyle/>
-          <a:p>
-            <a:r>
-              <a:rPr lang="en-US" dirty="0"/>
-              <a:t>Outline</a:t>
-            </a:r>
-          </a:p>
-        </p:txBody>
-      </p:sp>
-      <p:sp>
-        <p:nvSpPr>
-          <p:cNvPr id="3" name="Content Placeholder 2"/>
-          <p:cNvSpPr>
-            <a:spLocks noGrp="1"/>
-          </p:cNvSpPr>
-          <p:nvPr>
-            <p:ph idx="1"/>
-          </p:nvPr>
-        </p:nvSpPr>
-        <p:spPr/>
-        <p:txBody>
-          <a:bodyPr/>
-          <a:lstStyle/>
-          <a:p>
-            <a:r>
-              <a:rPr lang="en-US" dirty="0"/>
-              <a:t>Motivating example:  Recognizing handwritten digits</a:t>
-            </a:r>
-          </a:p>
-          <a:p>
-            <a:pPr lvl="1"/>
-            <a:r>
-              <a:rPr lang="en-US" dirty="0"/>
-              <a:t>Why logistic regression doesn’t work well.</a:t>
-            </a:r>
-          </a:p>
-          <a:p>
-            <a:r>
-              <a:rPr lang="en-US" dirty="0"/>
-              <a:t>Maximum margin classifiers</a:t>
-            </a:r>
-          </a:p>
-          <a:p>
-            <a:r>
-              <a:rPr lang="en-US" dirty="0"/>
-              <a:t>Support vector machines</a:t>
-            </a:r>
-          </a:p>
-          <a:p>
-            <a:r>
-              <a:rPr lang="en-US" dirty="0"/>
-              <a:t>Constrained optimization</a:t>
-            </a:r>
-          </a:p>
-          <a:p>
-            <a:r>
-              <a:rPr lang="en-US" dirty="0"/>
-              <a:t>Kernel trick</a:t>
-            </a:r>
-          </a:p>
-        </p:txBody>
-      </p:sp>
-      <p:sp>
-        <p:nvSpPr>
-          <p:cNvPr id="4" name="Slide Number Placeholder 3"/>
-          <p:cNvSpPr>
-            <a:spLocks noGrp="1"/>
-          </p:cNvSpPr>
-          <p:nvPr>
-            <p:ph type="sldNum" sz="quarter" idx="12"/>
-          </p:nvPr>
-        </p:nvSpPr>
-        <p:spPr/>
-        <p:txBody>
-          <a:bodyPr/>
-          <a:lstStyle/>
-          <a:p>
-            <a:fld id="{629637A9-119A-49DA-BD12-AAC58B377D80}" type="slidenum">
-              <a:rPr lang="en-US" smtClean="0"/>
-              <a:t>16</a:t>
             </a:fld>
             <a:endParaRPr lang="en-US" dirty="0"/>
           </a:p>
@@ -7286,7 +7101,7 @@
 </p:sld>
 </file>
 
-<file path=ppt/slides/slide17.xml><?xml version="1.0" encoding="utf-8"?>
+<file path=ppt/slides/slide16.xml><?xml version="1.0" encoding="utf-8"?>
 <p:sld xmlns:a="http://schemas.openxmlformats.org/drawingml/2006/main" xmlns:r="http://schemas.openxmlformats.org/officeDocument/2006/relationships" xmlns:p="http://schemas.openxmlformats.org/presentationml/2006/main">
   <p:cSld>
     <p:spTree>
@@ -7403,7 +7218,7 @@
           <a:p>
             <a:fld id="{629637A9-119A-49DA-BD12-AAC58B377D80}" type="slidenum">
               <a:rPr lang="en-US" smtClean="0"/>
-              <a:t>17</a:t>
+              <a:t>16</a:t>
             </a:fld>
             <a:endParaRPr lang="en-US" dirty="0"/>
           </a:p>
@@ -7446,7 +7261,7 @@
 </p:sld>
 </file>
 
-<file path=ppt/slides/slide18.xml><?xml version="1.0" encoding="utf-8"?>
+<file path=ppt/slides/slide17.xml><?xml version="1.0" encoding="utf-8"?>
 <p:sld xmlns:a="http://schemas.openxmlformats.org/drawingml/2006/main" xmlns:r="http://schemas.openxmlformats.org/officeDocument/2006/relationships" xmlns:p="http://schemas.openxmlformats.org/presentationml/2006/main">
   <p:cSld>
     <p:spTree>
@@ -7491,8 +7306,8 @@
           </a:p>
         </p:txBody>
       </p:sp>
-      <mc:AlternateContent xmlns:mc="http://schemas.openxmlformats.org/markup-compatibility/2006">
-        <mc:Choice xmlns:a14="http://schemas.microsoft.com/office/drawing/2010/main" Requires="a14">
+      <mc:AlternateContent xmlns:mc="http://schemas.openxmlformats.org/markup-compatibility/2006" xmlns:a14="http://schemas.microsoft.com/office/drawing/2010/main">
+        <mc:Choice Requires="a14">
           <p:sp>
             <p:nvSpPr>
               <p:cNvPr id="3" name="Content Placeholder 2">
@@ -7929,7 +7744,7 @@
             </p:txBody>
           </p:sp>
         </mc:Choice>
-        <mc:Fallback>
+        <mc:Fallback xmlns="">
           <p:sp>
             <p:nvSpPr>
               <p:cNvPr id="3" name="Content Placeholder 2">
@@ -7992,14 +7807,14 @@
           <a:p>
             <a:fld id="{629637A9-119A-49DA-BD12-AAC58B377D80}" type="slidenum">
               <a:rPr lang="en-US" smtClean="0"/>
-              <a:t>18</a:t>
+              <a:t>17</a:t>
             </a:fld>
             <a:endParaRPr lang="en-US" dirty="0"/>
           </a:p>
         </p:txBody>
       </p:sp>
-      <mc:AlternateContent xmlns:mc="http://schemas.openxmlformats.org/markup-compatibility/2006">
-        <mc:Choice xmlns:a14="http://schemas.microsoft.com/office/drawing/2010/main" Requires="a14">
+      <mc:AlternateContent xmlns:mc="http://schemas.openxmlformats.org/markup-compatibility/2006" xmlns:a14="http://schemas.microsoft.com/office/drawing/2010/main">
+        <mc:Choice Requires="a14">
           <p:sp>
             <p:nvSpPr>
               <p:cNvPr id="6" name="Rectangle 5">
@@ -8027,6 +7842,7 @@
               </a:bodyPr>
               <a:lstStyle/>
               <a:p>
+                <a:pPr/>
                 <a14:m>
                   <m:oMathPara xmlns:m="http://schemas.openxmlformats.org/officeDocument/2006/math">
                     <m:oMathParaPr>
@@ -8232,7 +8048,7 @@
             </p:txBody>
           </p:sp>
         </mc:Choice>
-        <mc:Fallback>
+        <mc:Fallback xmlns="">
           <p:sp>
             <p:nvSpPr>
               <p:cNvPr id="6" name="Rectangle 5">
@@ -8290,7 +8106,7 @@
 </p:sld>
 </file>
 
-<file path=ppt/slides/slide19.xml><?xml version="1.0" encoding="utf-8"?>
+<file path=ppt/slides/slide18.xml><?xml version="1.0" encoding="utf-8"?>
 <p:sld xmlns:a="http://schemas.openxmlformats.org/drawingml/2006/main" xmlns:r="http://schemas.openxmlformats.org/officeDocument/2006/relationships" xmlns:p="http://schemas.openxmlformats.org/presentationml/2006/main">
   <p:cSld>
     <p:spTree>
@@ -8337,8 +8153,8 @@
           </a:p>
         </p:txBody>
       </p:sp>
-      <mc:AlternateContent xmlns:mc="http://schemas.openxmlformats.org/markup-compatibility/2006">
-        <mc:Choice xmlns:a14="http://schemas.microsoft.com/office/drawing/2010/main" Requires="a14">
+      <mc:AlternateContent xmlns:mc="http://schemas.openxmlformats.org/markup-compatibility/2006" xmlns:a14="http://schemas.microsoft.com/office/drawing/2010/main">
+        <mc:Choice Requires="a14">
           <p:sp>
             <p:nvSpPr>
               <p:cNvPr id="3" name="Content Placeholder 2"/>
@@ -9439,7 +9255,7 @@
             </p:txBody>
           </p:sp>
         </mc:Choice>
-        <mc:Fallback>
+        <mc:Fallback xmlns="">
           <p:sp>
             <p:nvSpPr>
               <p:cNvPr id="3" name="Content Placeholder 2"/>
@@ -9494,14 +9310,14 @@
           <a:p>
             <a:fld id="{629637A9-119A-49DA-BD12-AAC58B377D80}" type="slidenum">
               <a:rPr lang="en-US" smtClean="0"/>
-              <a:t>19</a:t>
+              <a:t>18</a:t>
             </a:fld>
             <a:endParaRPr lang="en-US" dirty="0"/>
           </a:p>
         </p:txBody>
       </p:sp>
-      <mc:AlternateContent xmlns:mc="http://schemas.openxmlformats.org/markup-compatibility/2006">
-        <mc:Choice xmlns:a14="http://schemas.microsoft.com/office/drawing/2010/main" Requires="a14">
+      <mc:AlternateContent xmlns:mc="http://schemas.openxmlformats.org/markup-compatibility/2006" xmlns:a14="http://schemas.microsoft.com/office/drawing/2010/main">
+        <mc:Choice Requires="a14">
           <p:sp>
             <p:nvSpPr>
               <p:cNvPr id="6" name="TextBox 5"/>
@@ -9592,7 +9408,7 @@
             </p:txBody>
           </p:sp>
         </mc:Choice>
-        <mc:Fallback>
+        <mc:Fallback xmlns="">
           <p:sp>
             <p:nvSpPr>
               <p:cNvPr id="6" name="TextBox 5"/>
@@ -9767,8 +9583,8 @@
             </a:p>
           </p:txBody>
         </p:sp>
-        <mc:AlternateContent xmlns:mc="http://schemas.openxmlformats.org/markup-compatibility/2006">
-          <mc:Choice xmlns:a14="http://schemas.microsoft.com/office/drawing/2010/main" Requires="a14">
+        <mc:AlternateContent xmlns:mc="http://schemas.openxmlformats.org/markup-compatibility/2006" xmlns:a14="http://schemas.microsoft.com/office/drawing/2010/main">
+          <mc:Choice Requires="a14">
             <p:sp>
               <p:nvSpPr>
                 <p:cNvPr id="14" name="TextBox 13"/>
@@ -9812,7 +9628,7 @@
               </p:txBody>
             </p:sp>
           </mc:Choice>
-          <mc:Fallback>
+          <mc:Fallback xmlns="">
             <p:sp>
               <p:nvSpPr>
                 <p:cNvPr id="14" name="TextBox 13"/>
@@ -9851,8 +9667,8 @@
             </p:sp>
           </mc:Fallback>
         </mc:AlternateContent>
-        <mc:AlternateContent xmlns:mc="http://schemas.openxmlformats.org/markup-compatibility/2006">
-          <mc:Choice xmlns:a14="http://schemas.microsoft.com/office/drawing/2010/main" Requires="a14">
+        <mc:AlternateContent xmlns:mc="http://schemas.openxmlformats.org/markup-compatibility/2006" xmlns:a14="http://schemas.microsoft.com/office/drawing/2010/main">
+          <mc:Choice Requires="a14">
             <p:sp>
               <p:nvSpPr>
                 <p:cNvPr id="15" name="TextBox 14"/>
@@ -9896,7 +9712,7 @@
               </p:txBody>
             </p:sp>
           </mc:Choice>
-          <mc:Fallback>
+          <mc:Fallback xmlns="">
             <p:sp>
               <p:nvSpPr>
                 <p:cNvPr id="15" name="TextBox 14"/>
@@ -9936,8 +9752,8 @@
           </mc:Fallback>
         </mc:AlternateContent>
       </p:grpSp>
-      <mc:AlternateContent xmlns:mc="http://schemas.openxmlformats.org/markup-compatibility/2006">
-        <mc:Choice xmlns:a14="http://schemas.microsoft.com/office/drawing/2010/main" Requires="a14">
+      <mc:AlternateContent xmlns:mc="http://schemas.openxmlformats.org/markup-compatibility/2006" xmlns:a14="http://schemas.microsoft.com/office/drawing/2010/main">
+        <mc:Choice Requires="a14">
           <p:sp>
             <p:nvSpPr>
               <p:cNvPr id="9" name="TextBox 8">
@@ -10233,7 +10049,7 @@
             </p:txBody>
           </p:sp>
         </mc:Choice>
-        <mc:Fallback>
+        <mc:Fallback xmlns="">
           <p:sp>
             <p:nvSpPr>
               <p:cNvPr id="9" name="TextBox 8">
@@ -10291,159 +10107,7 @@
 </p:sld>
 </file>
 
-<file path=ppt/slides/slide2.xml><?xml version="1.0" encoding="utf-8"?>
-<p:sld xmlns:a="http://schemas.openxmlformats.org/drawingml/2006/main" xmlns:r="http://schemas.openxmlformats.org/officeDocument/2006/relationships" xmlns:p="http://schemas.openxmlformats.org/presentationml/2006/main">
-  <p:cSld>
-    <p:spTree>
-      <p:nvGrpSpPr>
-        <p:cNvPr id="1" name=""/>
-        <p:cNvGrpSpPr/>
-        <p:nvPr/>
-      </p:nvGrpSpPr>
-      <p:grpSpPr>
-        <a:xfrm>
-          <a:off x="0" y="0"/>
-          <a:ext cx="0" cy="0"/>
-          <a:chOff x="0" y="0"/>
-          <a:chExt cx="0" cy="0"/>
-        </a:xfrm>
-      </p:grpSpPr>
-      <p:sp>
-        <p:nvSpPr>
-          <p:cNvPr id="2" name="Title 1"/>
-          <p:cNvSpPr>
-            <a:spLocks noGrp="1"/>
-          </p:cNvSpPr>
-          <p:nvPr>
-            <p:ph type="title"/>
-          </p:nvPr>
-        </p:nvSpPr>
-        <p:spPr/>
-        <p:txBody>
-          <a:bodyPr/>
-          <a:lstStyle/>
-          <a:p>
-            <a:r>
-              <a:rPr lang="en-US" dirty="0"/>
-              <a:t>Learning Objectives</a:t>
-            </a:r>
-          </a:p>
-        </p:txBody>
-      </p:sp>
-      <p:sp>
-        <p:nvSpPr>
-          <p:cNvPr id="3" name="Content Placeholder 2"/>
-          <p:cNvSpPr>
-            <a:spLocks noGrp="1"/>
-          </p:cNvSpPr>
-          <p:nvPr>
-            <p:ph idx="1"/>
-          </p:nvPr>
-        </p:nvSpPr>
-        <p:spPr/>
-        <p:txBody>
-          <a:bodyPr>
-            <a:normAutofit/>
-          </a:bodyPr>
-          <a:lstStyle/>
-          <a:p>
-            <a:r>
-              <a:rPr lang="en-US" dirty="0"/>
-              <a:t>Interpret weights in linear classification of images</a:t>
-            </a:r>
-          </a:p>
-          <a:p>
-            <a:r>
-              <a:rPr lang="en-US" dirty="0"/>
-              <a:t>Define the margin in linear classification</a:t>
-            </a:r>
-          </a:p>
-          <a:p>
-            <a:r>
-              <a:rPr lang="en-US" dirty="0"/>
-              <a:t>Describe the SVM classification problem.</a:t>
-            </a:r>
-          </a:p>
-          <a:p>
-            <a:r>
-              <a:rPr lang="en-US" dirty="0"/>
-              <a:t>Write equations for solutions of constrained optimization using the </a:t>
-            </a:r>
-            <a:r>
-              <a:rPr lang="en-US" dirty="0" err="1"/>
-              <a:t>Lagrangian</a:t>
-            </a:r>
-            <a:r>
-              <a:rPr lang="en-US" dirty="0"/>
-              <a:t>.</a:t>
-            </a:r>
-          </a:p>
-          <a:p>
-            <a:r>
-              <a:rPr lang="en-US" dirty="0"/>
-              <a:t>Describe a kernel SVM problem</a:t>
-            </a:r>
-          </a:p>
-          <a:p>
-            <a:r>
-              <a:rPr lang="en-US" dirty="0"/>
-              <a:t>Select SVM parameters from cross-validation</a:t>
-            </a:r>
-          </a:p>
-          <a:p>
-            <a:endParaRPr lang="en-US" dirty="0"/>
-          </a:p>
-          <a:p>
-            <a:endParaRPr lang="en-US" dirty="0"/>
-          </a:p>
-          <a:p>
-            <a:endParaRPr lang="en-US" dirty="0"/>
-          </a:p>
-          <a:p>
-            <a:endParaRPr lang="en-US" dirty="0"/>
-          </a:p>
-          <a:p>
-            <a:endParaRPr lang="en-US" dirty="0"/>
-          </a:p>
-        </p:txBody>
-      </p:sp>
-      <p:sp>
-        <p:nvSpPr>
-          <p:cNvPr id="4" name="Slide Number Placeholder 3"/>
-          <p:cNvSpPr>
-            <a:spLocks noGrp="1"/>
-          </p:cNvSpPr>
-          <p:nvPr>
-            <p:ph type="sldNum" sz="quarter" idx="12"/>
-          </p:nvPr>
-        </p:nvSpPr>
-        <p:spPr/>
-        <p:txBody>
-          <a:bodyPr/>
-          <a:lstStyle/>
-          <a:p>
-            <a:fld id="{629637A9-119A-49DA-BD12-AAC58B377D80}" type="slidenum">
-              <a:rPr lang="en-US" smtClean="0"/>
-              <a:t>2</a:t>
-            </a:fld>
-            <a:endParaRPr lang="en-US" dirty="0"/>
-          </a:p>
-        </p:txBody>
-      </p:sp>
-    </p:spTree>
-    <p:extLst>
-      <p:ext uri="{BB962C8B-B14F-4D97-AF65-F5344CB8AC3E}">
-        <p14:creationId xmlns:p14="http://schemas.microsoft.com/office/powerpoint/2010/main" val="2210901991"/>
-      </p:ext>
-    </p:extLst>
-  </p:cSld>
-  <p:clrMapOvr>
-    <a:masterClrMapping/>
-  </p:clrMapOvr>
-</p:sld>
-</file>
-
-<file path=ppt/slides/slide20.xml><?xml version="1.0" encoding="utf-8"?>
+<file path=ppt/slides/slide19.xml><?xml version="1.0" encoding="utf-8"?>
 <p:sld xmlns:a="http://schemas.openxmlformats.org/drawingml/2006/main" xmlns:r="http://schemas.openxmlformats.org/officeDocument/2006/relationships" xmlns:p="http://schemas.openxmlformats.org/presentationml/2006/main">
   <p:cSld>
     <p:spTree>
@@ -10540,7 +10204,7 @@
           <a:p>
             <a:fld id="{629637A9-119A-49DA-BD12-AAC58B377D80}" type="slidenum">
               <a:rPr lang="en-US" smtClean="0"/>
-              <a:t>20</a:t>
+              <a:t>19</a:t>
             </a:fld>
             <a:endParaRPr lang="en-US" dirty="0"/>
           </a:p>
@@ -10714,7 +10378,7 @@
 </p:sld>
 </file>
 
-<file path=ppt/slides/slide21.xml><?xml version="1.0" encoding="utf-8"?>
+<file path=ppt/slides/slide2.xml><?xml version="1.0" encoding="utf-8"?>
 <p:sld xmlns:a="http://schemas.openxmlformats.org/drawingml/2006/main" xmlns:r="http://schemas.openxmlformats.org/officeDocument/2006/relationships" xmlns:p="http://schemas.openxmlformats.org/presentationml/2006/main">
   <p:cSld>
     <p:spTree>
@@ -10748,13 +10412,165 @@
           <a:p>
             <a:r>
               <a:rPr lang="en-US" dirty="0"/>
+              <a:t>Learning Objectives</a:t>
+            </a:r>
+          </a:p>
+        </p:txBody>
+      </p:sp>
+      <p:sp>
+        <p:nvSpPr>
+          <p:cNvPr id="3" name="Content Placeholder 2"/>
+          <p:cNvSpPr>
+            <a:spLocks noGrp="1"/>
+          </p:cNvSpPr>
+          <p:nvPr>
+            <p:ph idx="1"/>
+          </p:nvPr>
+        </p:nvSpPr>
+        <p:spPr/>
+        <p:txBody>
+          <a:bodyPr>
+            <a:normAutofit/>
+          </a:bodyPr>
+          <a:lstStyle/>
+          <a:p>
+            <a:r>
+              <a:rPr lang="en-US" dirty="0"/>
+              <a:t>Interpret weights in linear classification of images</a:t>
+            </a:r>
+          </a:p>
+          <a:p>
+            <a:r>
+              <a:rPr lang="en-US" dirty="0"/>
+              <a:t>Define the margin in linear classification</a:t>
+            </a:r>
+          </a:p>
+          <a:p>
+            <a:r>
+              <a:rPr lang="en-US" dirty="0"/>
+              <a:t>Describe the SVM classification problem.</a:t>
+            </a:r>
+          </a:p>
+          <a:p>
+            <a:r>
+              <a:rPr lang="en-US" dirty="0"/>
+              <a:t>Write equations for solutions of constrained optimization using the </a:t>
+            </a:r>
+            <a:r>
+              <a:rPr lang="en-US" dirty="0" err="1"/>
+              <a:t>Lagrangian</a:t>
+            </a:r>
+            <a:r>
+              <a:rPr lang="en-US" dirty="0"/>
+              <a:t>.</a:t>
+            </a:r>
+          </a:p>
+          <a:p>
+            <a:r>
+              <a:rPr lang="en-US" dirty="0"/>
+              <a:t>Describe a kernel SVM problem</a:t>
+            </a:r>
+          </a:p>
+          <a:p>
+            <a:r>
+              <a:rPr lang="en-US" dirty="0"/>
+              <a:t>Select SVM parameters from cross-validation</a:t>
+            </a:r>
+          </a:p>
+          <a:p>
+            <a:endParaRPr lang="en-US" dirty="0"/>
+          </a:p>
+          <a:p>
+            <a:endParaRPr lang="en-US" dirty="0"/>
+          </a:p>
+          <a:p>
+            <a:endParaRPr lang="en-US" dirty="0"/>
+          </a:p>
+          <a:p>
+            <a:endParaRPr lang="en-US" dirty="0"/>
+          </a:p>
+          <a:p>
+            <a:endParaRPr lang="en-US" dirty="0"/>
+          </a:p>
+        </p:txBody>
+      </p:sp>
+      <p:sp>
+        <p:nvSpPr>
+          <p:cNvPr id="4" name="Slide Number Placeholder 3"/>
+          <p:cNvSpPr>
+            <a:spLocks noGrp="1"/>
+          </p:cNvSpPr>
+          <p:nvPr>
+            <p:ph type="sldNum" sz="quarter" idx="12"/>
+          </p:nvPr>
+        </p:nvSpPr>
+        <p:spPr/>
+        <p:txBody>
+          <a:bodyPr/>
+          <a:lstStyle/>
+          <a:p>
+            <a:fld id="{629637A9-119A-49DA-BD12-AAC58B377D80}" type="slidenum">
+              <a:rPr lang="en-US" smtClean="0"/>
+              <a:t>2</a:t>
+            </a:fld>
+            <a:endParaRPr lang="en-US" dirty="0"/>
+          </a:p>
+        </p:txBody>
+      </p:sp>
+    </p:spTree>
+    <p:extLst>
+      <p:ext uri="{BB962C8B-B14F-4D97-AF65-F5344CB8AC3E}">
+        <p14:creationId xmlns:p14="http://schemas.microsoft.com/office/powerpoint/2010/main" val="2210901991"/>
+      </p:ext>
+    </p:extLst>
+  </p:cSld>
+  <p:clrMapOvr>
+    <a:masterClrMapping/>
+  </p:clrMapOvr>
+</p:sld>
+</file>
+
+<file path=ppt/slides/slide20.xml><?xml version="1.0" encoding="utf-8"?>
+<p:sld xmlns:a="http://schemas.openxmlformats.org/drawingml/2006/main" xmlns:r="http://schemas.openxmlformats.org/officeDocument/2006/relationships" xmlns:p="http://schemas.openxmlformats.org/presentationml/2006/main">
+  <p:cSld>
+    <p:spTree>
+      <p:nvGrpSpPr>
+        <p:cNvPr id="1" name=""/>
+        <p:cNvGrpSpPr/>
+        <p:nvPr/>
+      </p:nvGrpSpPr>
+      <p:grpSpPr>
+        <a:xfrm>
+          <a:off x="0" y="0"/>
+          <a:ext cx="0" cy="0"/>
+          <a:chOff x="0" y="0"/>
+          <a:chExt cx="0" cy="0"/>
+        </a:xfrm>
+      </p:grpSpPr>
+      <p:sp>
+        <p:nvSpPr>
+          <p:cNvPr id="2" name="Title 1"/>
+          <p:cNvSpPr>
+            <a:spLocks noGrp="1"/>
+          </p:cNvSpPr>
+          <p:nvPr>
+            <p:ph type="title"/>
+          </p:nvPr>
+        </p:nvSpPr>
+        <p:spPr/>
+        <p:txBody>
+          <a:bodyPr/>
+          <a:lstStyle/>
+          <a:p>
+            <a:r>
+              <a:rPr lang="en-US" dirty="0"/>
               <a:t>Maximum Margin Classifier</a:t>
             </a:r>
           </a:p>
         </p:txBody>
       </p:sp>
-      <mc:AlternateContent xmlns:mc="http://schemas.openxmlformats.org/markup-compatibility/2006">
-        <mc:Choice xmlns:a14="http://schemas.microsoft.com/office/drawing/2010/main" Requires="a14">
+      <mc:AlternateContent xmlns:mc="http://schemas.openxmlformats.org/markup-compatibility/2006" xmlns:a14="http://schemas.microsoft.com/office/drawing/2010/main">
+        <mc:Choice Requires="a14">
           <p:sp>
             <p:nvSpPr>
               <p:cNvPr id="3" name="Content Placeholder 2"/>
@@ -11138,7 +10954,7 @@
             </p:txBody>
           </p:sp>
         </mc:Choice>
-        <mc:Fallback>
+        <mc:Fallback xmlns="">
           <p:sp>
             <p:nvSpPr>
               <p:cNvPr id="3" name="Content Placeholder 2"/>
@@ -11189,7 +11005,7 @@
           <a:p>
             <a:fld id="{629637A9-119A-49DA-BD12-AAC58B377D80}" type="slidenum">
               <a:rPr lang="en-US" smtClean="0"/>
-              <a:t>21</a:t>
+              <a:t>20</a:t>
             </a:fld>
             <a:endParaRPr lang="en-US" dirty="0"/>
           </a:p>
@@ -11394,7 +11210,7 @@
 </p:sld>
 </file>
 
-<file path=ppt/slides/slide22.xml><?xml version="1.0" encoding="utf-8"?>
+<file path=ppt/slides/slide21.xml><?xml version="1.0" encoding="utf-8"?>
 <p:sld xmlns:a="http://schemas.openxmlformats.org/drawingml/2006/main" xmlns:r="http://schemas.openxmlformats.org/officeDocument/2006/relationships" xmlns:p="http://schemas.openxmlformats.org/presentationml/2006/main">
   <p:cSld>
     <p:spTree>
@@ -11508,7 +11324,7 @@
           <a:p>
             <a:fld id="{629637A9-119A-49DA-BD12-AAC58B377D80}" type="slidenum">
               <a:rPr lang="en-US" smtClean="0"/>
-              <a:t>22</a:t>
+              <a:t>21</a:t>
             </a:fld>
             <a:endParaRPr lang="en-US" dirty="0"/>
           </a:p>
@@ -11594,7 +11410,7 @@
 </p:sld>
 </file>
 
-<file path=ppt/slides/slide23.xml><?xml version="1.0" encoding="utf-8"?>
+<file path=ppt/slides/slide22.xml><?xml version="1.0" encoding="utf-8"?>
 <p:sld xmlns:a="http://schemas.openxmlformats.org/drawingml/2006/main" xmlns:r="http://schemas.openxmlformats.org/officeDocument/2006/relationships" xmlns:p="http://schemas.openxmlformats.org/presentationml/2006/main">
   <p:cSld>
     <p:spTree>
@@ -11715,7 +11531,7 @@
           <a:p>
             <a:fld id="{629637A9-119A-49DA-BD12-AAC58B377D80}" type="slidenum">
               <a:rPr lang="en-US" smtClean="0"/>
-              <a:t>23</a:t>
+              <a:t>22</a:t>
             </a:fld>
             <a:endParaRPr lang="en-US" dirty="0"/>
           </a:p>
@@ -11840,7 +11656,7 @@
 </p:sld>
 </file>
 
-<file path=ppt/slides/slide24.xml><?xml version="1.0" encoding="utf-8"?>
+<file path=ppt/slides/slide23.xml><?xml version="1.0" encoding="utf-8"?>
 <p:sld xmlns:a="http://schemas.openxmlformats.org/drawingml/2006/main" xmlns:r="http://schemas.openxmlformats.org/officeDocument/2006/relationships" xmlns:p="http://schemas.openxmlformats.org/presentationml/2006/main">
   <p:cSld>
     <p:spTree>
@@ -11949,7 +11765,7 @@
           <a:p>
             <a:fld id="{629637A9-119A-49DA-BD12-AAC58B377D80}" type="slidenum">
               <a:rPr lang="en-US" smtClean="0"/>
-              <a:t>24</a:t>
+              <a:t>23</a:t>
             </a:fld>
             <a:endParaRPr lang="en-US" dirty="0"/>
           </a:p>
@@ -12014,7 +11830,7 @@
 </p:sld>
 </file>
 
-<file path=ppt/slides/slide25.xml><?xml version="1.0" encoding="utf-8"?>
+<file path=ppt/slides/slide24.xml><?xml version="1.0" encoding="utf-8"?>
 <p:sld xmlns:a="http://schemas.openxmlformats.org/drawingml/2006/main" xmlns:r="http://schemas.openxmlformats.org/officeDocument/2006/relationships" xmlns:p="http://schemas.openxmlformats.org/presentationml/2006/main">
   <p:cSld>
     <p:spTree>
@@ -12164,7 +11980,7 @@
           <a:p>
             <a:fld id="{629637A9-119A-49DA-BD12-AAC58B377D80}" type="slidenum">
               <a:rPr lang="en-US" smtClean="0"/>
-              <a:t>25</a:t>
+              <a:t>24</a:t>
             </a:fld>
             <a:endParaRPr lang="en-US" dirty="0"/>
           </a:p>
@@ -12248,7 +12064,7 @@
 </p:sld>
 </file>
 
-<file path=ppt/slides/slide26.xml><?xml version="1.0" encoding="utf-8"?>
+<file path=ppt/slides/slide25.xml><?xml version="1.0" encoding="utf-8"?>
 <p:sld xmlns:a="http://schemas.openxmlformats.org/drawingml/2006/main" xmlns:r="http://schemas.openxmlformats.org/officeDocument/2006/relationships" xmlns:p="http://schemas.openxmlformats.org/presentationml/2006/main">
   <p:cSld>
     <p:spTree>
@@ -12287,8 +12103,8 @@
           </a:p>
         </p:txBody>
       </p:sp>
-      <mc:AlternateContent xmlns:mc="http://schemas.openxmlformats.org/markup-compatibility/2006">
-        <mc:Choice xmlns:a14="http://schemas.microsoft.com/office/drawing/2010/main" Requires="a14">
+      <mc:AlternateContent xmlns:mc="http://schemas.openxmlformats.org/markup-compatibility/2006" xmlns:a14="http://schemas.microsoft.com/office/drawing/2010/main">
+        <mc:Choice Requires="a14">
           <p:sp>
             <p:nvSpPr>
               <p:cNvPr id="3" name="Content Placeholder 2"/>
@@ -13048,7 +12864,7 @@
             </p:txBody>
           </p:sp>
         </mc:Choice>
-        <mc:Fallback>
+        <mc:Fallback xmlns="">
           <p:sp>
             <p:nvSpPr>
               <p:cNvPr id="3" name="Content Placeholder 2"/>
@@ -13103,7 +12919,7 @@
           <a:p>
             <a:fld id="{629637A9-119A-49DA-BD12-AAC58B377D80}" type="slidenum">
               <a:rPr lang="en-US" smtClean="0"/>
-              <a:t>26</a:t>
+              <a:t>25</a:t>
             </a:fld>
             <a:endParaRPr lang="en-US" dirty="0"/>
           </a:p>
@@ -13618,7 +13434,7 @@
 </p:sld>
 </file>
 
-<file path=ppt/slides/slide27.xml><?xml version="1.0" encoding="utf-8"?>
+<file path=ppt/slides/slide26.xml><?xml version="1.0" encoding="utf-8"?>
 <p:sld xmlns:a="http://schemas.openxmlformats.org/drawingml/2006/main" xmlns:r="http://schemas.openxmlformats.org/officeDocument/2006/relationships" xmlns:p="http://schemas.openxmlformats.org/presentationml/2006/main">
   <p:cSld>
     <p:spTree>
@@ -14271,7 +14087,7 @@
           <a:p>
             <a:fld id="{629637A9-119A-49DA-BD12-AAC58B377D80}" type="slidenum">
               <a:rPr lang="en-US" smtClean="0"/>
-              <a:t>27</a:t>
+              <a:t>26</a:t>
             </a:fld>
             <a:endParaRPr lang="en-US" dirty="0"/>
           </a:p>
@@ -14318,8 +14134,8 @@
           </a:p>
         </p:txBody>
       </p:sp>
-      <mc:AlternateContent xmlns:mc="http://schemas.openxmlformats.org/markup-compatibility/2006">
-        <mc:Choice xmlns:a14="http://schemas.microsoft.com/office/drawing/2010/main" Requires="a14">
+      <mc:AlternateContent xmlns:mc="http://schemas.openxmlformats.org/markup-compatibility/2006" xmlns:a14="http://schemas.microsoft.com/office/drawing/2010/main">
+        <mc:Choice Requires="a14">
           <p:sp>
             <p:nvSpPr>
               <p:cNvPr id="15" name="TextBox 14"/>
@@ -14342,7 +14158,6 @@
               </a:bodyPr>
               <a:lstStyle/>
               <a:p>
-                <a:pPr/>
                 <a:r>
                   <a:rPr lang="en-US" dirty="0">
                     <a:solidFill>
@@ -14409,7 +14224,7 @@
             </p:txBody>
           </p:sp>
         </mc:Choice>
-        <mc:Fallback>
+        <mc:Fallback xmlns="">
           <p:sp>
             <p:nvSpPr>
               <p:cNvPr id="15" name="TextBox 14"/>
@@ -14461,7 +14276,7 @@
 </p:sld>
 </file>
 
-<file path=ppt/slides/slide28.xml><?xml version="1.0" encoding="utf-8"?>
+<file path=ppt/slides/slide27.xml><?xml version="1.0" encoding="utf-8"?>
 <p:sld xmlns:a="http://schemas.openxmlformats.org/drawingml/2006/main" xmlns:r="http://schemas.openxmlformats.org/officeDocument/2006/relationships" xmlns:p="http://schemas.openxmlformats.org/presentationml/2006/main">
   <p:cSld>
     <p:spTree>
@@ -14500,8 +14315,8 @@
           </a:p>
         </p:txBody>
       </p:sp>
-      <mc:AlternateContent xmlns:mc="http://schemas.openxmlformats.org/markup-compatibility/2006">
-        <mc:Choice xmlns:a14="http://schemas.microsoft.com/office/drawing/2010/main" Requires="a14">
+      <mc:AlternateContent xmlns:mc="http://schemas.openxmlformats.org/markup-compatibility/2006" xmlns:a14="http://schemas.microsoft.com/office/drawing/2010/main">
+        <mc:Choice Requires="a14">
           <p:sp>
             <p:nvSpPr>
               <p:cNvPr id="3" name="Content Placeholder 2"/>
@@ -15498,7 +15313,7 @@
             </p:txBody>
           </p:sp>
         </mc:Choice>
-        <mc:Fallback>
+        <mc:Fallback xmlns="">
           <p:sp>
             <p:nvSpPr>
               <p:cNvPr id="3" name="Content Placeholder 2"/>
@@ -15549,7 +15364,7 @@
           <a:p>
             <a:fld id="{629637A9-119A-49DA-BD12-AAC58B377D80}" type="slidenum">
               <a:rPr lang="en-US" smtClean="0"/>
-              <a:t>28</a:t>
+              <a:t>27</a:t>
             </a:fld>
             <a:endParaRPr lang="en-US" dirty="0"/>
           </a:p>
@@ -15568,7 +15383,7 @@
 </p:sld>
 </file>
 
-<file path=ppt/slides/slide29.xml><?xml version="1.0" encoding="utf-8"?>
+<file path=ppt/slides/slide28.xml><?xml version="1.0" encoding="utf-8"?>
 <p:sld xmlns:a="http://schemas.openxmlformats.org/drawingml/2006/main" xmlns:r="http://schemas.openxmlformats.org/officeDocument/2006/relationships" xmlns:p="http://schemas.openxmlformats.org/presentationml/2006/main">
   <p:cSld>
     <p:spTree>
@@ -15609,8 +15424,8 @@
           </a:p>
         </p:txBody>
       </p:sp>
-      <mc:AlternateContent xmlns:mc="http://schemas.openxmlformats.org/markup-compatibility/2006">
-        <mc:Choice xmlns:a14="http://schemas.microsoft.com/office/drawing/2010/main" Requires="a14">
+      <mc:AlternateContent xmlns:mc="http://schemas.openxmlformats.org/markup-compatibility/2006" xmlns:a14="http://schemas.microsoft.com/office/drawing/2010/main">
+        <mc:Choice Requires="a14">
           <p:sp>
             <p:nvSpPr>
               <p:cNvPr id="3" name="Content Placeholder 2"/>
@@ -15990,7 +15805,7 @@
             </p:txBody>
           </p:sp>
         </mc:Choice>
-        <mc:Fallback>
+        <mc:Fallback xmlns="">
           <p:sp>
             <p:nvSpPr>
               <p:cNvPr id="3" name="Content Placeholder 2"/>
@@ -16041,7 +15856,7 @@
           <a:p>
             <a:fld id="{629637A9-119A-49DA-BD12-AAC58B377D80}" type="slidenum">
               <a:rPr lang="en-US" smtClean="0"/>
-              <a:t>29</a:t>
+              <a:t>28</a:t>
             </a:fld>
             <a:endParaRPr lang="en-US" dirty="0"/>
           </a:p>
@@ -16060,181 +15875,7 @@
 </p:sld>
 </file>
 
-<file path=ppt/slides/slide3.xml><?xml version="1.0" encoding="utf-8"?>
-<p:sld xmlns:a="http://schemas.openxmlformats.org/drawingml/2006/main" xmlns:r="http://schemas.openxmlformats.org/officeDocument/2006/relationships" xmlns:p="http://schemas.openxmlformats.org/presentationml/2006/main">
-  <p:cSld>
-    <p:spTree>
-      <p:nvGrpSpPr>
-        <p:cNvPr id="1" name=""/>
-        <p:cNvGrpSpPr/>
-        <p:nvPr/>
-      </p:nvGrpSpPr>
-      <p:grpSpPr>
-        <a:xfrm>
-          <a:off x="0" y="0"/>
-          <a:ext cx="0" cy="0"/>
-          <a:chOff x="0" y="0"/>
-          <a:chExt cx="0" cy="0"/>
-        </a:xfrm>
-      </p:grpSpPr>
-      <p:sp>
-        <p:nvSpPr>
-          <p:cNvPr id="2" name="Title 1"/>
-          <p:cNvSpPr>
-            <a:spLocks noGrp="1"/>
-          </p:cNvSpPr>
-          <p:nvPr>
-            <p:ph type="title"/>
-          </p:nvPr>
-        </p:nvSpPr>
-        <p:spPr/>
-        <p:txBody>
-          <a:bodyPr/>
-          <a:lstStyle/>
-          <a:p>
-            <a:r>
-              <a:rPr lang="en-US" dirty="0"/>
-              <a:t>Outline</a:t>
-            </a:r>
-          </a:p>
-        </p:txBody>
-      </p:sp>
-      <p:sp>
-        <p:nvSpPr>
-          <p:cNvPr id="3" name="Content Placeholder 2"/>
-          <p:cNvSpPr>
-            <a:spLocks noGrp="1"/>
-          </p:cNvSpPr>
-          <p:nvPr>
-            <p:ph idx="1"/>
-          </p:nvPr>
-        </p:nvSpPr>
-        <p:spPr/>
-        <p:txBody>
-          <a:bodyPr/>
-          <a:lstStyle/>
-          <a:p>
-            <a:r>
-              <a:rPr lang="en-US" dirty="0"/>
-              <a:t>Motivating example:  Recognizing handwritten digits</a:t>
-            </a:r>
-          </a:p>
-          <a:p>
-            <a:pPr lvl="1"/>
-            <a:r>
-              <a:rPr lang="en-US" dirty="0"/>
-              <a:t>Why logistic regression doesn’t work well.</a:t>
-            </a:r>
-          </a:p>
-          <a:p>
-            <a:r>
-              <a:rPr lang="en-US" dirty="0"/>
-              <a:t>Maximum margin classifiers</a:t>
-            </a:r>
-          </a:p>
-          <a:p>
-            <a:r>
-              <a:rPr lang="en-US" dirty="0"/>
-              <a:t>Support vector machines</a:t>
-            </a:r>
-          </a:p>
-          <a:p>
-            <a:r>
-              <a:rPr lang="en-US" dirty="0"/>
-              <a:t>Constrained optimization</a:t>
-            </a:r>
-          </a:p>
-          <a:p>
-            <a:r>
-              <a:rPr lang="en-US" dirty="0"/>
-              <a:t>Kernel trick</a:t>
-            </a:r>
-          </a:p>
-        </p:txBody>
-      </p:sp>
-      <p:sp>
-        <p:nvSpPr>
-          <p:cNvPr id="4" name="Slide Number Placeholder 3"/>
-          <p:cNvSpPr>
-            <a:spLocks noGrp="1"/>
-          </p:cNvSpPr>
-          <p:nvPr>
-            <p:ph type="sldNum" sz="quarter" idx="12"/>
-          </p:nvPr>
-        </p:nvSpPr>
-        <p:spPr/>
-        <p:txBody>
-          <a:bodyPr/>
-          <a:lstStyle/>
-          <a:p>
-            <a:fld id="{629637A9-119A-49DA-BD12-AAC58B377D80}" type="slidenum">
-              <a:rPr lang="en-US" smtClean="0"/>
-              <a:t>3</a:t>
-            </a:fld>
-            <a:endParaRPr lang="en-US" dirty="0"/>
-          </a:p>
-        </p:txBody>
-      </p:sp>
-      <p:sp>
-        <p:nvSpPr>
-          <p:cNvPr id="5" name="Arrow: Right 4"/>
-          <p:cNvSpPr/>
-          <p:nvPr/>
-        </p:nvSpPr>
-        <p:spPr>
-          <a:xfrm>
-            <a:off x="310392" y="1476462"/>
-            <a:ext cx="978408" cy="484632"/>
-          </a:xfrm>
-          <a:prstGeom prst="rightArrow">
-            <a:avLst/>
-          </a:prstGeom>
-          <a:solidFill>
-            <a:schemeClr val="tx2">
-              <a:lumMod val="60000"/>
-              <a:lumOff val="40000"/>
-            </a:schemeClr>
-          </a:solidFill>
-        </p:spPr>
-        <p:style>
-          <a:lnRef idx="2">
-            <a:schemeClr val="accent1">
-              <a:shade val="50000"/>
-            </a:schemeClr>
-          </a:lnRef>
-          <a:fillRef idx="1">
-            <a:schemeClr val="accent1"/>
-          </a:fillRef>
-          <a:effectRef idx="0">
-            <a:schemeClr val="accent1"/>
-          </a:effectRef>
-          <a:fontRef idx="minor">
-            <a:schemeClr val="lt1"/>
-          </a:fontRef>
-        </p:style>
-        <p:txBody>
-          <a:bodyPr rtlCol="0" anchor="ctr"/>
-          <a:lstStyle/>
-          <a:p>
-            <a:pPr algn="ctr"/>
-            <a:endParaRPr lang="en-US"/>
-          </a:p>
-        </p:txBody>
-      </p:sp>
-    </p:spTree>
-    <p:extLst>
-      <p:ext uri="{BB962C8B-B14F-4D97-AF65-F5344CB8AC3E}">
-        <p14:creationId xmlns:p14="http://schemas.microsoft.com/office/powerpoint/2010/main" val="3809131237"/>
-      </p:ext>
-    </p:extLst>
-  </p:cSld>
-  <p:clrMapOvr>
-    <a:masterClrMapping/>
-  </p:clrMapOvr>
-</p:sld>
-</file>
-
-<file path=ppt/slides/slide30.xml><?xml version="1.0" encoding="utf-8"?>
+<file path=ppt/slides/slide29.xml><?xml version="1.0" encoding="utf-8"?>
 <p:sld xmlns:a="http://schemas.openxmlformats.org/drawingml/2006/main" xmlns:r="http://schemas.openxmlformats.org/officeDocument/2006/relationships" xmlns:p="http://schemas.openxmlformats.org/presentationml/2006/main">
   <p:cSld>
     <p:spTree>
@@ -16623,7 +16264,7 @@
           <a:p>
             <a:fld id="{629637A9-119A-49DA-BD12-AAC58B377D80}" type="slidenum">
               <a:rPr lang="en-US" smtClean="0"/>
-              <a:t>30</a:t>
+              <a:t>29</a:t>
             </a:fld>
             <a:endParaRPr lang="en-US" dirty="0"/>
           </a:p>
@@ -16666,7 +16307,181 @@
 </p:sld>
 </file>
 
-<file path=ppt/slides/slide31.xml><?xml version="1.0" encoding="utf-8"?>
+<file path=ppt/slides/slide3.xml><?xml version="1.0" encoding="utf-8"?>
+<p:sld xmlns:a="http://schemas.openxmlformats.org/drawingml/2006/main" xmlns:r="http://schemas.openxmlformats.org/officeDocument/2006/relationships" xmlns:p="http://schemas.openxmlformats.org/presentationml/2006/main">
+  <p:cSld>
+    <p:spTree>
+      <p:nvGrpSpPr>
+        <p:cNvPr id="1" name=""/>
+        <p:cNvGrpSpPr/>
+        <p:nvPr/>
+      </p:nvGrpSpPr>
+      <p:grpSpPr>
+        <a:xfrm>
+          <a:off x="0" y="0"/>
+          <a:ext cx="0" cy="0"/>
+          <a:chOff x="0" y="0"/>
+          <a:chExt cx="0" cy="0"/>
+        </a:xfrm>
+      </p:grpSpPr>
+      <p:sp>
+        <p:nvSpPr>
+          <p:cNvPr id="2" name="Title 1"/>
+          <p:cNvSpPr>
+            <a:spLocks noGrp="1"/>
+          </p:cNvSpPr>
+          <p:nvPr>
+            <p:ph type="title"/>
+          </p:nvPr>
+        </p:nvSpPr>
+        <p:spPr/>
+        <p:txBody>
+          <a:bodyPr/>
+          <a:lstStyle/>
+          <a:p>
+            <a:r>
+              <a:rPr lang="en-US" dirty="0"/>
+              <a:t>Outline</a:t>
+            </a:r>
+          </a:p>
+        </p:txBody>
+      </p:sp>
+      <p:sp>
+        <p:nvSpPr>
+          <p:cNvPr id="3" name="Content Placeholder 2"/>
+          <p:cNvSpPr>
+            <a:spLocks noGrp="1"/>
+          </p:cNvSpPr>
+          <p:nvPr>
+            <p:ph idx="1"/>
+          </p:nvPr>
+        </p:nvSpPr>
+        <p:spPr/>
+        <p:txBody>
+          <a:bodyPr/>
+          <a:lstStyle/>
+          <a:p>
+            <a:r>
+              <a:rPr lang="en-US" dirty="0"/>
+              <a:t>Motivating example:  Recognizing handwritten digits</a:t>
+            </a:r>
+          </a:p>
+          <a:p>
+            <a:pPr lvl="1"/>
+            <a:r>
+              <a:rPr lang="en-US" dirty="0"/>
+              <a:t>Why logistic regression doesn’t work well.</a:t>
+            </a:r>
+          </a:p>
+          <a:p>
+            <a:r>
+              <a:rPr lang="en-US" dirty="0"/>
+              <a:t>Maximum margin classifiers</a:t>
+            </a:r>
+          </a:p>
+          <a:p>
+            <a:r>
+              <a:rPr lang="en-US" dirty="0"/>
+              <a:t>Support vector machines</a:t>
+            </a:r>
+          </a:p>
+          <a:p>
+            <a:r>
+              <a:rPr lang="en-US" dirty="0"/>
+              <a:t>Constrained optimization</a:t>
+            </a:r>
+          </a:p>
+          <a:p>
+            <a:r>
+              <a:rPr lang="en-US" dirty="0"/>
+              <a:t>Kernel trick</a:t>
+            </a:r>
+          </a:p>
+        </p:txBody>
+      </p:sp>
+      <p:sp>
+        <p:nvSpPr>
+          <p:cNvPr id="4" name="Slide Number Placeholder 3"/>
+          <p:cNvSpPr>
+            <a:spLocks noGrp="1"/>
+          </p:cNvSpPr>
+          <p:nvPr>
+            <p:ph type="sldNum" sz="quarter" idx="12"/>
+          </p:nvPr>
+        </p:nvSpPr>
+        <p:spPr/>
+        <p:txBody>
+          <a:bodyPr/>
+          <a:lstStyle/>
+          <a:p>
+            <a:fld id="{629637A9-119A-49DA-BD12-AAC58B377D80}" type="slidenum">
+              <a:rPr lang="en-US" smtClean="0"/>
+              <a:t>3</a:t>
+            </a:fld>
+            <a:endParaRPr lang="en-US" dirty="0"/>
+          </a:p>
+        </p:txBody>
+      </p:sp>
+      <p:sp>
+        <p:nvSpPr>
+          <p:cNvPr id="5" name="Arrow: Right 4"/>
+          <p:cNvSpPr/>
+          <p:nvPr/>
+        </p:nvSpPr>
+        <p:spPr>
+          <a:xfrm>
+            <a:off x="310392" y="1476462"/>
+            <a:ext cx="978408" cy="484632"/>
+          </a:xfrm>
+          <a:prstGeom prst="rightArrow">
+            <a:avLst/>
+          </a:prstGeom>
+          <a:solidFill>
+            <a:schemeClr val="tx2">
+              <a:lumMod val="60000"/>
+              <a:lumOff val="40000"/>
+            </a:schemeClr>
+          </a:solidFill>
+        </p:spPr>
+        <p:style>
+          <a:lnRef idx="2">
+            <a:schemeClr val="accent1">
+              <a:shade val="50000"/>
+            </a:schemeClr>
+          </a:lnRef>
+          <a:fillRef idx="1">
+            <a:schemeClr val="accent1"/>
+          </a:fillRef>
+          <a:effectRef idx="0">
+            <a:schemeClr val="accent1"/>
+          </a:effectRef>
+          <a:fontRef idx="minor">
+            <a:schemeClr val="lt1"/>
+          </a:fontRef>
+        </p:style>
+        <p:txBody>
+          <a:bodyPr rtlCol="0" anchor="ctr"/>
+          <a:lstStyle/>
+          <a:p>
+            <a:pPr algn="ctr"/>
+            <a:endParaRPr lang="en-US"/>
+          </a:p>
+        </p:txBody>
+      </p:sp>
+    </p:spTree>
+    <p:extLst>
+      <p:ext uri="{BB962C8B-B14F-4D97-AF65-F5344CB8AC3E}">
+        <p14:creationId xmlns:p14="http://schemas.microsoft.com/office/powerpoint/2010/main" val="3809131237"/>
+      </p:ext>
+    </p:extLst>
+  </p:cSld>
+  <p:clrMapOvr>
+    <a:masterClrMapping/>
+  </p:clrMapOvr>
+</p:sld>
+</file>
+
+<file path=ppt/slides/slide30.xml><?xml version="1.0" encoding="utf-8"?>
 <p:sld xmlns:a="http://schemas.openxmlformats.org/drawingml/2006/main" xmlns:r="http://schemas.openxmlformats.org/officeDocument/2006/relationships" xmlns:p="http://schemas.openxmlformats.org/presentationml/2006/main">
   <p:cSld>
     <p:spTree>
@@ -16753,8 +16568,8 @@
           </p:sp>
         </mc:Fallback>
       </mc:AlternateContent>
-      <mc:AlternateContent xmlns:mc="http://schemas.openxmlformats.org/markup-compatibility/2006">
-        <mc:Choice xmlns:a14="http://schemas.microsoft.com/office/drawing/2010/main" Requires="a14">
+      <mc:AlternateContent xmlns:mc="http://schemas.openxmlformats.org/markup-compatibility/2006" xmlns:a14="http://schemas.microsoft.com/office/drawing/2010/main">
+        <mc:Choice Requires="a14">
           <p:sp>
             <p:nvSpPr>
               <p:cNvPr id="3" name="Content Placeholder 2"/>
@@ -16907,7 +16722,7 @@
             </p:txBody>
           </p:sp>
         </mc:Choice>
-        <mc:Fallback>
+        <mc:Fallback xmlns="">
           <p:sp>
             <p:nvSpPr>
               <p:cNvPr id="3" name="Content Placeholder 2"/>
@@ -16962,7 +16777,7 @@
           <a:p>
             <a:fld id="{629637A9-119A-49DA-BD12-AAC58B377D80}" type="slidenum">
               <a:rPr lang="en-US" smtClean="0"/>
-              <a:t>31</a:t>
+              <a:t>30</a:t>
             </a:fld>
             <a:endParaRPr lang="en-US" dirty="0"/>
           </a:p>
@@ -17425,7 +17240,7 @@
 </p:sld>
 </file>
 
-<file path=ppt/slides/slide32.xml><?xml version="1.0" encoding="utf-8"?>
+<file path=ppt/slides/slide31.xml><?xml version="1.0" encoding="utf-8"?>
 <p:sld xmlns:a="http://schemas.openxmlformats.org/drawingml/2006/main" xmlns:r="http://schemas.openxmlformats.org/officeDocument/2006/relationships" xmlns:p="http://schemas.openxmlformats.org/presentationml/2006/main">
   <p:cSld>
     <p:spTree>
@@ -17464,8 +17279,8 @@
           </a:p>
         </p:txBody>
       </p:sp>
-      <mc:AlternateContent xmlns:mc="http://schemas.openxmlformats.org/markup-compatibility/2006">
-        <mc:Choice xmlns:a14="http://schemas.microsoft.com/office/drawing/2010/main" Requires="a14">
+      <mc:AlternateContent xmlns:mc="http://schemas.openxmlformats.org/markup-compatibility/2006" xmlns:a14="http://schemas.microsoft.com/office/drawing/2010/main">
+        <mc:Choice Requires="a14">
           <p:sp>
             <p:nvSpPr>
               <p:cNvPr id="3" name="Content Placeholder 2"/>
@@ -17929,7 +17744,7 @@
             </p:txBody>
           </p:sp>
         </mc:Choice>
-        <mc:Fallback>
+        <mc:Fallback xmlns="">
           <p:sp>
             <p:nvSpPr>
               <p:cNvPr id="3" name="Content Placeholder 2"/>
@@ -17980,7 +17795,7 @@
           <a:p>
             <a:fld id="{629637A9-119A-49DA-BD12-AAC58B377D80}" type="slidenum">
               <a:rPr lang="en-US" smtClean="0"/>
-              <a:t>32</a:t>
+              <a:t>31</a:t>
             </a:fld>
             <a:endParaRPr lang="en-US" dirty="0"/>
           </a:p>
@@ -18023,7 +17838,7 @@
 </p:sld>
 </file>
 
-<file path=ppt/slides/slide33.xml><?xml version="1.0" encoding="utf-8"?>
+<file path=ppt/slides/slide32.xml><?xml version="1.0" encoding="utf-8"?>
 <p:sld xmlns:a="http://schemas.openxmlformats.org/drawingml/2006/main" xmlns:r="http://schemas.openxmlformats.org/officeDocument/2006/relationships" xmlns:p="http://schemas.openxmlformats.org/presentationml/2006/main">
   <p:cSld>
     <p:spTree>
@@ -18132,7 +17947,7 @@
           <a:p>
             <a:fld id="{629637A9-119A-49DA-BD12-AAC58B377D80}" type="slidenum">
               <a:rPr lang="en-US" smtClean="0"/>
-              <a:t>33</a:t>
+              <a:t>32</a:t>
             </a:fld>
             <a:endParaRPr lang="en-US" dirty="0"/>
           </a:p>
@@ -18197,7 +18012,7 @@
 </p:sld>
 </file>
 
-<file path=ppt/slides/slide34.xml><?xml version="1.0" encoding="utf-8"?>
+<file path=ppt/slides/slide33.xml><?xml version="1.0" encoding="utf-8"?>
 <p:sld xmlns:a="http://schemas.openxmlformats.org/drawingml/2006/main" xmlns:r="http://schemas.openxmlformats.org/officeDocument/2006/relationships" xmlns:p="http://schemas.openxmlformats.org/presentationml/2006/main">
   <p:cSld>
     <p:spTree>
@@ -18721,7 +18536,7 @@
           <a:p>
             <a:fld id="{629637A9-119A-49DA-BD12-AAC58B377D80}" type="slidenum">
               <a:rPr lang="en-US" smtClean="0"/>
-              <a:t>34</a:t>
+              <a:t>33</a:t>
             </a:fld>
             <a:endParaRPr lang="en-US" dirty="0"/>
           </a:p>
@@ -18740,7 +18555,7 @@
 </p:sld>
 </file>
 
-<file path=ppt/slides/slide35.xml><?xml version="1.0" encoding="utf-8"?>
+<file path=ppt/slides/slide34.xml><?xml version="1.0" encoding="utf-8"?>
 <p:sld xmlns:a="http://schemas.openxmlformats.org/drawingml/2006/main" xmlns:r="http://schemas.openxmlformats.org/officeDocument/2006/relationships" xmlns:p="http://schemas.openxmlformats.org/presentationml/2006/main">
   <p:cSld>
     <p:spTree>
@@ -18780,8 +18595,8 @@
           </a:p>
         </p:txBody>
       </p:sp>
-      <mc:AlternateContent xmlns:mc="http://schemas.openxmlformats.org/markup-compatibility/2006">
-        <mc:Choice xmlns:a14="http://schemas.microsoft.com/office/drawing/2010/main" Requires="a14">
+      <mc:AlternateContent xmlns:mc="http://schemas.openxmlformats.org/markup-compatibility/2006" xmlns:a14="http://schemas.microsoft.com/office/drawing/2010/main">
+        <mc:Choice Requires="a14">
           <p:sp>
             <p:nvSpPr>
               <p:cNvPr id="3" name="Content Placeholder 2"/>
@@ -19593,7 +19408,7 @@
             </p:txBody>
           </p:sp>
         </mc:Choice>
-        <mc:Fallback>
+        <mc:Fallback xmlns="">
           <p:sp>
             <p:nvSpPr>
               <p:cNvPr id="3" name="Content Placeholder 2"/>
@@ -19644,7 +19459,7 @@
           <a:p>
             <a:fld id="{629637A9-119A-49DA-BD12-AAC58B377D80}" type="slidenum">
               <a:rPr lang="en-US" smtClean="0"/>
-              <a:t>35</a:t>
+              <a:t>34</a:t>
             </a:fld>
             <a:endParaRPr lang="en-US" dirty="0"/>
           </a:p>
@@ -19663,7 +19478,7 @@
 </p:sld>
 </file>
 
-<file path=ppt/slides/slide36.xml><?xml version="1.0" encoding="utf-8"?>
+<file path=ppt/slides/slide35.xml><?xml version="1.0" encoding="utf-8"?>
 <p:sld xmlns:a="http://schemas.openxmlformats.org/drawingml/2006/main" xmlns:r="http://schemas.openxmlformats.org/officeDocument/2006/relationships" xmlns:p="http://schemas.openxmlformats.org/presentationml/2006/main">
   <p:cSld>
     <p:spTree>
@@ -19702,8 +19517,8 @@
           </a:p>
         </p:txBody>
       </p:sp>
-      <mc:AlternateContent xmlns:mc="http://schemas.openxmlformats.org/markup-compatibility/2006">
-        <mc:Choice xmlns:a14="http://schemas.microsoft.com/office/drawing/2010/main" Requires="a14">
+      <mc:AlternateContent xmlns:mc="http://schemas.openxmlformats.org/markup-compatibility/2006" xmlns:a14="http://schemas.microsoft.com/office/drawing/2010/main">
+        <mc:Choice Requires="a14">
           <p:sp>
             <p:nvSpPr>
               <p:cNvPr id="3" name="Content Placeholder 2"/>
@@ -20313,7 +20128,7 @@
             </p:txBody>
           </p:sp>
         </mc:Choice>
-        <mc:Fallback>
+        <mc:Fallback xmlns="">
           <p:sp>
             <p:nvSpPr>
               <p:cNvPr id="3" name="Content Placeholder 2"/>
@@ -20364,7 +20179,7 @@
           <a:p>
             <a:fld id="{629637A9-119A-49DA-BD12-AAC58B377D80}" type="slidenum">
               <a:rPr lang="en-US" smtClean="0"/>
-              <a:t>36</a:t>
+              <a:t>35</a:t>
             </a:fld>
             <a:endParaRPr lang="en-US" dirty="0"/>
           </a:p>
@@ -20383,7 +20198,7 @@
 </p:sld>
 </file>
 
-<file path=ppt/slides/slide37.xml><?xml version="1.0" encoding="utf-8"?>
+<file path=ppt/slides/slide36.xml><?xml version="1.0" encoding="utf-8"?>
 <p:sld xmlns:a="http://schemas.openxmlformats.org/drawingml/2006/main" xmlns:r="http://schemas.openxmlformats.org/officeDocument/2006/relationships" xmlns:p="http://schemas.openxmlformats.org/presentationml/2006/main">
   <p:cSld>
     <p:spTree>
@@ -20422,8 +20237,8 @@
           </a:p>
         </p:txBody>
       </p:sp>
-      <mc:AlternateContent xmlns:mc="http://schemas.openxmlformats.org/markup-compatibility/2006">
-        <mc:Choice xmlns:a14="http://schemas.microsoft.com/office/drawing/2010/main" Requires="a14">
+      <mc:AlternateContent xmlns:mc="http://schemas.openxmlformats.org/markup-compatibility/2006" xmlns:a14="http://schemas.microsoft.com/office/drawing/2010/main">
+        <mc:Choice Requires="a14">
           <p:sp>
             <p:nvSpPr>
               <p:cNvPr id="3" name="Content Placeholder 2"/>
@@ -21127,7 +20942,7 @@
             </p:txBody>
           </p:sp>
         </mc:Choice>
-        <mc:Fallback>
+        <mc:Fallback xmlns="">
           <p:sp>
             <p:nvSpPr>
               <p:cNvPr id="3" name="Content Placeholder 2"/>
@@ -21178,7 +20993,7 @@
           <a:p>
             <a:fld id="{629637A9-119A-49DA-BD12-AAC58B377D80}" type="slidenum">
               <a:rPr lang="en-US" smtClean="0"/>
-              <a:t>37</a:t>
+              <a:t>36</a:t>
             </a:fld>
             <a:endParaRPr lang="en-US" dirty="0"/>
           </a:p>
@@ -21197,7 +21012,7 @@
 </p:sld>
 </file>
 
-<file path=ppt/slides/slide38.xml><?xml version="1.0" encoding="utf-8"?>
+<file path=ppt/slides/slide37.xml><?xml version="1.0" encoding="utf-8"?>
 <p:sld xmlns:a="http://schemas.openxmlformats.org/drawingml/2006/main" xmlns:r="http://schemas.openxmlformats.org/officeDocument/2006/relationships" xmlns:p="http://schemas.openxmlformats.org/presentationml/2006/main">
   <p:cSld>
     <p:spTree>
@@ -21236,8 +21051,8 @@
           </a:p>
         </p:txBody>
       </p:sp>
-      <mc:AlternateContent xmlns:mc="http://schemas.openxmlformats.org/markup-compatibility/2006">
-        <mc:Choice xmlns:a14="http://schemas.microsoft.com/office/drawing/2010/main" Requires="a14">
+      <mc:AlternateContent xmlns:mc="http://schemas.openxmlformats.org/markup-compatibility/2006" xmlns:a14="http://schemas.microsoft.com/office/drawing/2010/main">
+        <mc:Choice Requires="a14">
           <p:sp>
             <p:nvSpPr>
               <p:cNvPr id="3" name="Content Placeholder 2"/>
@@ -21520,7 +21335,7 @@
             </p:txBody>
           </p:sp>
         </mc:Choice>
-        <mc:Fallback>
+        <mc:Fallback xmlns="">
           <p:sp>
             <p:nvSpPr>
               <p:cNvPr id="3" name="Content Placeholder 2"/>
@@ -21571,7 +21386,7 @@
           <a:p>
             <a:fld id="{629637A9-119A-49DA-BD12-AAC58B377D80}" type="slidenum">
               <a:rPr lang="en-US" smtClean="0"/>
-              <a:t>38</a:t>
+              <a:t>37</a:t>
             </a:fld>
             <a:endParaRPr lang="en-US" dirty="0"/>
           </a:p>
@@ -21590,7 +21405,7 @@
 </p:sld>
 </file>
 
-<file path=ppt/slides/slide39.xml><?xml version="1.0" encoding="utf-8"?>
+<file path=ppt/slides/slide38.xml><?xml version="1.0" encoding="utf-8"?>
 <p:sld xmlns:a="http://schemas.openxmlformats.org/drawingml/2006/main" xmlns:r="http://schemas.openxmlformats.org/officeDocument/2006/relationships" xmlns:p="http://schemas.openxmlformats.org/presentationml/2006/main">
   <p:cSld>
     <p:spTree>
@@ -22661,7 +22476,7 @@
           <a:p>
             <a:fld id="{629637A9-119A-49DA-BD12-AAC58B377D80}" type="slidenum">
               <a:rPr lang="en-US" smtClean="0"/>
-              <a:t>39</a:t>
+              <a:t>38</a:t>
             </a:fld>
             <a:endParaRPr lang="en-US" dirty="0"/>
           </a:p>
@@ -22680,205 +22495,7 @@
 </p:sld>
 </file>
 
-<file path=ppt/slides/slide4.xml><?xml version="1.0" encoding="utf-8"?>
-<p:sld xmlns:a="http://schemas.openxmlformats.org/drawingml/2006/main" xmlns:r="http://schemas.openxmlformats.org/officeDocument/2006/relationships" xmlns:p="http://schemas.openxmlformats.org/presentationml/2006/main">
-  <p:cSld>
-    <p:spTree>
-      <p:nvGrpSpPr>
-        <p:cNvPr id="1" name=""/>
-        <p:cNvGrpSpPr/>
-        <p:nvPr/>
-      </p:nvGrpSpPr>
-      <p:grpSpPr>
-        <a:xfrm>
-          <a:off x="0" y="0"/>
-          <a:ext cx="0" cy="0"/>
-          <a:chOff x="0" y="0"/>
-          <a:chExt cx="0" cy="0"/>
-        </a:xfrm>
-      </p:grpSpPr>
-      <p:sp>
-        <p:nvSpPr>
-          <p:cNvPr id="2" name="Title 1"/>
-          <p:cNvSpPr>
-            <a:spLocks noGrp="1"/>
-          </p:cNvSpPr>
-          <p:nvPr>
-            <p:ph type="title"/>
-          </p:nvPr>
-        </p:nvSpPr>
-        <p:spPr/>
-        <p:txBody>
-          <a:bodyPr/>
-          <a:lstStyle/>
-          <a:p>
-            <a:r>
-              <a:rPr lang="en-US" dirty="0"/>
-              <a:t>MNIST Digit Classification</a:t>
-            </a:r>
-          </a:p>
-        </p:txBody>
-      </p:sp>
-      <p:sp>
-        <p:nvSpPr>
-          <p:cNvPr id="3" name="Content Placeholder 2"/>
-          <p:cNvSpPr>
-            <a:spLocks noGrp="1"/>
-          </p:cNvSpPr>
-          <p:nvPr>
-            <p:ph idx="1"/>
-          </p:nvPr>
-        </p:nvSpPr>
-        <p:spPr>
-          <a:xfrm>
-            <a:off x="6814158" y="1678488"/>
-            <a:ext cx="4534423" cy="4190606"/>
-          </a:xfrm>
-        </p:spPr>
-        <p:txBody>
-          <a:bodyPr/>
-          <a:lstStyle/>
-          <a:p>
-            <a:r>
-              <a:rPr lang="en-US" dirty="0"/>
-              <a:t>Problem:  Recognize hand-written digits</a:t>
-            </a:r>
-          </a:p>
-          <a:p>
-            <a:r>
-              <a:rPr lang="en-US" dirty="0"/>
-              <a:t>Original problem:</a:t>
-            </a:r>
-          </a:p>
-          <a:p>
-            <a:pPr lvl="1"/>
-            <a:r>
-              <a:rPr lang="en-US" dirty="0"/>
-              <a:t>Census forms </a:t>
-            </a:r>
-          </a:p>
-          <a:p>
-            <a:pPr lvl="1"/>
-            <a:r>
-              <a:rPr lang="en-US" dirty="0"/>
-              <a:t>Automated processing</a:t>
-            </a:r>
-          </a:p>
-          <a:p>
-            <a:r>
-              <a:rPr lang="en-US" dirty="0"/>
-              <a:t>Classic machine learning problem</a:t>
-            </a:r>
-          </a:p>
-          <a:p>
-            <a:r>
-              <a:rPr lang="en-US" dirty="0"/>
-              <a:t>Benchmark</a:t>
-            </a:r>
-          </a:p>
-          <a:p>
-            <a:endParaRPr lang="en-US" dirty="0"/>
-          </a:p>
-        </p:txBody>
-      </p:sp>
-      <p:sp>
-        <p:nvSpPr>
-          <p:cNvPr id="4" name="Slide Number Placeholder 3"/>
-          <p:cNvSpPr>
-            <a:spLocks noGrp="1"/>
-          </p:cNvSpPr>
-          <p:nvPr>
-            <p:ph type="sldNum" sz="quarter" idx="12"/>
-          </p:nvPr>
-        </p:nvSpPr>
-        <p:spPr/>
-        <p:txBody>
-          <a:bodyPr/>
-          <a:lstStyle/>
-          <a:p>
-            <a:fld id="{629637A9-119A-49DA-BD12-AAC58B377D80}" type="slidenum">
-              <a:rPr lang="en-US" smtClean="0"/>
-              <a:t>4</a:t>
-            </a:fld>
-            <a:endParaRPr lang="en-US" dirty="0"/>
-          </a:p>
-        </p:txBody>
-      </p:sp>
-      <p:pic>
-        <p:nvPicPr>
-          <p:cNvPr id="5" name="Picture 4"/>
-          <p:cNvPicPr>
-            <a:picLocks noChangeAspect="1"/>
-          </p:cNvPicPr>
-          <p:nvPr/>
-        </p:nvPicPr>
-        <p:blipFill>
-          <a:blip r:embed="rId2"/>
-          <a:stretch>
-            <a:fillRect/>
-          </a:stretch>
-        </p:blipFill>
-        <p:spPr>
-          <a:xfrm>
-            <a:off x="343145" y="1678488"/>
-            <a:ext cx="5957447" cy="3125351"/>
-          </a:xfrm>
-          <a:prstGeom prst="rect">
-            <a:avLst/>
-          </a:prstGeom>
-        </p:spPr>
-      </p:pic>
-      <p:sp>
-        <p:nvSpPr>
-          <p:cNvPr id="6" name="TextBox 5"/>
-          <p:cNvSpPr txBox="1"/>
-          <p:nvPr/>
-        </p:nvSpPr>
-        <p:spPr>
-          <a:xfrm>
-            <a:off x="438411" y="5336088"/>
-            <a:ext cx="5062989" cy="369332"/>
-          </a:xfrm>
-          <a:prstGeom prst="rect">
-            <a:avLst/>
-          </a:prstGeom>
-          <a:noFill/>
-        </p:spPr>
-        <p:txBody>
-          <a:bodyPr wrap="none" rtlCol="0">
-            <a:spAutoFit/>
-          </a:bodyPr>
-          <a:lstStyle/>
-          <a:p>
-            <a:r>
-              <a:rPr lang="en-US" dirty="0"/>
-              <a:t>From Patrick J. </a:t>
-            </a:r>
-            <a:r>
-              <a:rPr lang="en-US" dirty="0" err="1"/>
-              <a:t>Grother</a:t>
-            </a:r>
-            <a:r>
-              <a:rPr lang="en-US" dirty="0"/>
-              <a:t>, NIST Special Database, 1995</a:t>
-            </a:r>
-          </a:p>
-        </p:txBody>
-      </p:sp>
-    </p:spTree>
-    <p:extLst>
-      <p:ext uri="{BB962C8B-B14F-4D97-AF65-F5344CB8AC3E}">
-        <p14:creationId xmlns:p14="http://schemas.microsoft.com/office/powerpoint/2010/main" val="2149150460"/>
-      </p:ext>
-    </p:extLst>
-  </p:cSld>
-  <p:clrMapOvr>
-    <a:masterClrMapping/>
-  </p:clrMapOvr>
-</p:sld>
-</file>
-
-<file path=ppt/slides/slide40.xml><?xml version="1.0" encoding="utf-8"?>
+<file path=ppt/slides/slide39.xml><?xml version="1.0" encoding="utf-8"?>
 <p:sld xmlns:a="http://schemas.openxmlformats.org/drawingml/2006/main" xmlns:r="http://schemas.openxmlformats.org/officeDocument/2006/relationships" xmlns:p="http://schemas.openxmlformats.org/presentationml/2006/main">
   <p:cSld>
     <p:spTree>
@@ -24158,7 +23775,7 @@
           <a:p>
             <a:fld id="{629637A9-119A-49DA-BD12-AAC58B377D80}" type="slidenum">
               <a:rPr lang="en-US" smtClean="0"/>
-              <a:t>40</a:t>
+              <a:t>39</a:t>
             </a:fld>
             <a:endParaRPr lang="en-US" dirty="0"/>
           </a:p>
@@ -24177,7 +23794,205 @@
 </p:sld>
 </file>
 
-<file path=ppt/slides/slide41.xml><?xml version="1.0" encoding="utf-8"?>
+<file path=ppt/slides/slide4.xml><?xml version="1.0" encoding="utf-8"?>
+<p:sld xmlns:a="http://schemas.openxmlformats.org/drawingml/2006/main" xmlns:r="http://schemas.openxmlformats.org/officeDocument/2006/relationships" xmlns:p="http://schemas.openxmlformats.org/presentationml/2006/main">
+  <p:cSld>
+    <p:spTree>
+      <p:nvGrpSpPr>
+        <p:cNvPr id="1" name=""/>
+        <p:cNvGrpSpPr/>
+        <p:nvPr/>
+      </p:nvGrpSpPr>
+      <p:grpSpPr>
+        <a:xfrm>
+          <a:off x="0" y="0"/>
+          <a:ext cx="0" cy="0"/>
+          <a:chOff x="0" y="0"/>
+          <a:chExt cx="0" cy="0"/>
+        </a:xfrm>
+      </p:grpSpPr>
+      <p:sp>
+        <p:nvSpPr>
+          <p:cNvPr id="2" name="Title 1"/>
+          <p:cNvSpPr>
+            <a:spLocks noGrp="1"/>
+          </p:cNvSpPr>
+          <p:nvPr>
+            <p:ph type="title"/>
+          </p:nvPr>
+        </p:nvSpPr>
+        <p:spPr/>
+        <p:txBody>
+          <a:bodyPr/>
+          <a:lstStyle/>
+          <a:p>
+            <a:r>
+              <a:rPr lang="en-US" dirty="0"/>
+              <a:t>MNIST Digit Classification</a:t>
+            </a:r>
+          </a:p>
+        </p:txBody>
+      </p:sp>
+      <p:sp>
+        <p:nvSpPr>
+          <p:cNvPr id="3" name="Content Placeholder 2"/>
+          <p:cNvSpPr>
+            <a:spLocks noGrp="1"/>
+          </p:cNvSpPr>
+          <p:nvPr>
+            <p:ph idx="1"/>
+          </p:nvPr>
+        </p:nvSpPr>
+        <p:spPr>
+          <a:xfrm>
+            <a:off x="6814158" y="1678488"/>
+            <a:ext cx="4534423" cy="4190606"/>
+          </a:xfrm>
+        </p:spPr>
+        <p:txBody>
+          <a:bodyPr/>
+          <a:lstStyle/>
+          <a:p>
+            <a:r>
+              <a:rPr lang="en-US" dirty="0"/>
+              <a:t>Problem:  Recognize hand-written digits</a:t>
+            </a:r>
+          </a:p>
+          <a:p>
+            <a:r>
+              <a:rPr lang="en-US" dirty="0"/>
+              <a:t>Original problem:</a:t>
+            </a:r>
+          </a:p>
+          <a:p>
+            <a:pPr lvl="1"/>
+            <a:r>
+              <a:rPr lang="en-US" dirty="0"/>
+              <a:t>Census forms </a:t>
+            </a:r>
+          </a:p>
+          <a:p>
+            <a:pPr lvl="1"/>
+            <a:r>
+              <a:rPr lang="en-US" dirty="0"/>
+              <a:t>Automated processing</a:t>
+            </a:r>
+          </a:p>
+          <a:p>
+            <a:r>
+              <a:rPr lang="en-US" dirty="0"/>
+              <a:t>Classic machine learning problem</a:t>
+            </a:r>
+          </a:p>
+          <a:p>
+            <a:r>
+              <a:rPr lang="en-US" dirty="0"/>
+              <a:t>Benchmark</a:t>
+            </a:r>
+          </a:p>
+          <a:p>
+            <a:endParaRPr lang="en-US" dirty="0"/>
+          </a:p>
+        </p:txBody>
+      </p:sp>
+      <p:sp>
+        <p:nvSpPr>
+          <p:cNvPr id="4" name="Slide Number Placeholder 3"/>
+          <p:cNvSpPr>
+            <a:spLocks noGrp="1"/>
+          </p:cNvSpPr>
+          <p:nvPr>
+            <p:ph type="sldNum" sz="quarter" idx="12"/>
+          </p:nvPr>
+        </p:nvSpPr>
+        <p:spPr/>
+        <p:txBody>
+          <a:bodyPr/>
+          <a:lstStyle/>
+          <a:p>
+            <a:fld id="{629637A9-119A-49DA-BD12-AAC58B377D80}" type="slidenum">
+              <a:rPr lang="en-US" smtClean="0"/>
+              <a:t>4</a:t>
+            </a:fld>
+            <a:endParaRPr lang="en-US" dirty="0"/>
+          </a:p>
+        </p:txBody>
+      </p:sp>
+      <p:pic>
+        <p:nvPicPr>
+          <p:cNvPr id="5" name="Picture 4"/>
+          <p:cNvPicPr>
+            <a:picLocks noChangeAspect="1"/>
+          </p:cNvPicPr>
+          <p:nvPr/>
+        </p:nvPicPr>
+        <p:blipFill>
+          <a:blip r:embed="rId2"/>
+          <a:stretch>
+            <a:fillRect/>
+          </a:stretch>
+        </p:blipFill>
+        <p:spPr>
+          <a:xfrm>
+            <a:off x="343145" y="1678488"/>
+            <a:ext cx="5957447" cy="3125351"/>
+          </a:xfrm>
+          <a:prstGeom prst="rect">
+            <a:avLst/>
+          </a:prstGeom>
+        </p:spPr>
+      </p:pic>
+      <p:sp>
+        <p:nvSpPr>
+          <p:cNvPr id="6" name="TextBox 5"/>
+          <p:cNvSpPr txBox="1"/>
+          <p:nvPr/>
+        </p:nvSpPr>
+        <p:spPr>
+          <a:xfrm>
+            <a:off x="438411" y="5336088"/>
+            <a:ext cx="5062989" cy="369332"/>
+          </a:xfrm>
+          <a:prstGeom prst="rect">
+            <a:avLst/>
+          </a:prstGeom>
+          <a:noFill/>
+        </p:spPr>
+        <p:txBody>
+          <a:bodyPr wrap="none" rtlCol="0">
+            <a:spAutoFit/>
+          </a:bodyPr>
+          <a:lstStyle/>
+          <a:p>
+            <a:r>
+              <a:rPr lang="en-US" dirty="0"/>
+              <a:t>From Patrick J. </a:t>
+            </a:r>
+            <a:r>
+              <a:rPr lang="en-US" dirty="0" err="1"/>
+              <a:t>Grother</a:t>
+            </a:r>
+            <a:r>
+              <a:rPr lang="en-US" dirty="0"/>
+              <a:t>, NIST Special Database, 1995</a:t>
+            </a:r>
+          </a:p>
+        </p:txBody>
+      </p:sp>
+    </p:spTree>
+    <p:extLst>
+      <p:ext uri="{BB962C8B-B14F-4D97-AF65-F5344CB8AC3E}">
+        <p14:creationId xmlns:p14="http://schemas.microsoft.com/office/powerpoint/2010/main" val="2149150460"/>
+      </p:ext>
+    </p:extLst>
+  </p:cSld>
+  <p:clrMapOvr>
+    <a:masterClrMapping/>
+  </p:clrMapOvr>
+</p:sld>
+</file>
+
+<file path=ppt/slides/slide40.xml><?xml version="1.0" encoding="utf-8"?>
 <p:sld xmlns:a="http://schemas.openxmlformats.org/drawingml/2006/main" xmlns:r="http://schemas.openxmlformats.org/officeDocument/2006/relationships" xmlns:p="http://schemas.openxmlformats.org/presentationml/2006/main">
   <p:cSld>
     <p:spTree>
@@ -24574,7 +24389,7 @@
           <a:p>
             <a:fld id="{629637A9-119A-49DA-BD12-AAC58B377D80}" type="slidenum">
               <a:rPr lang="en-US" smtClean="0"/>
-              <a:t>41</a:t>
+              <a:t>40</a:t>
             </a:fld>
             <a:endParaRPr lang="en-US" dirty="0"/>
           </a:p>
@@ -24617,7 +24432,7 @@
 </p:sld>
 </file>
 
-<file path=ppt/slides/slide42.xml><?xml version="1.0" encoding="utf-8"?>
+<file path=ppt/slides/slide41.xml><?xml version="1.0" encoding="utf-8"?>
 <p:sld xmlns:a="http://schemas.openxmlformats.org/drawingml/2006/main" xmlns:r="http://schemas.openxmlformats.org/officeDocument/2006/relationships" xmlns:p="http://schemas.openxmlformats.org/presentationml/2006/main">
   <p:cSld>
     <p:spTree>
@@ -24656,8 +24471,8 @@
           </a:p>
         </p:txBody>
       </p:sp>
-      <mc:AlternateContent xmlns:mc="http://schemas.openxmlformats.org/markup-compatibility/2006">
-        <mc:Choice xmlns:a14="http://schemas.microsoft.com/office/drawing/2010/main" Requires="a14">
+      <mc:AlternateContent xmlns:mc="http://schemas.openxmlformats.org/markup-compatibility/2006" xmlns:a14="http://schemas.microsoft.com/office/drawing/2010/main">
+        <mc:Choice Requires="a14">
           <p:sp>
             <p:nvSpPr>
               <p:cNvPr id="3" name="Content Placeholder 2"/>
@@ -25298,7 +25113,7 @@
             </p:txBody>
           </p:sp>
         </mc:Choice>
-        <mc:Fallback>
+        <mc:Fallback xmlns="">
           <p:sp>
             <p:nvSpPr>
               <p:cNvPr id="3" name="Content Placeholder 2"/>
@@ -25349,7 +25164,7 @@
           <a:p>
             <a:fld id="{629637A9-119A-49DA-BD12-AAC58B377D80}" type="slidenum">
               <a:rPr lang="en-US" smtClean="0"/>
-              <a:t>42</a:t>
+              <a:t>41</a:t>
             </a:fld>
             <a:endParaRPr lang="en-US" dirty="0"/>
           </a:p>
@@ -25368,7 +25183,7 @@
 </p:sld>
 </file>
 
-<file path=ppt/slides/slide43.xml><?xml version="1.0" encoding="utf-8"?>
+<file path=ppt/slides/slide42.xml><?xml version="1.0" encoding="utf-8"?>
 <p:sld xmlns:a="http://schemas.openxmlformats.org/drawingml/2006/main" xmlns:r="http://schemas.openxmlformats.org/officeDocument/2006/relationships" xmlns:p="http://schemas.openxmlformats.org/presentationml/2006/main">
   <p:cSld>
     <p:spTree>
@@ -25477,7 +25292,7 @@
           <a:p>
             <a:fld id="{629637A9-119A-49DA-BD12-AAC58B377D80}" type="slidenum">
               <a:rPr lang="en-US" smtClean="0"/>
-              <a:t>43</a:t>
+              <a:t>42</a:t>
             </a:fld>
             <a:endParaRPr lang="en-US" dirty="0"/>
           </a:p>
@@ -25542,7 +25357,7 @@
 </p:sld>
 </file>
 
-<file path=ppt/slides/slide44.xml><?xml version="1.0" encoding="utf-8"?>
+<file path=ppt/slides/slide43.xml><?xml version="1.0" encoding="utf-8"?>
 <p:sld xmlns:a="http://schemas.openxmlformats.org/drawingml/2006/main" xmlns:r="http://schemas.openxmlformats.org/officeDocument/2006/relationships" xmlns:p="http://schemas.openxmlformats.org/presentationml/2006/main">
   <p:cSld>
     <p:spTree>
@@ -25581,8 +25396,8 @@
           </a:p>
         </p:txBody>
       </p:sp>
-      <mc:AlternateContent xmlns:mc="http://schemas.openxmlformats.org/markup-compatibility/2006">
-        <mc:Choice xmlns:a14="http://schemas.microsoft.com/office/drawing/2010/main" Requires="a14">
+      <mc:AlternateContent xmlns:mc="http://schemas.openxmlformats.org/markup-compatibility/2006" xmlns:a14="http://schemas.microsoft.com/office/drawing/2010/main">
+        <mc:Choice Requires="a14">
           <p:sp>
             <p:nvSpPr>
               <p:cNvPr id="3" name="Content Placeholder 2"/>
@@ -25803,7 +25618,7 @@
             </p:txBody>
           </p:sp>
         </mc:Choice>
-        <mc:Fallback>
+        <mc:Fallback xmlns="">
           <p:sp>
             <p:nvSpPr>
               <p:cNvPr id="3" name="Content Placeholder 2"/>
@@ -25854,7 +25669,7 @@
           <a:p>
             <a:fld id="{629637A9-119A-49DA-BD12-AAC58B377D80}" type="slidenum">
               <a:rPr lang="en-US" smtClean="0"/>
-              <a:t>44</a:t>
+              <a:t>43</a:t>
             </a:fld>
             <a:endParaRPr lang="en-US" dirty="0"/>
           </a:p>
@@ -25943,7 +25758,7 @@
 </p:sld>
 </file>
 
-<file path=ppt/slides/slide45.xml><?xml version="1.0" encoding="utf-8"?>
+<file path=ppt/slides/slide44.xml><?xml version="1.0" encoding="utf-8"?>
 <p:sld xmlns:a="http://schemas.openxmlformats.org/drawingml/2006/main" xmlns:r="http://schemas.openxmlformats.org/officeDocument/2006/relationships" xmlns:p="http://schemas.openxmlformats.org/presentationml/2006/main">
   <p:cSld>
     <p:spTree>
@@ -26775,7 +26590,7 @@
           <a:p>
             <a:fld id="{629637A9-119A-49DA-BD12-AAC58B377D80}" type="slidenum">
               <a:rPr lang="en-US" smtClean="0"/>
-              <a:t>45</a:t>
+              <a:t>44</a:t>
             </a:fld>
             <a:endParaRPr lang="en-US" dirty="0"/>
           </a:p>
@@ -26962,7 +26777,7 @@
 </p:sld>
 </file>
 
-<file path=ppt/slides/slide46.xml><?xml version="1.0" encoding="utf-8"?>
+<file path=ppt/slides/slide45.xml><?xml version="1.0" encoding="utf-8"?>
 <p:sld xmlns:a="http://schemas.openxmlformats.org/drawingml/2006/main" xmlns:r="http://schemas.openxmlformats.org/officeDocument/2006/relationships" xmlns:p="http://schemas.openxmlformats.org/presentationml/2006/main">
   <p:cSld>
     <p:spTree>
@@ -27769,7 +27584,7 @@
           <a:p>
             <a:fld id="{629637A9-119A-49DA-BD12-AAC58B377D80}" type="slidenum">
               <a:rPr lang="en-US" smtClean="0"/>
-              <a:t>46</a:t>
+              <a:t>45</a:t>
             </a:fld>
             <a:endParaRPr lang="en-US" dirty="0"/>
           </a:p>
@@ -27788,7 +27603,7 @@
 </p:sld>
 </file>
 
-<file path=ppt/slides/slide47.xml><?xml version="1.0" encoding="utf-8"?>
+<file path=ppt/slides/slide46.xml><?xml version="1.0" encoding="utf-8"?>
 <p:sld xmlns:a="http://schemas.openxmlformats.org/drawingml/2006/main" xmlns:r="http://schemas.openxmlformats.org/officeDocument/2006/relationships" xmlns:p="http://schemas.openxmlformats.org/presentationml/2006/main">
   <p:cSld>
     <p:spTree>
@@ -27827,8 +27642,8 @@
           </a:p>
         </p:txBody>
       </p:sp>
-      <mc:AlternateContent xmlns:mc="http://schemas.openxmlformats.org/markup-compatibility/2006">
-        <mc:Choice xmlns:a14="http://schemas.microsoft.com/office/drawing/2010/main" Requires="a14">
+      <mc:AlternateContent xmlns:mc="http://schemas.openxmlformats.org/markup-compatibility/2006" xmlns:a14="http://schemas.microsoft.com/office/drawing/2010/main">
+        <mc:Choice Requires="a14">
           <p:sp>
             <p:nvSpPr>
               <p:cNvPr id="3" name="Content Placeholder 2"/>
@@ -28463,7 +28278,7 @@
             </p:txBody>
           </p:sp>
         </mc:Choice>
-        <mc:Fallback>
+        <mc:Fallback xmlns="">
           <p:sp>
             <p:nvSpPr>
               <p:cNvPr id="3" name="Content Placeholder 2"/>
@@ -28514,7 +28329,7 @@
           <a:p>
             <a:fld id="{629637A9-119A-49DA-BD12-AAC58B377D80}" type="slidenum">
               <a:rPr lang="en-US" smtClean="0"/>
-              <a:t>47</a:t>
+              <a:t>46</a:t>
             </a:fld>
             <a:endParaRPr lang="en-US" dirty="0"/>
           </a:p>
@@ -28574,7 +28389,7 @@
 </p:sld>
 </file>
 
-<file path=ppt/slides/slide48.xml><?xml version="1.0" encoding="utf-8"?>
+<file path=ppt/slides/slide47.xml><?xml version="1.0" encoding="utf-8"?>
 <p:sld xmlns:a="http://schemas.openxmlformats.org/drawingml/2006/main" xmlns:r="http://schemas.openxmlformats.org/officeDocument/2006/relationships" xmlns:p="http://schemas.openxmlformats.org/presentationml/2006/main">
   <p:cSld>
     <p:spTree>
@@ -29099,7 +28914,7 @@
           <a:p>
             <a:fld id="{629637A9-119A-49DA-BD12-AAC58B377D80}" type="slidenum">
               <a:rPr lang="en-US" smtClean="0"/>
-              <a:t>48</a:t>
+              <a:t>47</a:t>
             </a:fld>
             <a:endParaRPr lang="en-US" dirty="0"/>
           </a:p>
@@ -29142,7 +28957,7 @@
 </p:sld>
 </file>
 
-<file path=ppt/slides/slide49.xml><?xml version="1.0" encoding="utf-8"?>
+<file path=ppt/slides/slide48.xml><?xml version="1.0" encoding="utf-8"?>
 <p:sld xmlns:a="http://schemas.openxmlformats.org/drawingml/2006/main" xmlns:r="http://schemas.openxmlformats.org/officeDocument/2006/relationships" xmlns:p="http://schemas.openxmlformats.org/presentationml/2006/main">
   <p:cSld>
     <p:spTree>
@@ -29222,8 +29037,8 @@
           </a:p>
         </p:txBody>
       </p:sp>
-      <mc:AlternateContent xmlns:mc="http://schemas.openxmlformats.org/markup-compatibility/2006">
-        <mc:Choice xmlns:a14="http://schemas.microsoft.com/office/drawing/2010/main" Requires="a14">
+      <mc:AlternateContent xmlns:mc="http://schemas.openxmlformats.org/markup-compatibility/2006" xmlns:a14="http://schemas.microsoft.com/office/drawing/2010/main">
+        <mc:Choice Requires="a14">
           <p:sp>
             <p:nvSpPr>
               <p:cNvPr id="3" name="Content Placeholder 2"/>
@@ -29424,7 +29239,7 @@
             </p:txBody>
           </p:sp>
         </mc:Choice>
-        <mc:Fallback>
+        <mc:Fallback xmlns="">
           <p:sp>
             <p:nvSpPr>
               <p:cNvPr id="3" name="Content Placeholder 2"/>
@@ -29475,7 +29290,7 @@
           <a:p>
             <a:fld id="{629637A9-119A-49DA-BD12-AAC58B377D80}" type="slidenum">
               <a:rPr lang="en-US" smtClean="0"/>
-              <a:t>49</a:t>
+              <a:t>48</a:t>
             </a:fld>
             <a:endParaRPr lang="en-US" dirty="0"/>
           </a:p>
@@ -29514,6 +29329,332 @@
     <p:extLst>
       <p:ext uri="{BB962C8B-B14F-4D97-AF65-F5344CB8AC3E}">
         <p14:creationId xmlns:p14="http://schemas.microsoft.com/office/powerpoint/2010/main" val="2106395345"/>
+      </p:ext>
+    </p:extLst>
+  </p:cSld>
+  <p:clrMapOvr>
+    <a:masterClrMapping/>
+  </p:clrMapOvr>
+</p:sld>
+</file>
+
+<file path=ppt/slides/slide49.xml><?xml version="1.0" encoding="utf-8"?>
+<p:sld xmlns:a="http://schemas.openxmlformats.org/drawingml/2006/main" xmlns:r="http://schemas.openxmlformats.org/officeDocument/2006/relationships" xmlns:p="http://schemas.openxmlformats.org/presentationml/2006/main">
+  <p:cSld>
+    <p:spTree>
+      <p:nvGrpSpPr>
+        <p:cNvPr id="1" name=""/>
+        <p:cNvGrpSpPr/>
+        <p:nvPr/>
+      </p:nvGrpSpPr>
+      <p:grpSpPr>
+        <a:xfrm>
+          <a:off x="0" y="0"/>
+          <a:ext cx="0" cy="0"/>
+          <a:chOff x="0" y="0"/>
+          <a:chExt cx="0" cy="0"/>
+        </a:xfrm>
+      </p:grpSpPr>
+      <p:sp>
+        <p:nvSpPr>
+          <p:cNvPr id="2" name="Title 1"/>
+          <p:cNvSpPr>
+            <a:spLocks noGrp="1"/>
+          </p:cNvSpPr>
+          <p:nvPr>
+            <p:ph type="title"/>
+          </p:nvPr>
+        </p:nvSpPr>
+        <p:spPr/>
+        <p:txBody>
+          <a:bodyPr/>
+          <a:lstStyle/>
+          <a:p>
+            <a:r>
+              <a:rPr lang="en-US" dirty="0"/>
+              <a:t>Multi-Class SVMs</a:t>
+            </a:r>
+          </a:p>
+        </p:txBody>
+      </p:sp>
+      <mc:AlternateContent xmlns:mc="http://schemas.openxmlformats.org/markup-compatibility/2006" xmlns:a14="http://schemas.microsoft.com/office/drawing/2010/main">
+        <mc:Choice Requires="a14">
+          <p:sp>
+            <p:nvSpPr>
+              <p:cNvPr id="3" name="Content Placeholder 2"/>
+              <p:cNvSpPr>
+                <a:spLocks noGrp="1"/>
+              </p:cNvSpPr>
+              <p:nvPr>
+                <p:ph idx="1"/>
+              </p:nvPr>
+            </p:nvSpPr>
+            <p:spPr/>
+            <p:txBody>
+              <a:bodyPr/>
+              <a:lstStyle/>
+              <a:p>
+                <a:r>
+                  <a:rPr lang="en-US" dirty="0"/>
+                  <a:t>Suppose there are </a:t>
+                </a:r>
+                <a14:m>
+                  <m:oMath xmlns:m="http://schemas.openxmlformats.org/officeDocument/2006/math">
+                    <m:r>
+                      <a:rPr lang="en-US" b="0" i="1" smtClean="0">
+                        <a:latin typeface="Cambria Math" panose="02040503050406030204" pitchFamily="18" charset="0"/>
+                      </a:rPr>
+                      <m:t>𝐾</m:t>
+                    </m:r>
+                  </m:oMath>
+                </a14:m>
+                <a:r>
+                  <a:rPr lang="en-US" dirty="0"/>
+                  <a:t> classes</a:t>
+                </a:r>
+              </a:p>
+              <a:p>
+                <a:r>
+                  <a:rPr lang="en-US" dirty="0"/>
+                  <a:t>One-vs-one:</a:t>
+                </a:r>
+              </a:p>
+              <a:p>
+                <a:pPr lvl="1"/>
+                <a:r>
+                  <a:rPr lang="en-US" dirty="0"/>
+                  <a:t>Train </a:t>
+                </a:r>
+                <a14:m>
+                  <m:oMath xmlns:m="http://schemas.openxmlformats.org/officeDocument/2006/math">
+                    <m:d>
+                      <m:dPr>
+                        <m:ctrlPr>
+                          <a:rPr lang="en-US" i="1" smtClean="0">
+                            <a:latin typeface="Cambria Math" panose="02040503050406030204" pitchFamily="18" charset="0"/>
+                          </a:rPr>
+                        </m:ctrlPr>
+                      </m:dPr>
+                      <m:e>
+                        <m:m>
+                          <m:mPr>
+                            <m:mcs>
+                              <m:mc>
+                                <m:mcPr>
+                                  <m:count m:val="1"/>
+                                  <m:mcJc m:val="center"/>
+                                </m:mcPr>
+                              </m:mc>
+                            </m:mcs>
+                            <m:ctrlPr>
+                              <a:rPr lang="en-US" i="1" smtClean="0">
+                                <a:latin typeface="Cambria Math" panose="02040503050406030204" pitchFamily="18" charset="0"/>
+                              </a:rPr>
+                            </m:ctrlPr>
+                          </m:mPr>
+                          <m:mr>
+                            <m:e>
+                              <m:r>
+                                <m:rPr>
+                                  <m:brk m:alnAt="7"/>
+                                </m:rPr>
+                                <a:rPr lang="en-US" b="0" i="1" smtClean="0">
+                                  <a:latin typeface="Cambria Math" panose="02040503050406030204" pitchFamily="18" charset="0"/>
+                                </a:rPr>
+                                <m:t>𝐾</m:t>
+                              </m:r>
+                            </m:e>
+                          </m:mr>
+                          <m:mr>
+                            <m:e>
+                              <m:r>
+                                <a:rPr lang="en-US" b="0" i="1" smtClean="0">
+                                  <a:latin typeface="Cambria Math" panose="02040503050406030204" pitchFamily="18" charset="0"/>
+                                </a:rPr>
+                                <m:t>2</m:t>
+                              </m:r>
+                            </m:e>
+                          </m:mr>
+                        </m:m>
+                      </m:e>
+                    </m:d>
+                  </m:oMath>
+                </a14:m>
+                <a:r>
+                  <a:rPr lang="en-US" dirty="0"/>
+                  <a:t> SVMs for each pair of classes</a:t>
+                </a:r>
+              </a:p>
+              <a:p>
+                <a:pPr lvl="1"/>
+                <a:r>
+                  <a:rPr lang="en-US" dirty="0"/>
+                  <a:t>Test sample assigned to class that wins “majority of votes”</a:t>
+                </a:r>
+              </a:p>
+              <a:p>
+                <a:pPr lvl="1"/>
+                <a:r>
+                  <a:rPr lang="en-US" dirty="0"/>
+                  <a:t>Best results but very slow</a:t>
+                </a:r>
+              </a:p>
+              <a:p>
+                <a:r>
+                  <a:rPr lang="en-US" dirty="0"/>
+                  <a:t>One-vs-rest:</a:t>
+                </a:r>
+              </a:p>
+              <a:p>
+                <a:pPr lvl="1"/>
+                <a:r>
+                  <a:rPr lang="en-US" dirty="0"/>
+                  <a:t>Train </a:t>
+                </a:r>
+                <a14:m>
+                  <m:oMath xmlns:m="http://schemas.openxmlformats.org/officeDocument/2006/math">
+                    <m:r>
+                      <a:rPr lang="en-US" i="1">
+                        <a:latin typeface="Cambria Math" panose="02040503050406030204" pitchFamily="18" charset="0"/>
+                      </a:rPr>
+                      <m:t>𝐾</m:t>
+                    </m:r>
+                  </m:oMath>
+                </a14:m>
+                <a:r>
+                  <a:rPr lang="en-US" dirty="0"/>
+                  <a:t> SVMs:  train each class </a:t>
+                </a:r>
+                <a14:m>
+                  <m:oMath xmlns:m="http://schemas.openxmlformats.org/officeDocument/2006/math">
+                    <m:r>
+                      <a:rPr lang="en-US" b="0" i="1" smtClean="0">
+                        <a:latin typeface="Cambria Math" panose="02040503050406030204" pitchFamily="18" charset="0"/>
+                      </a:rPr>
+                      <m:t>𝑘</m:t>
+                    </m:r>
+                  </m:oMath>
+                </a14:m>
+                <a:r>
+                  <a:rPr lang="en-US" dirty="0"/>
+                  <a:t> against all other classes</a:t>
+                </a:r>
+              </a:p>
+              <a:p>
+                <a:pPr lvl="1"/>
+                <a:r>
+                  <a:rPr lang="en-US" dirty="0"/>
+                  <a:t>Pick class with highest </a:t>
+                </a:r>
+                <a14:m>
+                  <m:oMath xmlns:m="http://schemas.openxmlformats.org/officeDocument/2006/math">
+                    <m:sSub>
+                      <m:sSubPr>
+                        <m:ctrlPr>
+                          <a:rPr lang="en-US" b="0" i="1" smtClean="0">
+                            <a:latin typeface="Cambria Math" panose="02040503050406030204" pitchFamily="18" charset="0"/>
+                          </a:rPr>
+                        </m:ctrlPr>
+                      </m:sSubPr>
+                      <m:e>
+                        <m:r>
+                          <a:rPr lang="en-US" b="0" i="1" smtClean="0">
+                            <a:latin typeface="Cambria Math" panose="02040503050406030204" pitchFamily="18" charset="0"/>
+                          </a:rPr>
+                          <m:t>𝑧</m:t>
+                        </m:r>
+                      </m:e>
+                      <m:sub>
+                        <m:r>
+                          <a:rPr lang="en-US" b="0" i="1" smtClean="0">
+                            <a:latin typeface="Cambria Math" panose="02040503050406030204" pitchFamily="18" charset="0"/>
+                          </a:rPr>
+                          <m:t>𝑘</m:t>
+                        </m:r>
+                      </m:sub>
+                    </m:sSub>
+                  </m:oMath>
+                </a14:m>
+                <a:endParaRPr lang="en-US" dirty="0"/>
+              </a:p>
+              <a:p>
+                <a:r>
+                  <a:rPr lang="en-US" dirty="0" err="1"/>
+                  <a:t>Sklearn</a:t>
+                </a:r>
+                <a:r>
+                  <a:rPr lang="en-US" dirty="0"/>
+                  <a:t> has both options</a:t>
+                </a:r>
+              </a:p>
+              <a:p>
+                <a:pPr lvl="1"/>
+                <a:endParaRPr lang="en-US" dirty="0"/>
+              </a:p>
+            </p:txBody>
+          </p:sp>
+        </mc:Choice>
+        <mc:Fallback xmlns="">
+          <p:sp>
+            <p:nvSpPr>
+              <p:cNvPr id="3" name="Content Placeholder 2"/>
+              <p:cNvSpPr>
+                <a:spLocks noGrp="1" noRot="1" noChangeAspect="1" noMove="1" noResize="1" noEditPoints="1" noAdjustHandles="1" noChangeArrowheads="1" noChangeShapeType="1" noTextEdit="1"/>
+              </p:cNvSpPr>
+              <p:nvPr>
+                <p:ph idx="1"/>
+              </p:nvPr>
+            </p:nvSpPr>
+            <p:spPr>
+              <a:blipFill>
+                <a:blip r:embed="rId2"/>
+                <a:stretch>
+                  <a:fillRect l="-1261" t="-1462"/>
+                </a:stretch>
+              </a:blipFill>
+            </p:spPr>
+            <p:txBody>
+              <a:bodyPr/>
+              <a:lstStyle/>
+              <a:p>
+                <a:r>
+                  <a:rPr lang="en-US">
+                    <a:noFill/>
+                  </a:rPr>
+                  <a:t> </a:t>
+                </a:r>
+              </a:p>
+            </p:txBody>
+          </p:sp>
+        </mc:Fallback>
+      </mc:AlternateContent>
+      <p:sp>
+        <p:nvSpPr>
+          <p:cNvPr id="4" name="Slide Number Placeholder 3"/>
+          <p:cNvSpPr>
+            <a:spLocks noGrp="1"/>
+          </p:cNvSpPr>
+          <p:nvPr>
+            <p:ph type="sldNum" sz="quarter" idx="12"/>
+          </p:nvPr>
+        </p:nvSpPr>
+        <p:spPr/>
+        <p:txBody>
+          <a:bodyPr/>
+          <a:lstStyle/>
+          <a:p>
+            <a:fld id="{629637A9-119A-49DA-BD12-AAC58B377D80}" type="slidenum">
+              <a:rPr lang="en-US" smtClean="0"/>
+              <a:t>49</a:t>
+            </a:fld>
+            <a:endParaRPr lang="en-US" dirty="0"/>
+          </a:p>
+        </p:txBody>
+      </p:sp>
+    </p:spTree>
+    <p:extLst>
+      <p:ext uri="{BB962C8B-B14F-4D97-AF65-F5344CB8AC3E}">
+        <p14:creationId xmlns:p14="http://schemas.microsoft.com/office/powerpoint/2010/main" val="615013117"/>
       </p:ext>
     </p:extLst>
   </p:cSld>
@@ -29741,332 +29882,6 @@
           <a:p>
             <a:r>
               <a:rPr lang="en-US" dirty="0"/>
-              <a:t>Multi-Class SVMs</a:t>
-            </a:r>
-          </a:p>
-        </p:txBody>
-      </p:sp>
-      <mc:AlternateContent xmlns:mc="http://schemas.openxmlformats.org/markup-compatibility/2006">
-        <mc:Choice xmlns:a14="http://schemas.microsoft.com/office/drawing/2010/main" Requires="a14">
-          <p:sp>
-            <p:nvSpPr>
-              <p:cNvPr id="3" name="Content Placeholder 2"/>
-              <p:cNvSpPr>
-                <a:spLocks noGrp="1"/>
-              </p:cNvSpPr>
-              <p:nvPr>
-                <p:ph idx="1"/>
-              </p:nvPr>
-            </p:nvSpPr>
-            <p:spPr/>
-            <p:txBody>
-              <a:bodyPr/>
-              <a:lstStyle/>
-              <a:p>
-                <a:r>
-                  <a:rPr lang="en-US" dirty="0"/>
-                  <a:t>Suppose there are </a:t>
-                </a:r>
-                <a14:m>
-                  <m:oMath xmlns:m="http://schemas.openxmlformats.org/officeDocument/2006/math">
-                    <m:r>
-                      <a:rPr lang="en-US" b="0" i="1" smtClean="0">
-                        <a:latin typeface="Cambria Math" panose="02040503050406030204" pitchFamily="18" charset="0"/>
-                      </a:rPr>
-                      <m:t>𝐾</m:t>
-                    </m:r>
-                  </m:oMath>
-                </a14:m>
-                <a:r>
-                  <a:rPr lang="en-US" dirty="0"/>
-                  <a:t> classes</a:t>
-                </a:r>
-              </a:p>
-              <a:p>
-                <a:r>
-                  <a:rPr lang="en-US" dirty="0"/>
-                  <a:t>One-vs-one:</a:t>
-                </a:r>
-              </a:p>
-              <a:p>
-                <a:pPr lvl="1"/>
-                <a:r>
-                  <a:rPr lang="en-US" dirty="0"/>
-                  <a:t>Train </a:t>
-                </a:r>
-                <a14:m>
-                  <m:oMath xmlns:m="http://schemas.openxmlformats.org/officeDocument/2006/math">
-                    <m:d>
-                      <m:dPr>
-                        <m:ctrlPr>
-                          <a:rPr lang="en-US" i="1" smtClean="0">
-                            <a:latin typeface="Cambria Math" panose="02040503050406030204" pitchFamily="18" charset="0"/>
-                          </a:rPr>
-                        </m:ctrlPr>
-                      </m:dPr>
-                      <m:e>
-                        <m:m>
-                          <m:mPr>
-                            <m:mcs>
-                              <m:mc>
-                                <m:mcPr>
-                                  <m:count m:val="1"/>
-                                  <m:mcJc m:val="center"/>
-                                </m:mcPr>
-                              </m:mc>
-                            </m:mcs>
-                            <m:ctrlPr>
-                              <a:rPr lang="en-US" i="1" smtClean="0">
-                                <a:latin typeface="Cambria Math" panose="02040503050406030204" pitchFamily="18" charset="0"/>
-                              </a:rPr>
-                            </m:ctrlPr>
-                          </m:mPr>
-                          <m:mr>
-                            <m:e>
-                              <m:r>
-                                <m:rPr>
-                                  <m:brk m:alnAt="7"/>
-                                </m:rPr>
-                                <a:rPr lang="en-US" b="0" i="1" smtClean="0">
-                                  <a:latin typeface="Cambria Math" panose="02040503050406030204" pitchFamily="18" charset="0"/>
-                                </a:rPr>
-                                <m:t>𝐾</m:t>
-                              </m:r>
-                            </m:e>
-                          </m:mr>
-                          <m:mr>
-                            <m:e>
-                              <m:r>
-                                <a:rPr lang="en-US" b="0" i="1" smtClean="0">
-                                  <a:latin typeface="Cambria Math" panose="02040503050406030204" pitchFamily="18" charset="0"/>
-                                </a:rPr>
-                                <m:t>2</m:t>
-                              </m:r>
-                            </m:e>
-                          </m:mr>
-                        </m:m>
-                      </m:e>
-                    </m:d>
-                  </m:oMath>
-                </a14:m>
-                <a:r>
-                  <a:rPr lang="en-US" dirty="0"/>
-                  <a:t> SVMs for each pair of classes</a:t>
-                </a:r>
-              </a:p>
-              <a:p>
-                <a:pPr lvl="1"/>
-                <a:r>
-                  <a:rPr lang="en-US" dirty="0"/>
-                  <a:t>Test sample assigned to class that wins “majority of votes”</a:t>
-                </a:r>
-              </a:p>
-              <a:p>
-                <a:pPr lvl="1"/>
-                <a:r>
-                  <a:rPr lang="en-US" dirty="0"/>
-                  <a:t>Best results but very slow</a:t>
-                </a:r>
-              </a:p>
-              <a:p>
-                <a:r>
-                  <a:rPr lang="en-US" dirty="0"/>
-                  <a:t>One-vs-rest:</a:t>
-                </a:r>
-              </a:p>
-              <a:p>
-                <a:pPr lvl="1"/>
-                <a:r>
-                  <a:rPr lang="en-US" dirty="0"/>
-                  <a:t>Train </a:t>
-                </a:r>
-                <a14:m>
-                  <m:oMath xmlns:m="http://schemas.openxmlformats.org/officeDocument/2006/math">
-                    <m:r>
-                      <a:rPr lang="en-US" i="1">
-                        <a:latin typeface="Cambria Math" panose="02040503050406030204" pitchFamily="18" charset="0"/>
-                      </a:rPr>
-                      <m:t>𝐾</m:t>
-                    </m:r>
-                  </m:oMath>
-                </a14:m>
-                <a:r>
-                  <a:rPr lang="en-US" dirty="0"/>
-                  <a:t> SVMs:  train each class </a:t>
-                </a:r>
-                <a14:m>
-                  <m:oMath xmlns:m="http://schemas.openxmlformats.org/officeDocument/2006/math">
-                    <m:r>
-                      <a:rPr lang="en-US" b="0" i="1" smtClean="0">
-                        <a:latin typeface="Cambria Math" panose="02040503050406030204" pitchFamily="18" charset="0"/>
-                      </a:rPr>
-                      <m:t>𝑘</m:t>
-                    </m:r>
-                  </m:oMath>
-                </a14:m>
-                <a:r>
-                  <a:rPr lang="en-US" dirty="0"/>
-                  <a:t> against all other classes</a:t>
-                </a:r>
-              </a:p>
-              <a:p>
-                <a:pPr lvl="1"/>
-                <a:r>
-                  <a:rPr lang="en-US" dirty="0"/>
-                  <a:t>Pick class with highest </a:t>
-                </a:r>
-                <a14:m>
-                  <m:oMath xmlns:m="http://schemas.openxmlformats.org/officeDocument/2006/math">
-                    <m:sSub>
-                      <m:sSubPr>
-                        <m:ctrlPr>
-                          <a:rPr lang="en-US" b="0" i="1" smtClean="0">
-                            <a:latin typeface="Cambria Math" panose="02040503050406030204" pitchFamily="18" charset="0"/>
-                          </a:rPr>
-                        </m:ctrlPr>
-                      </m:sSubPr>
-                      <m:e>
-                        <m:r>
-                          <a:rPr lang="en-US" b="0" i="1" smtClean="0">
-                            <a:latin typeface="Cambria Math" panose="02040503050406030204" pitchFamily="18" charset="0"/>
-                          </a:rPr>
-                          <m:t>𝑧</m:t>
-                        </m:r>
-                      </m:e>
-                      <m:sub>
-                        <m:r>
-                          <a:rPr lang="en-US" b="0" i="1" smtClean="0">
-                            <a:latin typeface="Cambria Math" panose="02040503050406030204" pitchFamily="18" charset="0"/>
-                          </a:rPr>
-                          <m:t>𝑘</m:t>
-                        </m:r>
-                      </m:sub>
-                    </m:sSub>
-                  </m:oMath>
-                </a14:m>
-                <a:endParaRPr lang="en-US" dirty="0"/>
-              </a:p>
-              <a:p>
-                <a:r>
-                  <a:rPr lang="en-US" dirty="0" err="1"/>
-                  <a:t>Sklearn</a:t>
-                </a:r>
-                <a:r>
-                  <a:rPr lang="en-US" dirty="0"/>
-                  <a:t> has both options</a:t>
-                </a:r>
-              </a:p>
-              <a:p>
-                <a:pPr lvl="1"/>
-                <a:endParaRPr lang="en-US" dirty="0"/>
-              </a:p>
-            </p:txBody>
-          </p:sp>
-        </mc:Choice>
-        <mc:Fallback>
-          <p:sp>
-            <p:nvSpPr>
-              <p:cNvPr id="3" name="Content Placeholder 2"/>
-              <p:cNvSpPr>
-                <a:spLocks noGrp="1" noRot="1" noChangeAspect="1" noMove="1" noResize="1" noEditPoints="1" noAdjustHandles="1" noChangeArrowheads="1" noChangeShapeType="1" noTextEdit="1"/>
-              </p:cNvSpPr>
-              <p:nvPr>
-                <p:ph idx="1"/>
-              </p:nvPr>
-            </p:nvSpPr>
-            <p:spPr>
-              <a:blipFill>
-                <a:blip r:embed="rId2"/>
-                <a:stretch>
-                  <a:fillRect l="-1261" t="-1462"/>
-                </a:stretch>
-              </a:blipFill>
-            </p:spPr>
-            <p:txBody>
-              <a:bodyPr/>
-              <a:lstStyle/>
-              <a:p>
-                <a:r>
-                  <a:rPr lang="en-US">
-                    <a:noFill/>
-                  </a:rPr>
-                  <a:t> </a:t>
-                </a:r>
-              </a:p>
-            </p:txBody>
-          </p:sp>
-        </mc:Fallback>
-      </mc:AlternateContent>
-      <p:sp>
-        <p:nvSpPr>
-          <p:cNvPr id="4" name="Slide Number Placeholder 3"/>
-          <p:cNvSpPr>
-            <a:spLocks noGrp="1"/>
-          </p:cNvSpPr>
-          <p:nvPr>
-            <p:ph type="sldNum" sz="quarter" idx="12"/>
-          </p:nvPr>
-        </p:nvSpPr>
-        <p:spPr/>
-        <p:txBody>
-          <a:bodyPr/>
-          <a:lstStyle/>
-          <a:p>
-            <a:fld id="{629637A9-119A-49DA-BD12-AAC58B377D80}" type="slidenum">
-              <a:rPr lang="en-US" smtClean="0"/>
-              <a:t>50</a:t>
-            </a:fld>
-            <a:endParaRPr lang="en-US" dirty="0"/>
-          </a:p>
-        </p:txBody>
-      </p:sp>
-    </p:spTree>
-    <p:extLst>
-      <p:ext uri="{BB962C8B-B14F-4D97-AF65-F5344CB8AC3E}">
-        <p14:creationId xmlns:p14="http://schemas.microsoft.com/office/powerpoint/2010/main" val="615013117"/>
-      </p:ext>
-    </p:extLst>
-  </p:cSld>
-  <p:clrMapOvr>
-    <a:masterClrMapping/>
-  </p:clrMapOvr>
-</p:sld>
-</file>
-
-<file path=ppt/slides/slide51.xml><?xml version="1.0" encoding="utf-8"?>
-<p:sld xmlns:a="http://schemas.openxmlformats.org/drawingml/2006/main" xmlns:r="http://schemas.openxmlformats.org/officeDocument/2006/relationships" xmlns:p="http://schemas.openxmlformats.org/presentationml/2006/main">
-  <p:cSld>
-    <p:spTree>
-      <p:nvGrpSpPr>
-        <p:cNvPr id="1" name=""/>
-        <p:cNvGrpSpPr/>
-        <p:nvPr/>
-      </p:nvGrpSpPr>
-      <p:grpSpPr>
-        <a:xfrm>
-          <a:off x="0" y="0"/>
-          <a:ext cx="0" cy="0"/>
-          <a:chOff x="0" y="0"/>
-          <a:chExt cx="0" cy="0"/>
-        </a:xfrm>
-      </p:grpSpPr>
-      <p:sp>
-        <p:nvSpPr>
-          <p:cNvPr id="2" name="Title 1"/>
-          <p:cNvSpPr>
-            <a:spLocks noGrp="1"/>
-          </p:cNvSpPr>
-          <p:nvPr>
-            <p:ph type="title"/>
-          </p:nvPr>
-        </p:nvSpPr>
-        <p:spPr/>
-        <p:txBody>
-          <a:bodyPr/>
-          <a:lstStyle/>
-          <a:p>
-            <a:r>
-              <a:rPr lang="en-US" dirty="0"/>
               <a:t>MNIST Results</a:t>
             </a:r>
           </a:p>
@@ -30235,7 +30050,7 @@
           <a:p>
             <a:fld id="{629637A9-119A-49DA-BD12-AAC58B377D80}" type="slidenum">
               <a:rPr lang="en-US" smtClean="0"/>
-              <a:t>51</a:t>
+              <a:t>50</a:t>
             </a:fld>
             <a:endParaRPr lang="en-US" dirty="0"/>
           </a:p>
@@ -30350,7 +30165,7 @@
 </p:sld>
 </file>
 
-<file path=ppt/slides/slide52.xml><?xml version="1.0" encoding="utf-8"?>
+<file path=ppt/slides/slide51.xml><?xml version="1.0" encoding="utf-8"?>
 <p:sld xmlns:a="http://schemas.openxmlformats.org/drawingml/2006/main" xmlns:r="http://schemas.openxmlformats.org/officeDocument/2006/relationships" xmlns:p="http://schemas.openxmlformats.org/presentationml/2006/main">
   <p:cSld>
     <p:spTree>
@@ -30433,7 +30248,7 @@
           <a:p>
             <a:fld id="{629637A9-119A-49DA-BD12-AAC58B377D80}" type="slidenum">
               <a:rPr lang="en-US" smtClean="0"/>
-              <a:t>52</a:t>
+              <a:t>51</a:t>
             </a:fld>
             <a:endParaRPr lang="en-US" dirty="0"/>
           </a:p>
@@ -30476,7 +30291,7 @@
 </p:sld>
 </file>
 
-<file path=ppt/slides/slide53.xml><?xml version="1.0" encoding="utf-8"?>
+<file path=ppt/slides/slide52.xml><?xml version="1.0" encoding="utf-8"?>
 <p:sld xmlns:a="http://schemas.openxmlformats.org/drawingml/2006/main" xmlns:r="http://schemas.openxmlformats.org/officeDocument/2006/relationships" xmlns:p="http://schemas.openxmlformats.org/presentationml/2006/main">
   <p:cSld>
     <p:spTree>
@@ -30618,7 +30433,7 @@
           <a:p>
             <a:fld id="{629637A9-119A-49DA-BD12-AAC58B377D80}" type="slidenum">
               <a:rPr lang="en-US" smtClean="0"/>
-              <a:t>53</a:t>
+              <a:t>52</a:t>
             </a:fld>
             <a:endParaRPr lang="en-US" dirty="0"/>
           </a:p>
@@ -30667,52 +30482,160 @@
         <p:spPr/>
         <p:txBody>
           <a:bodyPr>
-            <a:normAutofit fontScale="90000"/>
+            <a:normAutofit/>
           </a:bodyPr>
           <a:lstStyle/>
           <a:p>
             <a:r>
               <a:rPr lang="en-US" dirty="0"/>
-              <a:t>Dataset with low resolution: 8 x 8 Images</a:t>
+              <a:t>Downloading MNIST</a:t>
             </a:r>
           </a:p>
         </p:txBody>
       </p:sp>
-      <p:sp>
-        <p:nvSpPr>
-          <p:cNvPr id="3" name="Content Placeholder 2"/>
-          <p:cNvSpPr>
-            <a:spLocks noGrp="1"/>
-          </p:cNvSpPr>
-          <p:nvPr>
-            <p:ph idx="1"/>
-          </p:nvPr>
-        </p:nvSpPr>
-        <p:spPr>
-          <a:xfrm>
-            <a:off x="1363287" y="4355869"/>
-            <a:ext cx="9792393" cy="1513225"/>
-          </a:xfrm>
-        </p:spPr>
-        <p:txBody>
-          <a:bodyPr/>
-          <a:lstStyle/>
-          <a:p>
-            <a:r>
-              <a:rPr lang="en-US" dirty="0"/>
-              <a:t>Directly in </a:t>
-            </a:r>
-            <a:r>
-              <a:rPr lang="en-US" dirty="0" err="1"/>
-              <a:t>sklearn</a:t>
-            </a:r>
-            <a:r>
-              <a:rPr lang="en-US" dirty="0"/>
-              <a:t> datasets</a:t>
-            </a:r>
-          </a:p>
-        </p:txBody>
-      </p:sp>
+      <mc:AlternateContent xmlns:mc="http://schemas.openxmlformats.org/markup-compatibility/2006">
+        <mc:Choice xmlns:a14="http://schemas.microsoft.com/office/drawing/2010/main" Requires="a14">
+          <p:sp>
+            <p:nvSpPr>
+              <p:cNvPr id="3" name="Content Placeholder 2"/>
+              <p:cNvSpPr>
+                <a:spLocks noGrp="1"/>
+              </p:cNvSpPr>
+              <p:nvPr>
+                <p:ph idx="1"/>
+              </p:nvPr>
+            </p:nvSpPr>
+            <p:spPr>
+              <a:xfrm>
+                <a:off x="6663846" y="1539277"/>
+                <a:ext cx="5314096" cy="4329817"/>
+              </a:xfrm>
+            </p:spPr>
+            <p:txBody>
+              <a:bodyPr/>
+              <a:lstStyle/>
+              <a:p>
+                <a:r>
+                  <a:rPr lang="en-US" dirty="0"/>
+                  <a:t>MNIST data is available in many sources</a:t>
+                </a:r>
+              </a:p>
+              <a:p>
+                <a:r>
+                  <a:rPr lang="en-US" dirty="0"/>
+                  <a:t>Note: It has been removed from </a:t>
+                </a:r>
+                <a:r>
+                  <a:rPr lang="en-US" dirty="0" err="1"/>
+                  <a:t>sklearn</a:t>
+                </a:r>
+                <a:endParaRPr lang="en-US" dirty="0"/>
+              </a:p>
+              <a:p>
+                <a:r>
+                  <a:rPr lang="en-US" dirty="0" err="1"/>
+                  <a:t>Tensorflow</a:t>
+                </a:r>
+                <a:r>
+                  <a:rPr lang="en-US" dirty="0"/>
+                  <a:t> version:</a:t>
+                </a:r>
+              </a:p>
+              <a:p>
+                <a:pPr lvl="1"/>
+                <a:r>
+                  <a:rPr lang="en-US" dirty="0"/>
+                  <a:t>60000 training samples</a:t>
+                </a:r>
+              </a:p>
+              <a:p>
+                <a:pPr lvl="1"/>
+                <a:r>
+                  <a:rPr lang="en-US" dirty="0"/>
+                  <a:t>10000 test samples</a:t>
+                </a:r>
+              </a:p>
+              <a:p>
+                <a:r>
+                  <a:rPr lang="en-US" dirty="0"/>
+                  <a:t>Each sample is a 28 x 28 images</a:t>
+                </a:r>
+              </a:p>
+              <a:p>
+                <a:r>
+                  <a:rPr lang="en-US" dirty="0"/>
+                  <a:t>Grayscale:  Pixel values </a:t>
+                </a:r>
+                <a14:m>
+                  <m:oMath xmlns:m="http://schemas.openxmlformats.org/officeDocument/2006/math">
+                    <m:r>
+                      <a:rPr lang="en-US" b="0" i="1" smtClean="0">
+                        <a:latin typeface="Cambria Math" panose="02040503050406030204" pitchFamily="18" charset="0"/>
+                      </a:rPr>
+                      <m:t>∈{0,1,…,255}</m:t>
+                    </m:r>
+                  </m:oMath>
+                </a14:m>
+                <a:endParaRPr lang="en-US" dirty="0"/>
+              </a:p>
+              <a:p>
+                <a:pPr lvl="1"/>
+                <a:r>
+                  <a:rPr lang="en-US" dirty="0"/>
+                  <a:t>0 = Black and </a:t>
+                </a:r>
+              </a:p>
+              <a:p>
+                <a:pPr lvl="1"/>
+                <a:r>
+                  <a:rPr lang="en-US" dirty="0"/>
+                  <a:t>255 = White</a:t>
+                </a:r>
+              </a:p>
+              <a:p>
+                <a:endParaRPr lang="en-US" dirty="0"/>
+              </a:p>
+            </p:txBody>
+          </p:sp>
+        </mc:Choice>
+        <mc:Fallback>
+          <p:sp>
+            <p:nvSpPr>
+              <p:cNvPr id="3" name="Content Placeholder 2"/>
+              <p:cNvSpPr>
+                <a:spLocks noGrp="1" noRot="1" noChangeAspect="1" noMove="1" noResize="1" noEditPoints="1" noAdjustHandles="1" noChangeArrowheads="1" noChangeShapeType="1" noTextEdit="1"/>
+              </p:cNvSpPr>
+              <p:nvPr>
+                <p:ph idx="1"/>
+              </p:nvPr>
+            </p:nvSpPr>
+            <p:spPr>
+              <a:xfrm>
+                <a:off x="6663846" y="1539277"/>
+                <a:ext cx="5314096" cy="4329817"/>
+              </a:xfrm>
+              <a:blipFill>
+                <a:blip r:embed="rId2"/>
+                <a:stretch>
+                  <a:fillRect l="-2752" t="-1549"/>
+                </a:stretch>
+              </a:blipFill>
+            </p:spPr>
+            <p:txBody>
+              <a:bodyPr/>
+              <a:lstStyle/>
+              <a:p>
+                <a:r>
+                  <a:rPr lang="en-US">
+                    <a:noFill/>
+                  </a:rPr>
+                  <a:t> </a:t>
+                </a:r>
+              </a:p>
+            </p:txBody>
+          </p:sp>
+        </mc:Fallback>
+      </mc:AlternateContent>
       <p:sp>
         <p:nvSpPr>
           <p:cNvPr id="4" name="Slide Number Placeholder 3"/>
@@ -30738,22 +30661,58 @@
       </p:sp>
       <p:pic>
         <p:nvPicPr>
-          <p:cNvPr id="5" name="Picture 4"/>
+          <p:cNvPr id="6" name="Picture 5">
+            <a:extLst>
+              <a:ext uri="{FF2B5EF4-FFF2-40B4-BE49-F238E27FC236}">
+                <a16:creationId xmlns:a16="http://schemas.microsoft.com/office/drawing/2014/main" id="{423905C8-7ABC-4D02-BBAC-6317CA2C1BB8}"/>
+              </a:ext>
+            </a:extLst>
+          </p:cNvPr>
           <p:cNvPicPr>
             <a:picLocks noChangeAspect="1"/>
           </p:cNvPicPr>
           <p:nvPr/>
         </p:nvPicPr>
         <p:blipFill>
-          <a:blip r:embed="rId2"/>
+          <a:blip r:embed="rId3"/>
           <a:stretch>
             <a:fillRect/>
           </a:stretch>
         </p:blipFill>
         <p:spPr>
           <a:xfrm>
-            <a:off x="1319505" y="1728648"/>
-            <a:ext cx="8027289" cy="2225387"/>
+            <a:off x="838817" y="1539277"/>
+            <a:ext cx="5744173" cy="2502231"/>
+          </a:xfrm>
+          <a:prstGeom prst="rect">
+            <a:avLst/>
+          </a:prstGeom>
+        </p:spPr>
+      </p:pic>
+      <p:pic>
+        <p:nvPicPr>
+          <p:cNvPr id="7" name="Picture 6">
+            <a:extLst>
+              <a:ext uri="{FF2B5EF4-FFF2-40B4-BE49-F238E27FC236}">
+                <a16:creationId xmlns:a16="http://schemas.microsoft.com/office/drawing/2014/main" id="{C4E121C3-F94A-47EF-B52B-769670BE80D5}"/>
+              </a:ext>
+            </a:extLst>
+          </p:cNvPr>
+          <p:cNvPicPr>
+            <a:picLocks noChangeAspect="1"/>
+          </p:cNvPicPr>
+          <p:nvPr/>
+        </p:nvPicPr>
+        <p:blipFill>
+          <a:blip r:embed="rId4"/>
+          <a:stretch>
+            <a:fillRect/>
+          </a:stretch>
+        </p:blipFill>
+        <p:spPr>
+          <a:xfrm>
+            <a:off x="777203" y="4253971"/>
+            <a:ext cx="4016320" cy="834560"/>
           </a:xfrm>
           <a:prstGeom prst="rect">
             <a:avLst/>
@@ -30763,7 +30722,7 @@
     </p:spTree>
     <p:extLst>
       <p:ext uri="{BB962C8B-B14F-4D97-AF65-F5344CB8AC3E}">
-        <p14:creationId xmlns:p14="http://schemas.microsoft.com/office/powerpoint/2010/main" val="3470728400"/>
+        <p14:creationId xmlns:p14="http://schemas.microsoft.com/office/powerpoint/2010/main" val="332879958"/>
       </p:ext>
     </p:extLst>
   </p:cSld>
@@ -30802,74 +30761,127 @@
         </p:nvSpPr>
         <p:spPr/>
         <p:txBody>
-          <a:bodyPr>
-            <a:normAutofit fontScale="90000"/>
-          </a:bodyPr>
+          <a:bodyPr/>
           <a:lstStyle/>
           <a:p>
             <a:r>
               <a:rPr lang="en-US" dirty="0"/>
-              <a:t>Dataset with high resolution:  28 x 28 Images</a:t>
+              <a:t>Matrix and Vector Representation</a:t>
             </a:r>
           </a:p>
         </p:txBody>
       </p:sp>
-      <p:sp>
-        <p:nvSpPr>
-          <p:cNvPr id="3" name="Content Placeholder 2"/>
-          <p:cNvSpPr>
-            <a:spLocks noGrp="1"/>
-          </p:cNvSpPr>
-          <p:nvPr>
-            <p:ph idx="1"/>
-          </p:nvPr>
-        </p:nvSpPr>
-        <p:spPr>
-          <a:xfrm>
-            <a:off x="6663846" y="1539277"/>
-            <a:ext cx="4491833" cy="4329817"/>
-          </a:xfrm>
-        </p:spPr>
-        <p:txBody>
-          <a:bodyPr/>
-          <a:lstStyle/>
-          <a:p>
-            <a:r>
-              <a:rPr lang="en-US" dirty="0"/>
-              <a:t>Will look at higher resolution version</a:t>
-            </a:r>
-          </a:p>
-          <a:p>
-            <a:r>
-              <a:rPr lang="en-US" dirty="0"/>
-              <a:t>Also, in </a:t>
-            </a:r>
-            <a:r>
-              <a:rPr lang="en-US" dirty="0" err="1"/>
-              <a:t>sklearn</a:t>
-            </a:r>
-            <a:endParaRPr lang="en-US" dirty="0"/>
-          </a:p>
-          <a:p>
-            <a:r>
-              <a:rPr lang="en-US" dirty="0"/>
-              <a:t>But needs to download from external site</a:t>
-            </a:r>
-          </a:p>
-          <a:p>
-            <a:r>
-              <a:rPr lang="en-US" dirty="0"/>
-              <a:t>70,000 samples.</a:t>
-            </a:r>
-          </a:p>
-          <a:p>
-            <a:r>
-              <a:rPr lang="en-US" dirty="0"/>
-              <a:t>Each image sample is a row vector, that is formed by stacking 28 rows of an image.</a:t>
-            </a:r>
-          </a:p>
-        </p:txBody>
-      </p:sp>
+      <mc:AlternateContent xmlns:mc="http://schemas.openxmlformats.org/markup-compatibility/2006">
+        <mc:Choice xmlns:a14="http://schemas.microsoft.com/office/drawing/2010/main" Requires="a14">
+          <p:sp>
+            <p:nvSpPr>
+              <p:cNvPr id="3" name="Content Placeholder 2"/>
+              <p:cNvSpPr>
+                <a:spLocks noGrp="1"/>
+              </p:cNvSpPr>
+              <p:nvPr>
+                <p:ph idx="1"/>
+              </p:nvPr>
+            </p:nvSpPr>
+            <p:spPr/>
+            <p:txBody>
+              <a:bodyPr/>
+              <a:lstStyle/>
+              <a:p>
+                <a:r>
+                  <a:rPr lang="en-US" dirty="0"/>
+                  <a:t>For this demo, we reshape data from </a:t>
+                </a:r>
+                <a14:m>
+                  <m:oMath xmlns:m="http://schemas.openxmlformats.org/officeDocument/2006/math">
+                    <m:r>
+                      <a:rPr lang="en-US" b="0" i="1" smtClean="0">
+                        <a:latin typeface="Cambria Math" panose="02040503050406030204" pitchFamily="18" charset="0"/>
+                      </a:rPr>
+                      <m:t>𝑁</m:t>
+                    </m:r>
+                    <m:r>
+                      <a:rPr lang="en-US" b="0" i="1" smtClean="0">
+                        <a:latin typeface="Cambria Math" panose="02040503050406030204" pitchFamily="18" charset="0"/>
+                      </a:rPr>
+                      <m:t>×28×28</m:t>
+                    </m:r>
+                  </m:oMath>
+                </a14:m>
+                <a:r>
+                  <a:rPr lang="en-US" dirty="0"/>
+                  <a:t> to </a:t>
+                </a:r>
+                <a14:m>
+                  <m:oMath xmlns:m="http://schemas.openxmlformats.org/officeDocument/2006/math">
+                    <m:r>
+                      <a:rPr lang="en-US" b="0" i="1" smtClean="0">
+                        <a:latin typeface="Cambria Math" panose="02040503050406030204" pitchFamily="18" charset="0"/>
+                      </a:rPr>
+                      <m:t>𝑁</m:t>
+                    </m:r>
+                    <m:r>
+                      <a:rPr lang="en-US" b="0" i="1" smtClean="0">
+                        <a:latin typeface="Cambria Math" panose="02040503050406030204" pitchFamily="18" charset="0"/>
+                      </a:rPr>
+                      <m:t>×784</m:t>
+                    </m:r>
+                  </m:oMath>
+                </a14:m>
+                <a:r>
+                  <a:rPr lang="en-US" dirty="0"/>
+                  <a:t> </a:t>
+                </a:r>
+              </a:p>
+              <a:p>
+                <a:r>
+                  <a:rPr lang="en-US" dirty="0"/>
+                  <a:t>But, you can easily go back and forth</a:t>
+                </a:r>
+              </a:p>
+              <a:p>
+                <a:r>
+                  <a:rPr lang="en-US" dirty="0"/>
+                  <a:t>Also, scale the pixel values from -1 to 1</a:t>
+                </a:r>
+              </a:p>
+            </p:txBody>
+          </p:sp>
+        </mc:Choice>
+        <mc:Fallback>
+          <p:sp>
+            <p:nvSpPr>
+              <p:cNvPr id="3" name="Content Placeholder 2"/>
+              <p:cNvSpPr>
+                <a:spLocks noGrp="1" noRot="1" noChangeAspect="1" noMove="1" noResize="1" noEditPoints="1" noAdjustHandles="1" noChangeArrowheads="1" noChangeShapeType="1" noTextEdit="1"/>
+              </p:cNvSpPr>
+              <p:nvPr>
+                <p:ph idx="1"/>
+              </p:nvPr>
+            </p:nvSpPr>
+            <p:spPr>
+              <a:blipFill>
+                <a:blip r:embed="rId2"/>
+                <a:stretch>
+                  <a:fillRect l="-1455" t="-1549"/>
+                </a:stretch>
+              </a:blipFill>
+            </p:spPr>
+            <p:txBody>
+              <a:bodyPr/>
+              <a:lstStyle/>
+              <a:p>
+                <a:r>
+                  <a:rPr lang="en-US">
+                    <a:noFill/>
+                  </a:rPr>
+                  <a:t> </a:t>
+                </a:r>
+              </a:p>
+            </p:txBody>
+          </p:sp>
+        </mc:Fallback>
+      </mc:AlternateContent>
       <p:sp>
         <p:nvSpPr>
           <p:cNvPr id="4" name="Slide Number Placeholder 3"/>
@@ -30902,141 +30914,14 @@
           <p:nvPr/>
         </p:nvPicPr>
         <p:blipFill>
-          <a:blip r:embed="rId2"/>
+          <a:blip r:embed="rId3"/>
           <a:stretch>
             <a:fillRect/>
           </a:stretch>
         </p:blipFill>
         <p:spPr>
           <a:xfrm>
-            <a:off x="249382" y="2118446"/>
-            <a:ext cx="6203434" cy="2137670"/>
-          </a:xfrm>
-          <a:prstGeom prst="rect">
-            <a:avLst/>
-          </a:prstGeom>
-        </p:spPr>
-      </p:pic>
-    </p:spTree>
-    <p:extLst>
-      <p:ext uri="{BB962C8B-B14F-4D97-AF65-F5344CB8AC3E}">
-        <p14:creationId xmlns:p14="http://schemas.microsoft.com/office/powerpoint/2010/main" val="332879958"/>
-      </p:ext>
-    </p:extLst>
-  </p:cSld>
-  <p:clrMapOvr>
-    <a:masterClrMapping/>
-  </p:clrMapOvr>
-</p:sld>
-</file>
-
-<file path=ppt/slides/slide8.xml><?xml version="1.0" encoding="utf-8"?>
-<p:sld xmlns:a="http://schemas.openxmlformats.org/drawingml/2006/main" xmlns:r="http://schemas.openxmlformats.org/officeDocument/2006/relationships" xmlns:p="http://schemas.openxmlformats.org/presentationml/2006/main">
-  <p:cSld>
-    <p:spTree>
-      <p:nvGrpSpPr>
-        <p:cNvPr id="1" name=""/>
-        <p:cNvGrpSpPr/>
-        <p:nvPr/>
-      </p:nvGrpSpPr>
-      <p:grpSpPr>
-        <a:xfrm>
-          <a:off x="0" y="0"/>
-          <a:ext cx="0" cy="0"/>
-          <a:chOff x="0" y="0"/>
-          <a:chExt cx="0" cy="0"/>
-        </a:xfrm>
-      </p:grpSpPr>
-      <p:sp>
-        <p:nvSpPr>
-          <p:cNvPr id="2" name="Title 1"/>
-          <p:cNvSpPr>
-            <a:spLocks noGrp="1"/>
-          </p:cNvSpPr>
-          <p:nvPr>
-            <p:ph type="title"/>
-          </p:nvPr>
-        </p:nvSpPr>
-        <p:spPr/>
-        <p:txBody>
-          <a:bodyPr/>
-          <a:lstStyle/>
-          <a:p>
-            <a:r>
-              <a:rPr lang="en-US" dirty="0"/>
-              <a:t>Matrix and Vector Representation</a:t>
-            </a:r>
-          </a:p>
-        </p:txBody>
-      </p:sp>
-      <p:sp>
-        <p:nvSpPr>
-          <p:cNvPr id="3" name="Content Placeholder 2"/>
-          <p:cNvSpPr>
-            <a:spLocks noGrp="1"/>
-          </p:cNvSpPr>
-          <p:nvPr>
-            <p:ph idx="1"/>
-          </p:nvPr>
-        </p:nvSpPr>
-        <p:spPr/>
-        <p:txBody>
-          <a:bodyPr/>
-          <a:lstStyle/>
-          <a:p>
-            <a:r>
-              <a:rPr lang="en-US" dirty="0"/>
-              <a:t>Images can be represented as 2D matrices or 1D vectors</a:t>
-            </a:r>
-          </a:p>
-          <a:p>
-            <a:r>
-              <a:rPr lang="en-US" dirty="0"/>
-              <a:t>Grayscale:  Each pixel value is between 0 (black) and 255 (white)</a:t>
-            </a:r>
-          </a:p>
-        </p:txBody>
-      </p:sp>
-      <p:sp>
-        <p:nvSpPr>
-          <p:cNvPr id="4" name="Slide Number Placeholder 3"/>
-          <p:cNvSpPr>
-            <a:spLocks noGrp="1"/>
-          </p:cNvSpPr>
-          <p:nvPr>
-            <p:ph type="sldNum" sz="quarter" idx="12"/>
-          </p:nvPr>
-        </p:nvSpPr>
-        <p:spPr/>
-        <p:txBody>
-          <a:bodyPr/>
-          <a:lstStyle/>
-          <a:p>
-            <a:fld id="{629637A9-119A-49DA-BD12-AAC58B377D80}" type="slidenum">
-              <a:rPr lang="en-US" smtClean="0"/>
-              <a:t>8</a:t>
-            </a:fld>
-            <a:endParaRPr lang="en-US" dirty="0"/>
-          </a:p>
-        </p:txBody>
-      </p:sp>
-      <p:pic>
-        <p:nvPicPr>
-          <p:cNvPr id="5" name="Picture 4"/>
-          <p:cNvPicPr>
-            <a:picLocks noChangeAspect="1"/>
-          </p:cNvPicPr>
-          <p:nvPr/>
-        </p:nvPicPr>
-        <p:blipFill>
-          <a:blip r:embed="rId2"/>
-          <a:stretch>
-            <a:fillRect/>
-          </a:stretch>
-        </p:blipFill>
-        <p:spPr>
-          <a:xfrm>
-            <a:off x="2648953" y="3070313"/>
+            <a:off x="2628012" y="3325610"/>
             <a:ext cx="1200150" cy="1247775"/>
           </a:xfrm>
           <a:prstGeom prst="rect">
@@ -31052,7 +30937,7 @@
         </p:nvCxnSpPr>
         <p:spPr>
           <a:xfrm>
-            <a:off x="2446031" y="3193147"/>
+            <a:off x="2425090" y="3448444"/>
             <a:ext cx="0" cy="1017037"/>
           </a:xfrm>
           <a:prstGeom prst="straightConnector1">
@@ -31086,7 +30971,7 @@
         </p:nvSpPr>
         <p:spPr>
           <a:xfrm>
-            <a:off x="1919437" y="3509534"/>
+            <a:off x="1898496" y="3764831"/>
             <a:ext cx="418704" cy="369332"/>
           </a:xfrm>
           <a:prstGeom prst="rect">
@@ -31115,7 +31000,7 @@
         </p:nvCxnSpPr>
         <p:spPr>
           <a:xfrm flipH="1">
-            <a:off x="2648953" y="2935908"/>
+            <a:off x="2628012" y="3191205"/>
             <a:ext cx="1056938" cy="0"/>
           </a:xfrm>
           <a:prstGeom prst="straightConnector1">
@@ -31149,7 +31034,7 @@
         </p:nvSpPr>
         <p:spPr>
           <a:xfrm>
-            <a:off x="2935843" y="2538779"/>
+            <a:off x="2914902" y="2794076"/>
             <a:ext cx="418704" cy="369332"/>
           </a:xfrm>
           <a:prstGeom prst="rect">
@@ -31178,7 +31063,7 @@
         </p:nvSpPr>
         <p:spPr>
           <a:xfrm>
-            <a:off x="2930271" y="4318088"/>
+            <a:off x="2909330" y="4573385"/>
             <a:ext cx="494302" cy="369332"/>
           </a:xfrm>
           <a:prstGeom prst="rect">
@@ -31208,7 +31093,7 @@
         </p:nvGrpSpPr>
         <p:grpSpPr>
           <a:xfrm>
-            <a:off x="7094222" y="3533580"/>
+            <a:off x="7073281" y="3788877"/>
             <a:ext cx="3445726" cy="182956"/>
             <a:chOff x="5464098" y="2865863"/>
             <a:chExt cx="3445726" cy="182956"/>
@@ -31524,7 +31409,7 @@
         </p:nvSpPr>
         <p:spPr>
           <a:xfrm>
-            <a:off x="4838702" y="3273762"/>
+            <a:off x="4817761" y="3529059"/>
             <a:ext cx="1933856" cy="278407"/>
           </a:xfrm>
           <a:prstGeom prst="rightArrow">
@@ -31565,14 +31450,14 @@
           <p:nvPr/>
         </p:nvPicPr>
         <p:blipFill>
-          <a:blip r:embed="rId3"/>
+          <a:blip r:embed="rId4"/>
           <a:stretch>
             <a:fillRect/>
           </a:stretch>
         </p:blipFill>
         <p:spPr>
           <a:xfrm>
-            <a:off x="4519743" y="2751242"/>
+            <a:off x="4498802" y="3006539"/>
             <a:ext cx="2298901" cy="448898"/>
           </a:xfrm>
           <a:prstGeom prst="rect">
@@ -31588,7 +31473,7 @@
         </p:nvSpPr>
         <p:spPr>
           <a:xfrm rot="10800000">
-            <a:off x="4813623" y="3663353"/>
+            <a:off x="4792682" y="3918650"/>
             <a:ext cx="1933856" cy="278407"/>
           </a:xfrm>
           <a:prstGeom prst="rightArrow">
@@ -31635,14 +31520,14 @@
           <p:nvPr/>
         </p:nvPicPr>
         <p:blipFill>
-          <a:blip r:embed="rId4"/>
+          <a:blip r:embed="rId5"/>
           <a:stretch>
             <a:fillRect/>
           </a:stretch>
         </p:blipFill>
         <p:spPr>
           <a:xfrm>
-            <a:off x="4386179" y="4014954"/>
+            <a:off x="4365238" y="4270251"/>
             <a:ext cx="2838901" cy="604021"/>
           </a:xfrm>
           <a:prstGeom prst="rect">
@@ -31658,7 +31543,7 @@
         </p:nvCxnSpPr>
         <p:spPr>
           <a:xfrm flipH="1">
-            <a:off x="7091734" y="3332269"/>
+            <a:off x="7070793" y="3587566"/>
             <a:ext cx="3402410" cy="0"/>
           </a:xfrm>
           <a:prstGeom prst="straightConnector1">
@@ -31684,8 +31569,8 @@
           </a:fontRef>
         </p:style>
       </p:cxnSp>
-      <mc:AlternateContent xmlns:mc="http://schemas.openxmlformats.org/markup-compatibility/2006" xmlns:a14="http://schemas.microsoft.com/office/drawing/2010/main">
-        <mc:Choice Requires="a14">
+      <mc:AlternateContent xmlns:mc="http://schemas.openxmlformats.org/markup-compatibility/2006">
+        <mc:Choice xmlns:a14="http://schemas.microsoft.com/office/drawing/2010/main" Requires="a14">
           <p:sp>
             <p:nvSpPr>
               <p:cNvPr id="29" name="TextBox 28"/>
@@ -31694,7 +31579,7 @@
             </p:nvSpPr>
             <p:spPr>
               <a:xfrm>
-                <a:off x="7953607" y="2921301"/>
+                <a:off x="7932666" y="3176598"/>
                 <a:ext cx="1613485" cy="369332"/>
               </a:xfrm>
               <a:prstGeom prst="rect">
@@ -31746,7 +31631,7 @@
             </p:txBody>
           </p:sp>
         </mc:Choice>
-        <mc:Fallback xmlns="">
+        <mc:Fallback>
           <p:sp>
             <p:nvSpPr>
               <p:cNvPr id="29" name="TextBox 28"/>
@@ -31757,16 +31642,16 @@
             </p:nvSpPr>
             <p:spPr>
               <a:xfrm>
-                <a:off x="7953607" y="2921301"/>
+                <a:off x="7932666" y="3176598"/>
                 <a:ext cx="1613485" cy="369332"/>
               </a:xfrm>
               <a:prstGeom prst="rect">
                 <a:avLst/>
               </a:prstGeom>
               <a:blipFill>
-                <a:blip r:embed="rId5"/>
+                <a:blip r:embed="rId6"/>
                 <a:stretch>
-                  <a:fillRect l="-3409" t="-8197" b="-24590"/>
+                  <a:fillRect l="-3019" t="-8197" b="-24590"/>
                 </a:stretch>
               </a:blipFill>
             </p:spPr>
@@ -32080,7 +31965,7 @@
                 <a:avLst/>
               </a:prstGeom>
               <a:blipFill>
-                <a:blip r:embed="rId6"/>
+                <a:blip r:embed="rId7"/>
                 <a:stretch>
                   <a:fillRect/>
                 </a:stretch>
@@ -32306,7 +32191,7 @@
                 <a:avLst/>
               </a:prstGeom>
               <a:blipFill>
-                <a:blip r:embed="rId7"/>
+                <a:blip r:embed="rId8"/>
                 <a:stretch>
                   <a:fillRect b="-13333"/>
                 </a:stretch>
@@ -32327,6 +32212,36 @@
           </p:sp>
         </mc:Fallback>
       </mc:AlternateContent>
+      <p:pic>
+        <p:nvPicPr>
+          <p:cNvPr id="6" name="Picture 5">
+            <a:extLst>
+              <a:ext uri="{FF2B5EF4-FFF2-40B4-BE49-F238E27FC236}">
+                <a16:creationId xmlns:a16="http://schemas.microsoft.com/office/drawing/2014/main" id="{FC6C84D2-3E48-48A7-B5C4-C3B1ED1CDD9E}"/>
+              </a:ext>
+            </a:extLst>
+          </p:cNvPr>
+          <p:cNvPicPr>
+            <a:picLocks noChangeAspect="1"/>
+          </p:cNvPicPr>
+          <p:nvPr/>
+        </p:nvPicPr>
+        <p:blipFill>
+          <a:blip r:embed="rId9"/>
+          <a:stretch>
+            <a:fillRect/>
+          </a:stretch>
+        </p:blipFill>
+        <p:spPr>
+          <a:xfrm>
+            <a:off x="8545657" y="1354445"/>
+            <a:ext cx="3390900" cy="1514475"/>
+          </a:xfrm>
+          <a:prstGeom prst="rect">
+            <a:avLst/>
+          </a:prstGeom>
+        </p:spPr>
+      </p:pic>
     </p:spTree>
     <p:extLst>
       <p:ext uri="{BB962C8B-B14F-4D97-AF65-F5344CB8AC3E}">
@@ -32340,7 +32255,7 @@
 </p:sld>
 </file>
 
-<file path=ppt/slides/slide9.xml><?xml version="1.0" encoding="utf-8"?>
+<file path=ppt/slides/slide8.xml><?xml version="1.0" encoding="utf-8"?>
 <p:sld xmlns:a="http://schemas.openxmlformats.org/drawingml/2006/main" xmlns:r="http://schemas.openxmlformats.org/officeDocument/2006/relationships" xmlns:p="http://schemas.openxmlformats.org/presentationml/2006/main">
   <p:cSld>
     <p:spTree>
@@ -32396,7 +32311,7 @@
           <a:p>
             <a:fld id="{629637A9-119A-49DA-BD12-AAC58B377D80}" type="slidenum">
               <a:rPr lang="en-US" smtClean="0"/>
-              <a:t>9</a:t>
+              <a:t>8</a:t>
             </a:fld>
             <a:endParaRPr lang="en-US" dirty="0"/>
           </a:p>
@@ -32628,6 +32543,203 @@
     <p:extLst>
       <p:ext uri="{BB962C8B-B14F-4D97-AF65-F5344CB8AC3E}">
         <p14:creationId xmlns:p14="http://schemas.microsoft.com/office/powerpoint/2010/main" val="1719133105"/>
+      </p:ext>
+    </p:extLst>
+  </p:cSld>
+  <p:clrMapOvr>
+    <a:masterClrMapping/>
+  </p:clrMapOvr>
+</p:sld>
+</file>
+
+<file path=ppt/slides/slide9.xml><?xml version="1.0" encoding="utf-8"?>
+<p:sld xmlns:a="http://schemas.openxmlformats.org/drawingml/2006/main" xmlns:r="http://schemas.openxmlformats.org/officeDocument/2006/relationships" xmlns:p="http://schemas.openxmlformats.org/presentationml/2006/main">
+  <p:cSld>
+    <p:spTree>
+      <p:nvGrpSpPr>
+        <p:cNvPr id="1" name=""/>
+        <p:cNvGrpSpPr/>
+        <p:nvPr/>
+      </p:nvGrpSpPr>
+      <p:grpSpPr>
+        <a:xfrm>
+          <a:off x="0" y="0"/>
+          <a:ext cx="0" cy="0"/>
+          <a:chOff x="0" y="0"/>
+          <a:chExt cx="0" cy="0"/>
+        </a:xfrm>
+      </p:grpSpPr>
+      <p:sp>
+        <p:nvSpPr>
+          <p:cNvPr id="2" name="Title 1"/>
+          <p:cNvSpPr>
+            <a:spLocks noGrp="1"/>
+          </p:cNvSpPr>
+          <p:nvPr>
+            <p:ph type="title"/>
+          </p:nvPr>
+        </p:nvSpPr>
+        <p:spPr/>
+        <p:txBody>
+          <a:bodyPr/>
+          <a:lstStyle/>
+          <a:p>
+            <a:r>
+              <a:rPr lang="en-US" dirty="0"/>
+              <a:t>Try a Logistic Classifier</a:t>
+            </a:r>
+          </a:p>
+        </p:txBody>
+      </p:sp>
+      <p:sp>
+        <p:nvSpPr>
+          <p:cNvPr id="3" name="Content Placeholder 2"/>
+          <p:cNvSpPr>
+            <a:spLocks noGrp="1"/>
+          </p:cNvSpPr>
+          <p:nvPr>
+            <p:ph idx="1"/>
+          </p:nvPr>
+        </p:nvSpPr>
+        <p:spPr>
+          <a:xfrm>
+            <a:off x="4559108" y="1539277"/>
+            <a:ext cx="7078201" cy="4329817"/>
+          </a:xfrm>
+        </p:spPr>
+        <p:txBody>
+          <a:bodyPr/>
+          <a:lstStyle/>
+          <a:p>
+            <a:r>
+              <a:rPr lang="en-US" dirty="0"/>
+              <a:t>Train on 5000 samples</a:t>
+            </a:r>
+          </a:p>
+          <a:p>
+            <a:pPr lvl="1"/>
+            <a:r>
+              <a:rPr lang="en-US" dirty="0"/>
+              <a:t>To reduce training time.</a:t>
+            </a:r>
+          </a:p>
+          <a:p>
+            <a:pPr lvl="1"/>
+            <a:r>
+              <a:rPr lang="en-US" dirty="0"/>
+              <a:t>In practice want to train with ~40k</a:t>
+            </a:r>
+          </a:p>
+          <a:p>
+            <a:r>
+              <a:rPr lang="en-US" dirty="0"/>
+              <a:t>Select correct solver (</a:t>
+            </a:r>
+            <a:r>
+              <a:rPr lang="en-US" dirty="0" err="1"/>
+              <a:t>lbfgs</a:t>
+            </a:r>
+            <a:r>
+              <a:rPr lang="en-US" dirty="0"/>
+              <a:t>)</a:t>
+            </a:r>
+          </a:p>
+          <a:p>
+            <a:pPr lvl="1"/>
+            <a:r>
+              <a:rPr lang="en-US" dirty="0"/>
+              <a:t>Others can be very slow.  Even this will take minutes</a:t>
+            </a:r>
+          </a:p>
+        </p:txBody>
+      </p:sp>
+      <p:sp>
+        <p:nvSpPr>
+          <p:cNvPr id="4" name="Slide Number Placeholder 3"/>
+          <p:cNvSpPr>
+            <a:spLocks noGrp="1"/>
+          </p:cNvSpPr>
+          <p:nvPr>
+            <p:ph type="sldNum" sz="quarter" idx="12"/>
+          </p:nvPr>
+        </p:nvSpPr>
+        <p:spPr/>
+        <p:txBody>
+          <a:bodyPr/>
+          <a:lstStyle/>
+          <a:p>
+            <a:fld id="{629637A9-119A-49DA-BD12-AAC58B377D80}" type="slidenum">
+              <a:rPr lang="en-US" smtClean="0"/>
+              <a:t>9</a:t>
+            </a:fld>
+            <a:endParaRPr lang="en-US" dirty="0"/>
+          </a:p>
+        </p:txBody>
+      </p:sp>
+      <p:pic>
+        <p:nvPicPr>
+          <p:cNvPr id="7" name="Picture 6">
+            <a:extLst>
+              <a:ext uri="{FF2B5EF4-FFF2-40B4-BE49-F238E27FC236}">
+                <a16:creationId xmlns:a16="http://schemas.microsoft.com/office/drawing/2014/main" id="{242665EA-7684-419D-AAA9-A9DF37B061DE}"/>
+              </a:ext>
+            </a:extLst>
+          </p:cNvPr>
+          <p:cNvPicPr>
+            <a:picLocks noChangeAspect="1"/>
+          </p:cNvPicPr>
+          <p:nvPr/>
+        </p:nvPicPr>
+        <p:blipFill>
+          <a:blip r:embed="rId2"/>
+          <a:stretch>
+            <a:fillRect/>
+          </a:stretch>
+        </p:blipFill>
+        <p:spPr>
+          <a:xfrm>
+            <a:off x="1097280" y="1539277"/>
+            <a:ext cx="3067050" cy="952500"/>
+          </a:xfrm>
+          <a:prstGeom prst="rect">
+            <a:avLst/>
+          </a:prstGeom>
+        </p:spPr>
+      </p:pic>
+      <p:pic>
+        <p:nvPicPr>
+          <p:cNvPr id="8" name="Picture 7">
+            <a:extLst>
+              <a:ext uri="{FF2B5EF4-FFF2-40B4-BE49-F238E27FC236}">
+                <a16:creationId xmlns:a16="http://schemas.microsoft.com/office/drawing/2014/main" id="{A4919C2B-96DA-4A82-9AB7-7D406A7E3D65}"/>
+              </a:ext>
+            </a:extLst>
+          </p:cNvPr>
+          <p:cNvPicPr>
+            <a:picLocks noChangeAspect="1"/>
+          </p:cNvPicPr>
+          <p:nvPr/>
+        </p:nvPicPr>
+        <p:blipFill>
+          <a:blip r:embed="rId3"/>
+          <a:stretch>
+            <a:fillRect/>
+          </a:stretch>
+        </p:blipFill>
+        <p:spPr>
+          <a:xfrm>
+            <a:off x="1021944" y="3429000"/>
+            <a:ext cx="8324850" cy="2543175"/>
+          </a:xfrm>
+          <a:prstGeom prst="rect">
+            <a:avLst/>
+          </a:prstGeom>
+        </p:spPr>
+      </p:pic>
+    </p:spTree>
+    <p:extLst>
+      <p:ext uri="{BB962C8B-B14F-4D97-AF65-F5344CB8AC3E}">
+        <p14:creationId xmlns:p14="http://schemas.microsoft.com/office/powerpoint/2010/main" val="2818710623"/>
       </p:ext>
     </p:extLst>
   </p:cSld>

--- a/lectures/Lect08_SVM.pptx
+++ b/lectures/Lect08_SVM.pptx
@@ -5,7 +5,7 @@
     <p:sldMasterId id="2147483648" r:id="rId1"/>
   </p:sldMasterIdLst>
   <p:notesMasterIdLst>
-    <p:notesMasterId r:id="rId59"/>
+    <p:notesMasterId r:id="rId60"/>
   </p:notesMasterIdLst>
   <p:sldIdLst>
     <p:sldId id="258" r:id="rId2"/>
@@ -50,21 +50,22 @@
     <p:sldId id="319" r:id="rId41"/>
     <p:sldId id="371" r:id="rId42"/>
     <p:sldId id="373" r:id="rId43"/>
-    <p:sldId id="320" r:id="rId44"/>
-    <p:sldId id="322" r:id="rId45"/>
-    <p:sldId id="321" r:id="rId46"/>
-    <p:sldId id="323" r:id="rId47"/>
-    <p:sldId id="299" r:id="rId48"/>
-    <p:sldId id="300" r:id="rId49"/>
-    <p:sldId id="301" r:id="rId50"/>
-    <p:sldId id="307" r:id="rId51"/>
-    <p:sldId id="309" r:id="rId52"/>
-    <p:sldId id="308" r:id="rId53"/>
-    <p:sldId id="310" r:id="rId54"/>
-    <p:sldId id="312" r:id="rId55"/>
-    <p:sldId id="314" r:id="rId56"/>
-    <p:sldId id="313" r:id="rId57"/>
-    <p:sldId id="365" r:id="rId58"/>
+    <p:sldId id="374" r:id="rId44"/>
+    <p:sldId id="320" r:id="rId45"/>
+    <p:sldId id="322" r:id="rId46"/>
+    <p:sldId id="321" r:id="rId47"/>
+    <p:sldId id="323" r:id="rId48"/>
+    <p:sldId id="299" r:id="rId49"/>
+    <p:sldId id="300" r:id="rId50"/>
+    <p:sldId id="301" r:id="rId51"/>
+    <p:sldId id="307" r:id="rId52"/>
+    <p:sldId id="309" r:id="rId53"/>
+    <p:sldId id="308" r:id="rId54"/>
+    <p:sldId id="310" r:id="rId55"/>
+    <p:sldId id="312" r:id="rId56"/>
+    <p:sldId id="314" r:id="rId57"/>
+    <p:sldId id="313" r:id="rId58"/>
+    <p:sldId id="365" r:id="rId59"/>
   </p:sldIdLst>
   <p:sldSz cx="12192000" cy="6858000"/>
   <p:notesSz cx="7315200" cy="9601200"/>
@@ -27805,6 +27806,58 @@
       </p:grpSpPr>
       <p:sp>
         <p:nvSpPr>
+          <p:cNvPr id="5" name="Rectangle: Rounded Corners 4">
+            <a:extLst>
+              <a:ext uri="{FF2B5EF4-FFF2-40B4-BE49-F238E27FC236}">
+                <a16:creationId xmlns:a16="http://schemas.microsoft.com/office/drawing/2014/main" id="{41E00BB5-6736-4BAD-A7A5-61AD4CCC2818}"/>
+              </a:ext>
+            </a:extLst>
+          </p:cNvPr>
+          <p:cNvSpPr/>
+          <p:nvPr/>
+        </p:nvSpPr>
+        <p:spPr>
+          <a:xfrm>
+            <a:off x="4408227" y="1835624"/>
+            <a:ext cx="3186752" cy="1235122"/>
+          </a:xfrm>
+          <a:prstGeom prst="roundRect">
+            <a:avLst/>
+          </a:prstGeom>
+          <a:solidFill>
+            <a:schemeClr val="tx2">
+              <a:lumMod val="20000"/>
+              <a:lumOff val="80000"/>
+            </a:schemeClr>
+          </a:solidFill>
+        </p:spPr>
+        <p:style>
+          <a:lnRef idx="2">
+            <a:schemeClr val="accent1">
+              <a:shade val="50000"/>
+            </a:schemeClr>
+          </a:lnRef>
+          <a:fillRef idx="1">
+            <a:schemeClr val="accent1"/>
+          </a:fillRef>
+          <a:effectRef idx="0">
+            <a:schemeClr val="accent1"/>
+          </a:effectRef>
+          <a:fontRef idx="minor">
+            <a:schemeClr val="lt1"/>
+          </a:fontRef>
+        </p:style>
+        <p:txBody>
+          <a:bodyPr rtlCol="0" anchor="ctr"/>
+          <a:lstStyle/>
+          <a:p>
+            <a:pPr algn="ctr"/>
+            <a:endParaRPr lang="en-US"/>
+          </a:p>
+        </p:txBody>
+      </p:sp>
+      <p:sp>
+        <p:nvSpPr>
           <p:cNvPr id="2" name="Title 1"/>
           <p:cNvSpPr>
             <a:spLocks noGrp="1"/>
@@ -27820,7 +27873,7 @@
           <a:p>
             <a:r>
               <a:rPr lang="en-US" dirty="0"/>
-              <a:t>Kernel Trick</a:t>
+              <a:t>“Kernel Trick”</a:t>
             </a:r>
           </a:p>
         </p:txBody>
@@ -27960,359 +28013,373 @@
                 </a:r>
               </a:p>
               <a:p>
-                <a:pPr lvl="1"/>
+                <a:pPr marL="201168" lvl="1" indent="0">
+                  <a:buNone/>
+                </a:pPr>
                 <a14:m>
-                  <m:oMath xmlns:m="http://schemas.openxmlformats.org/officeDocument/2006/math">
-                    <m:r>
-                      <a:rPr lang="en-US" i="1" smtClean="0">
-                        <a:latin typeface="Cambria Math" panose="02040503050406030204" pitchFamily="18" charset="0"/>
-                      </a:rPr>
-                      <m:t>𝑧</m:t>
-                    </m:r>
-                    <m:r>
-                      <a:rPr lang="en-US" i="1" smtClean="0">
-                        <a:latin typeface="Cambria Math" panose="02040503050406030204" pitchFamily="18" charset="0"/>
-                      </a:rPr>
-                      <m:t>=</m:t>
-                    </m:r>
-                    <m:r>
-                      <a:rPr lang="en-US" i="1">
-                        <a:latin typeface="Cambria Math" panose="02040503050406030204" pitchFamily="18" charset="0"/>
-                      </a:rPr>
-                      <m:t>𝑏</m:t>
-                    </m:r>
-                    <m:r>
-                      <a:rPr lang="en-US" i="1">
-                        <a:latin typeface="Cambria Math" panose="02040503050406030204" pitchFamily="18" charset="0"/>
-                      </a:rPr>
-                      <m:t>+</m:t>
-                    </m:r>
-                    <m:nary>
-                      <m:naryPr>
-                        <m:chr m:val="∑"/>
-                        <m:limLoc m:val="subSup"/>
-                        <m:ctrlPr>
-                          <a:rPr lang="en-US" i="1">
-                            <a:latin typeface="Cambria Math" panose="02040503050406030204" pitchFamily="18" charset="0"/>
-                          </a:rPr>
-                        </m:ctrlPr>
-                      </m:naryPr>
-                      <m:sub>
-                        <m:r>
-                          <m:rPr>
-                            <m:brk m:alnAt="25"/>
-                          </m:rPr>
-                          <a:rPr lang="en-US" i="1">
-                            <a:latin typeface="Cambria Math" panose="02040503050406030204" pitchFamily="18" charset="0"/>
-                          </a:rPr>
-                          <m:t>𝑖</m:t>
-                        </m:r>
-                        <m:r>
-                          <a:rPr lang="en-US" i="1">
-                            <a:latin typeface="Cambria Math" panose="02040503050406030204" pitchFamily="18" charset="0"/>
-                          </a:rPr>
-                          <m:t>=1</m:t>
-                        </m:r>
-                      </m:sub>
-                      <m:sup>
-                        <m:r>
-                          <a:rPr lang="en-US" i="1">
-                            <a:latin typeface="Cambria Math" panose="02040503050406030204" pitchFamily="18" charset="0"/>
-                          </a:rPr>
-                          <m:t>𝑁</m:t>
-                        </m:r>
-                      </m:sup>
-                      <m:e>
-                        <m:sSub>
-                          <m:sSubPr>
-                            <m:ctrlPr>
-                              <a:rPr lang="en-US" i="1">
-                                <a:latin typeface="Cambria Math" panose="02040503050406030204" pitchFamily="18" charset="0"/>
-                              </a:rPr>
-                            </m:ctrlPr>
-                          </m:sSubPr>
-                          <m:e>
-                            <m:r>
-                              <a:rPr lang="en-US" i="1">
-                                <a:latin typeface="Cambria Math" panose="02040503050406030204" pitchFamily="18" charset="0"/>
-                              </a:rPr>
-                              <m:t>𝛼</m:t>
-                            </m:r>
-                          </m:e>
-                          <m:sub>
-                            <m:r>
-                              <a:rPr lang="en-US" i="1">
-                                <a:latin typeface="Cambria Math" panose="02040503050406030204" pitchFamily="18" charset="0"/>
-                              </a:rPr>
-                              <m:t>𝑖</m:t>
-                            </m:r>
-                          </m:sub>
-                        </m:sSub>
-                        <m:sSub>
-                          <m:sSubPr>
-                            <m:ctrlPr>
-                              <a:rPr lang="en-US" i="1">
-                                <a:latin typeface="Cambria Math" panose="02040503050406030204" pitchFamily="18" charset="0"/>
-                              </a:rPr>
-                            </m:ctrlPr>
-                          </m:sSubPr>
-                          <m:e>
-                            <m:r>
-                              <a:rPr lang="en-US" i="1">
-                                <a:latin typeface="Cambria Math" panose="02040503050406030204" pitchFamily="18" charset="0"/>
-                              </a:rPr>
-                              <m:t>𝑦</m:t>
-                            </m:r>
-                          </m:e>
-                          <m:sub>
-                            <m:r>
-                              <a:rPr lang="en-US" i="1">
-                                <a:latin typeface="Cambria Math" panose="02040503050406030204" pitchFamily="18" charset="0"/>
-                              </a:rPr>
-                              <m:t>𝑖</m:t>
-                            </m:r>
-                          </m:sub>
-                        </m:sSub>
-                        <m:r>
-                          <a:rPr lang="en-US" b="0" i="1" smtClean="0">
-                            <a:latin typeface="Cambria Math" panose="02040503050406030204" pitchFamily="18" charset="0"/>
-                          </a:rPr>
-                          <m:t>𝐾</m:t>
-                        </m:r>
-                        <m:d>
-                          <m:dPr>
-                            <m:ctrlPr>
-                              <a:rPr lang="en-US" b="0" i="1" smtClean="0">
-                                <a:latin typeface="Cambria Math" panose="02040503050406030204" pitchFamily="18" charset="0"/>
-                              </a:rPr>
-                            </m:ctrlPr>
-                          </m:dPr>
-                          <m:e>
-                            <m:sSub>
-                              <m:sSubPr>
-                                <m:ctrlPr>
-                                  <a:rPr lang="en-US" b="0" i="1" smtClean="0">
-                                    <a:latin typeface="Cambria Math" panose="02040503050406030204" pitchFamily="18" charset="0"/>
-                                  </a:rPr>
-                                </m:ctrlPr>
-                              </m:sSubPr>
-                              <m:e>
-                                <m:r>
-                                  <a:rPr lang="en-US" b="1" i="1" smtClean="0">
-                                    <a:latin typeface="Cambria Math" panose="02040503050406030204" pitchFamily="18" charset="0"/>
-                                  </a:rPr>
-                                  <m:t>𝒙</m:t>
-                                </m:r>
-                              </m:e>
-                              <m:sub>
-                                <m:r>
-                                  <a:rPr lang="en-US" b="0" i="1" smtClean="0">
-                                    <a:latin typeface="Cambria Math" panose="02040503050406030204" pitchFamily="18" charset="0"/>
-                                  </a:rPr>
-                                  <m:t>𝑖</m:t>
-                                </m:r>
-                              </m:sub>
-                            </m:sSub>
-                            <m:r>
-                              <a:rPr lang="en-US" b="0" i="1" smtClean="0">
-                                <a:latin typeface="Cambria Math" panose="02040503050406030204" pitchFamily="18" charset="0"/>
-                              </a:rPr>
-                              <m:t>,</m:t>
-                            </m:r>
-                            <m:r>
-                              <a:rPr lang="en-US" b="1" i="1" smtClean="0">
-                                <a:latin typeface="Cambria Math" panose="02040503050406030204" pitchFamily="18" charset="0"/>
-                              </a:rPr>
-                              <m:t>𝒙</m:t>
-                            </m:r>
-                          </m:e>
-                        </m:d>
-                      </m:e>
-                    </m:nary>
-                    <m:r>
-                      <a:rPr lang="en-US" b="0" i="1" smtClean="0">
-                        <a:latin typeface="Cambria Math" panose="02040503050406030204" pitchFamily="18" charset="0"/>
-                      </a:rPr>
-                      <m:t>, </m:t>
-                    </m:r>
-                  </m:oMath>
+                  <m:oMathPara xmlns:m="http://schemas.openxmlformats.org/officeDocument/2006/math">
+                    <m:oMathParaPr>
+                      <m:jc m:val="centerGroup"/>
+                    </m:oMathParaPr>
+                    <m:oMath xmlns:m="http://schemas.openxmlformats.org/officeDocument/2006/math">
+                      <m:r>
+                        <a:rPr lang="en-US" i="1" smtClean="0">
+                          <a:latin typeface="Cambria Math" panose="02040503050406030204" pitchFamily="18" charset="0"/>
+                        </a:rPr>
+                        <m:t>𝑧</m:t>
+                      </m:r>
+                      <m:r>
+                        <a:rPr lang="en-US" i="1" smtClean="0">
+                          <a:latin typeface="Cambria Math" panose="02040503050406030204" pitchFamily="18" charset="0"/>
+                        </a:rPr>
+                        <m:t>=</m:t>
+                      </m:r>
+                      <m:r>
+                        <a:rPr lang="en-US" i="1">
+                          <a:latin typeface="Cambria Math" panose="02040503050406030204" pitchFamily="18" charset="0"/>
+                        </a:rPr>
+                        <m:t>𝑏</m:t>
+                      </m:r>
+                      <m:r>
+                        <a:rPr lang="en-US" i="1">
+                          <a:latin typeface="Cambria Math" panose="02040503050406030204" pitchFamily="18" charset="0"/>
+                        </a:rPr>
+                        <m:t>+</m:t>
+                      </m:r>
+                      <m:nary>
+                        <m:naryPr>
+                          <m:chr m:val="∑"/>
+                          <m:limLoc m:val="subSup"/>
+                          <m:ctrlPr>
+                            <a:rPr lang="en-US" i="1">
+                              <a:latin typeface="Cambria Math" panose="02040503050406030204" pitchFamily="18" charset="0"/>
+                            </a:rPr>
+                          </m:ctrlPr>
+                        </m:naryPr>
+                        <m:sub>
+                          <m:r>
+                            <m:rPr>
+                              <m:brk m:alnAt="25"/>
+                            </m:rPr>
+                            <a:rPr lang="en-US" i="1">
+                              <a:latin typeface="Cambria Math" panose="02040503050406030204" pitchFamily="18" charset="0"/>
+                            </a:rPr>
+                            <m:t>𝑖</m:t>
+                          </m:r>
+                          <m:r>
+                            <a:rPr lang="en-US" i="1">
+                              <a:latin typeface="Cambria Math" panose="02040503050406030204" pitchFamily="18" charset="0"/>
+                            </a:rPr>
+                            <m:t>=1</m:t>
+                          </m:r>
+                        </m:sub>
+                        <m:sup>
+                          <m:r>
+                            <a:rPr lang="en-US" i="1">
+                              <a:latin typeface="Cambria Math" panose="02040503050406030204" pitchFamily="18" charset="0"/>
+                            </a:rPr>
+                            <m:t>𝑁</m:t>
+                          </m:r>
+                        </m:sup>
+                        <m:e>
+                          <m:sSub>
+                            <m:sSubPr>
+                              <m:ctrlPr>
+                                <a:rPr lang="en-US" i="1">
+                                  <a:latin typeface="Cambria Math" panose="02040503050406030204" pitchFamily="18" charset="0"/>
+                                </a:rPr>
+                              </m:ctrlPr>
+                            </m:sSubPr>
+                            <m:e>
+                              <m:r>
+                                <a:rPr lang="en-US" i="1">
+                                  <a:latin typeface="Cambria Math" panose="02040503050406030204" pitchFamily="18" charset="0"/>
+                                </a:rPr>
+                                <m:t>𝛼</m:t>
+                              </m:r>
+                            </m:e>
+                            <m:sub>
+                              <m:r>
+                                <a:rPr lang="en-US" i="1">
+                                  <a:latin typeface="Cambria Math" panose="02040503050406030204" pitchFamily="18" charset="0"/>
+                                </a:rPr>
+                                <m:t>𝑖</m:t>
+                              </m:r>
+                            </m:sub>
+                          </m:sSub>
+                          <m:sSub>
+                            <m:sSubPr>
+                              <m:ctrlPr>
+                                <a:rPr lang="en-US" i="1">
+                                  <a:latin typeface="Cambria Math" panose="02040503050406030204" pitchFamily="18" charset="0"/>
+                                </a:rPr>
+                              </m:ctrlPr>
+                            </m:sSubPr>
+                            <m:e>
+                              <m:r>
+                                <a:rPr lang="en-US" i="1">
+                                  <a:latin typeface="Cambria Math" panose="02040503050406030204" pitchFamily="18" charset="0"/>
+                                </a:rPr>
+                                <m:t>𝑦</m:t>
+                              </m:r>
+                            </m:e>
+                            <m:sub>
+                              <m:r>
+                                <a:rPr lang="en-US" i="1">
+                                  <a:latin typeface="Cambria Math" panose="02040503050406030204" pitchFamily="18" charset="0"/>
+                                </a:rPr>
+                                <m:t>𝑖</m:t>
+                              </m:r>
+                            </m:sub>
+                          </m:sSub>
+                          <m:r>
+                            <a:rPr lang="en-US" b="0" i="1" smtClean="0">
+                              <a:latin typeface="Cambria Math" panose="02040503050406030204" pitchFamily="18" charset="0"/>
+                            </a:rPr>
+                            <m:t>𝐾</m:t>
+                          </m:r>
+                          <m:d>
+                            <m:dPr>
+                              <m:ctrlPr>
+                                <a:rPr lang="en-US" b="0" i="1" smtClean="0">
+                                  <a:latin typeface="Cambria Math" panose="02040503050406030204" pitchFamily="18" charset="0"/>
+                                </a:rPr>
+                              </m:ctrlPr>
+                            </m:dPr>
+                            <m:e>
+                              <m:sSub>
+                                <m:sSubPr>
+                                  <m:ctrlPr>
+                                    <a:rPr lang="en-US" b="0" i="1" smtClean="0">
+                                      <a:latin typeface="Cambria Math" panose="02040503050406030204" pitchFamily="18" charset="0"/>
+                                    </a:rPr>
+                                  </m:ctrlPr>
+                                </m:sSubPr>
+                                <m:e>
+                                  <m:r>
+                                    <a:rPr lang="en-US" b="1" i="1" smtClean="0">
+                                      <a:latin typeface="Cambria Math" panose="02040503050406030204" pitchFamily="18" charset="0"/>
+                                    </a:rPr>
+                                    <m:t>𝒙</m:t>
+                                  </m:r>
+                                </m:e>
+                                <m:sub>
+                                  <m:r>
+                                    <a:rPr lang="en-US" b="0" i="1" smtClean="0">
+                                      <a:latin typeface="Cambria Math" panose="02040503050406030204" pitchFamily="18" charset="0"/>
+                                    </a:rPr>
+                                    <m:t>𝑖</m:t>
+                                  </m:r>
+                                </m:sub>
+                              </m:sSub>
+                              <m:r>
+                                <a:rPr lang="en-US" b="0" i="1" smtClean="0">
+                                  <a:latin typeface="Cambria Math" panose="02040503050406030204" pitchFamily="18" charset="0"/>
+                                </a:rPr>
+                                <m:t>,</m:t>
+                              </m:r>
+                              <m:r>
+                                <a:rPr lang="en-US" b="1" i="1" smtClean="0">
+                                  <a:latin typeface="Cambria Math" panose="02040503050406030204" pitchFamily="18" charset="0"/>
+                                </a:rPr>
+                                <m:t>𝒙</m:t>
+                              </m:r>
+                            </m:e>
+                          </m:d>
+                        </m:e>
+                      </m:nary>
+                      <m:r>
+                        <a:rPr lang="en-US" b="0" i="1" smtClean="0">
+                          <a:latin typeface="Cambria Math" panose="02040503050406030204" pitchFamily="18" charset="0"/>
+                        </a:rPr>
+                        <m:t>, </m:t>
+                      </m:r>
+                    </m:oMath>
+                  </m:oMathPara>
                 </a14:m>
                 <a:endParaRPr lang="en-US" b="0" i="1" dirty="0">
                   <a:latin typeface="Cambria Math" panose="02040503050406030204" pitchFamily="18" charset="0"/>
                 </a:endParaRPr>
               </a:p>
               <a:p>
-                <a:pPr lvl="1"/>
+                <a:pPr marL="201168" lvl="1" indent="0">
+                  <a:buNone/>
+                </a:pPr>
                 <a14:m>
-                  <m:oMath xmlns:m="http://schemas.openxmlformats.org/officeDocument/2006/math">
-                    <m:acc>
-                      <m:accPr>
-                        <m:chr m:val="̂"/>
-                        <m:ctrlPr>
-                          <a:rPr lang="en-US" i="1" smtClean="0">
-                            <a:latin typeface="Cambria Math" panose="02040503050406030204" pitchFamily="18" charset="0"/>
-                          </a:rPr>
-                        </m:ctrlPr>
-                      </m:accPr>
-                      <m:e>
-                        <m:r>
-                          <a:rPr lang="en-US" b="0" i="1" smtClean="0">
-                            <a:latin typeface="Cambria Math" panose="02040503050406030204" pitchFamily="18" charset="0"/>
-                          </a:rPr>
-                          <m:t>𝑦</m:t>
-                        </m:r>
-                      </m:e>
-                    </m:acc>
-                    <m:r>
-                      <a:rPr lang="en-US" b="0" i="1" smtClean="0">
-                        <a:latin typeface="Cambria Math" panose="02040503050406030204" pitchFamily="18" charset="0"/>
-                      </a:rPr>
-                      <m:t>=</m:t>
-                    </m:r>
-                    <m:r>
-                      <m:rPr>
-                        <m:nor/>
-                      </m:rPr>
-                      <a:rPr lang="en-US" b="0" i="0" smtClean="0">
-                        <a:latin typeface="Cambria Math" panose="02040503050406030204" pitchFamily="18" charset="0"/>
-                      </a:rPr>
-                      <m:t>sign</m:t>
-                    </m:r>
-                    <m:d>
-                      <m:dPr>
-                        <m:ctrlPr>
-                          <a:rPr lang="en-US" b="0" i="1" smtClean="0">
-                            <a:latin typeface="Cambria Math" panose="02040503050406030204" pitchFamily="18" charset="0"/>
-                          </a:rPr>
-                        </m:ctrlPr>
-                      </m:dPr>
-                      <m:e>
-                        <m:r>
-                          <a:rPr lang="en-US" b="0" i="1" smtClean="0">
-                            <a:latin typeface="Cambria Math" panose="02040503050406030204" pitchFamily="18" charset="0"/>
-                          </a:rPr>
-                          <m:t>𝑧</m:t>
-                        </m:r>
-                      </m:e>
-                    </m:d>
-                    <m:r>
-                      <a:rPr lang="en-US" b="0" i="1" smtClean="0">
-                        <a:latin typeface="Cambria Math" panose="02040503050406030204" pitchFamily="18" charset="0"/>
-                      </a:rPr>
-                      <m:t>=</m:t>
-                    </m:r>
-                    <m:d>
-                      <m:dPr>
-                        <m:begChr m:val="{"/>
-                        <m:endChr m:val=""/>
-                        <m:ctrlPr>
-                          <a:rPr lang="en-US" b="0" i="1" smtClean="0">
-                            <a:latin typeface="Cambria Math" panose="02040503050406030204" pitchFamily="18" charset="0"/>
-                          </a:rPr>
-                        </m:ctrlPr>
-                      </m:dPr>
-                      <m:e>
-                        <m:m>
-                          <m:mPr>
-                            <m:mcs>
-                              <m:mc>
-                                <m:mcPr>
-                                  <m:count m:val="2"/>
-                                  <m:mcJc m:val="center"/>
-                                </m:mcPr>
-                              </m:mc>
-                            </m:mcs>
-                            <m:ctrlPr>
-                              <a:rPr lang="en-US" b="0" i="1" smtClean="0">
-                                <a:latin typeface="Cambria Math" panose="02040503050406030204" pitchFamily="18" charset="0"/>
-                              </a:rPr>
-                            </m:ctrlPr>
-                          </m:mPr>
-                          <m:mr>
-                            <m:e>
-                              <m:r>
-                                <m:rPr>
-                                  <m:brk m:alnAt="7"/>
-                                </m:rPr>
+                  <m:oMathPara xmlns:m="http://schemas.openxmlformats.org/officeDocument/2006/math">
+                    <m:oMathParaPr>
+                      <m:jc m:val="centerGroup"/>
+                    </m:oMathParaPr>
+                    <m:oMath xmlns:m="http://schemas.openxmlformats.org/officeDocument/2006/math">
+                      <m:acc>
+                        <m:accPr>
+                          <m:chr m:val="̂"/>
+                          <m:ctrlPr>
+                            <a:rPr lang="en-US" i="1" smtClean="0">
+                              <a:latin typeface="Cambria Math" panose="02040503050406030204" pitchFamily="18" charset="0"/>
+                            </a:rPr>
+                          </m:ctrlPr>
+                        </m:accPr>
+                        <m:e>
+                          <m:r>
+                            <a:rPr lang="en-US" b="0" i="1" smtClean="0">
+                              <a:latin typeface="Cambria Math" panose="02040503050406030204" pitchFamily="18" charset="0"/>
+                            </a:rPr>
+                            <m:t>𝑦</m:t>
+                          </m:r>
+                        </m:e>
+                      </m:acc>
+                      <m:r>
+                        <a:rPr lang="en-US" b="0" i="1" smtClean="0">
+                          <a:latin typeface="Cambria Math" panose="02040503050406030204" pitchFamily="18" charset="0"/>
+                        </a:rPr>
+                        <m:t>=</m:t>
+                      </m:r>
+                      <m:r>
+                        <m:rPr>
+                          <m:nor/>
+                        </m:rPr>
+                        <a:rPr lang="en-US" b="0" i="0" smtClean="0">
+                          <a:latin typeface="Cambria Math" panose="02040503050406030204" pitchFamily="18" charset="0"/>
+                        </a:rPr>
+                        <m:t>sign</m:t>
+                      </m:r>
+                      <m:d>
+                        <m:dPr>
+                          <m:ctrlPr>
+                            <a:rPr lang="en-US" b="0" i="1" smtClean="0">
+                              <a:latin typeface="Cambria Math" panose="02040503050406030204" pitchFamily="18" charset="0"/>
+                            </a:rPr>
+                          </m:ctrlPr>
+                        </m:dPr>
+                        <m:e>
+                          <m:r>
+                            <a:rPr lang="en-US" b="0" i="1" smtClean="0">
+                              <a:latin typeface="Cambria Math" panose="02040503050406030204" pitchFamily="18" charset="0"/>
+                            </a:rPr>
+                            <m:t>𝑧</m:t>
+                          </m:r>
+                        </m:e>
+                      </m:d>
+                      <m:r>
+                        <a:rPr lang="en-US" b="0" i="1" smtClean="0">
+                          <a:latin typeface="Cambria Math" panose="02040503050406030204" pitchFamily="18" charset="0"/>
+                        </a:rPr>
+                        <m:t>=</m:t>
+                      </m:r>
+                      <m:d>
+                        <m:dPr>
+                          <m:begChr m:val="{"/>
+                          <m:endChr m:val=""/>
+                          <m:ctrlPr>
+                            <a:rPr lang="en-US" b="0" i="1" smtClean="0">
+                              <a:latin typeface="Cambria Math" panose="02040503050406030204" pitchFamily="18" charset="0"/>
+                            </a:rPr>
+                          </m:ctrlPr>
+                        </m:dPr>
+                        <m:e>
+                          <m:m>
+                            <m:mPr>
+                              <m:mcs>
+                                <m:mc>
+                                  <m:mcPr>
+                                    <m:count m:val="2"/>
+                                    <m:mcJc m:val="center"/>
+                                  </m:mcPr>
+                                </m:mc>
+                              </m:mcs>
+                              <m:ctrlPr>
                                 <a:rPr lang="en-US" b="0" i="1" smtClean="0">
                                   <a:latin typeface="Cambria Math" panose="02040503050406030204" pitchFamily="18" charset="0"/>
                                 </a:rPr>
-                                <m:t>1</m:t>
-                              </m:r>
-                            </m:e>
-                            <m:e>
-                              <m:r>
-                                <m:rPr>
-                                  <m:nor/>
-                                </m:rPr>
-                                <a:rPr lang="en-US" b="0" i="0" smtClean="0">
-                                  <a:latin typeface="Cambria Math" panose="02040503050406030204" pitchFamily="18" charset="0"/>
-                                </a:rPr>
-                                <m:t>if</m:t>
-                              </m:r>
-                              <m:r>
-                                <a:rPr lang="en-US" b="0" i="1" smtClean="0">
-                                  <a:latin typeface="Cambria Math" panose="02040503050406030204" pitchFamily="18" charset="0"/>
-                                </a:rPr>
-                                <m:t> </m:t>
-                              </m:r>
-                              <m:r>
-                                <a:rPr lang="en-US" b="0" i="1" smtClean="0">
-                                  <a:latin typeface="Cambria Math" panose="02040503050406030204" pitchFamily="18" charset="0"/>
-                                </a:rPr>
-                                <m:t>𝑧</m:t>
-                              </m:r>
-                              <m:r>
-                                <a:rPr lang="en-US" b="0" i="1" smtClean="0">
-                                  <a:latin typeface="Cambria Math" panose="02040503050406030204" pitchFamily="18" charset="0"/>
-                                </a:rPr>
-                                <m:t>&gt;0</m:t>
-                              </m:r>
-                            </m:e>
-                          </m:mr>
-                          <m:mr>
-                            <m:e>
-                              <m:r>
-                                <a:rPr lang="en-US" b="0" i="1" smtClean="0">
-                                  <a:latin typeface="Cambria Math" panose="02040503050406030204" pitchFamily="18" charset="0"/>
-                                </a:rPr>
-                                <m:t>−1</m:t>
-                              </m:r>
-                            </m:e>
-                            <m:e>
-                              <m:r>
-                                <m:rPr>
-                                  <m:nor/>
-                                </m:rPr>
-                                <a:rPr lang="en-US" b="0" i="0" smtClean="0">
-                                  <a:latin typeface="Cambria Math" panose="02040503050406030204" pitchFamily="18" charset="0"/>
-                                </a:rPr>
-                                <m:t>if</m:t>
-                              </m:r>
-                              <m:r>
-                                <a:rPr lang="en-US" b="0" i="1" smtClean="0">
-                                  <a:latin typeface="Cambria Math" panose="02040503050406030204" pitchFamily="18" charset="0"/>
-                                </a:rPr>
-                                <m:t> </m:t>
-                              </m:r>
-                              <m:r>
-                                <a:rPr lang="en-US" b="0" i="1" smtClean="0">
-                                  <a:latin typeface="Cambria Math" panose="02040503050406030204" pitchFamily="18" charset="0"/>
-                                </a:rPr>
-                                <m:t>𝑧</m:t>
-                              </m:r>
-                              <m:r>
-                                <a:rPr lang="en-US" b="0" i="1" smtClean="0">
-                                  <a:latin typeface="Cambria Math" panose="02040503050406030204" pitchFamily="18" charset="0"/>
-                                </a:rPr>
-                                <m:t>&lt;0</m:t>
-                              </m:r>
-                            </m:e>
-                          </m:mr>
-                        </m:m>
-                      </m:e>
-                    </m:d>
-                  </m:oMath>
+                              </m:ctrlPr>
+                            </m:mPr>
+                            <m:mr>
+                              <m:e>
+                                <m:r>
+                                  <m:rPr>
+                                    <m:brk m:alnAt="7"/>
+                                  </m:rPr>
+                                  <a:rPr lang="en-US" b="0" i="1" smtClean="0">
+                                    <a:latin typeface="Cambria Math" panose="02040503050406030204" pitchFamily="18" charset="0"/>
+                                  </a:rPr>
+                                  <m:t>1</m:t>
+                                </m:r>
+                              </m:e>
+                              <m:e>
+                                <m:r>
+                                  <m:rPr>
+                                    <m:nor/>
+                                  </m:rPr>
+                                  <a:rPr lang="en-US" b="0" i="0" smtClean="0">
+                                    <a:latin typeface="Cambria Math" panose="02040503050406030204" pitchFamily="18" charset="0"/>
+                                  </a:rPr>
+                                  <m:t>if</m:t>
+                                </m:r>
+                                <m:r>
+                                  <a:rPr lang="en-US" b="0" i="1" smtClean="0">
+                                    <a:latin typeface="Cambria Math" panose="02040503050406030204" pitchFamily="18" charset="0"/>
+                                  </a:rPr>
+                                  <m:t> </m:t>
+                                </m:r>
+                                <m:r>
+                                  <a:rPr lang="en-US" b="0" i="1" smtClean="0">
+                                    <a:latin typeface="Cambria Math" panose="02040503050406030204" pitchFamily="18" charset="0"/>
+                                  </a:rPr>
+                                  <m:t>𝑧</m:t>
+                                </m:r>
+                                <m:r>
+                                  <a:rPr lang="en-US" b="0" i="1" smtClean="0">
+                                    <a:latin typeface="Cambria Math" panose="02040503050406030204" pitchFamily="18" charset="0"/>
+                                  </a:rPr>
+                                  <m:t>&gt;0</m:t>
+                                </m:r>
+                              </m:e>
+                            </m:mr>
+                            <m:mr>
+                              <m:e>
+                                <m:r>
+                                  <a:rPr lang="en-US" b="0" i="1" smtClean="0">
+                                    <a:latin typeface="Cambria Math" panose="02040503050406030204" pitchFamily="18" charset="0"/>
+                                  </a:rPr>
+                                  <m:t>−1</m:t>
+                                </m:r>
+                              </m:e>
+                              <m:e>
+                                <m:r>
+                                  <m:rPr>
+                                    <m:nor/>
+                                  </m:rPr>
+                                  <a:rPr lang="en-US" b="0" i="0" smtClean="0">
+                                    <a:latin typeface="Cambria Math" panose="02040503050406030204" pitchFamily="18" charset="0"/>
+                                  </a:rPr>
+                                  <m:t>if</m:t>
+                                </m:r>
+                                <m:r>
+                                  <a:rPr lang="en-US" b="0" i="1" smtClean="0">
+                                    <a:latin typeface="Cambria Math" panose="02040503050406030204" pitchFamily="18" charset="0"/>
+                                  </a:rPr>
+                                  <m:t> </m:t>
+                                </m:r>
+                                <m:r>
+                                  <a:rPr lang="en-US" b="0" i="1" smtClean="0">
+                                    <a:latin typeface="Cambria Math" panose="02040503050406030204" pitchFamily="18" charset="0"/>
+                                  </a:rPr>
+                                  <m:t>𝑧</m:t>
+                                </m:r>
+                                <m:r>
+                                  <a:rPr lang="en-US" b="0" i="1" smtClean="0">
+                                    <a:latin typeface="Cambria Math" panose="02040503050406030204" pitchFamily="18" charset="0"/>
+                                  </a:rPr>
+                                  <m:t>&lt;0</m:t>
+                                </m:r>
+                              </m:e>
+                            </m:mr>
+                          </m:m>
+                        </m:e>
+                      </m:d>
+                    </m:oMath>
+                  </m:oMathPara>
                 </a14:m>
                 <a:endParaRPr lang="en-US" dirty="0"/>
               </a:p>
@@ -28391,7 +28458,7 @@
                 <a:pPr lvl="1"/>
                 <a:r>
                   <a:rPr lang="en-US" dirty="0"/>
-                  <a:t>Called the dual parameters (due to constrained optimization – see next section)</a:t>
+                  <a:t>Called the dual parameters due to constrained optimization – see next section</a:t>
                 </a:r>
               </a:p>
               <a:p>
@@ -28574,7 +28641,7 @@
               <a:blipFill>
                 <a:blip r:embed="rId2"/>
                 <a:stretch>
-                  <a:fillRect l="-1455" t="-2958"/>
+                  <a:fillRect l="-1455" t="-1549"/>
                 </a:stretch>
               </a:blipFill>
             </p:spPr>
@@ -28616,6 +28683,149 @@
           </a:p>
         </p:txBody>
       </p:sp>
+      <p:sp>
+        <p:nvSpPr>
+          <p:cNvPr id="6" name="TextBox 5">
+            <a:extLst>
+              <a:ext uri="{FF2B5EF4-FFF2-40B4-BE49-F238E27FC236}">
+                <a16:creationId xmlns:a16="http://schemas.microsoft.com/office/drawing/2014/main" id="{9D36BDF3-4B15-4EBE-B842-A3CBD6AFB5D7}"/>
+              </a:ext>
+            </a:extLst>
+          </p:cNvPr>
+          <p:cNvSpPr txBox="1"/>
+          <p:nvPr/>
+        </p:nvSpPr>
+        <p:spPr>
+          <a:xfrm>
+            <a:off x="8332312" y="1917090"/>
+            <a:ext cx="2232471" cy="923330"/>
+          </a:xfrm>
+          <a:prstGeom prst="rect">
+            <a:avLst/>
+          </a:prstGeom>
+          <a:noFill/>
+        </p:spPr>
+        <p:txBody>
+          <a:bodyPr wrap="none" rtlCol="0">
+            <a:spAutoFit/>
+          </a:bodyPr>
+          <a:lstStyle/>
+          <a:p>
+            <a:r>
+              <a:rPr lang="en-US" dirty="0">
+                <a:solidFill>
+                  <a:schemeClr val="accent1">
+                    <a:lumMod val="60000"/>
+                    <a:lumOff val="40000"/>
+                  </a:schemeClr>
+                </a:solidFill>
+              </a:rPr>
+              <a:t>Linear discriminant</a:t>
+            </a:r>
+          </a:p>
+          <a:p>
+            <a:endParaRPr lang="en-US" dirty="0">
+              <a:solidFill>
+                <a:schemeClr val="accent1">
+                  <a:lumMod val="60000"/>
+                  <a:lumOff val="40000"/>
+                </a:schemeClr>
+              </a:solidFill>
+            </a:endParaRPr>
+          </a:p>
+          <a:p>
+            <a:r>
+              <a:rPr lang="en-US" dirty="0">
+                <a:solidFill>
+                  <a:schemeClr val="accent1">
+                    <a:lumMod val="60000"/>
+                    <a:lumOff val="40000"/>
+                  </a:schemeClr>
+                </a:solidFill>
+              </a:rPr>
+              <a:t>Classification decision</a:t>
+            </a:r>
+          </a:p>
+        </p:txBody>
+      </p:sp>
+      <p:cxnSp>
+        <p:nvCxnSpPr>
+          <p:cNvPr id="8" name="Straight Arrow Connector 7">
+            <a:extLst>
+              <a:ext uri="{FF2B5EF4-FFF2-40B4-BE49-F238E27FC236}">
+                <a16:creationId xmlns:a16="http://schemas.microsoft.com/office/drawing/2014/main" id="{E2FBB162-5F41-4BAC-8417-A4E0B5ECE944}"/>
+              </a:ext>
+            </a:extLst>
+          </p:cNvPr>
+          <p:cNvCxnSpPr/>
+          <p:nvPr/>
+        </p:nvCxnSpPr>
+        <p:spPr>
+          <a:xfrm flipH="1">
+            <a:off x="7477128" y="2129051"/>
+            <a:ext cx="855184" cy="0"/>
+          </a:xfrm>
+          <a:prstGeom prst="straightConnector1">
+            <a:avLst/>
+          </a:prstGeom>
+          <a:ln>
+            <a:tailEnd type="triangle"/>
+          </a:ln>
+        </p:spPr>
+        <p:style>
+          <a:lnRef idx="1">
+            <a:schemeClr val="accent1"/>
+          </a:lnRef>
+          <a:fillRef idx="0">
+            <a:schemeClr val="accent1"/>
+          </a:fillRef>
+          <a:effectRef idx="0">
+            <a:schemeClr val="accent1"/>
+          </a:effectRef>
+          <a:fontRef idx="minor">
+            <a:schemeClr val="tx1"/>
+          </a:fontRef>
+        </p:style>
+      </p:cxnSp>
+      <p:cxnSp>
+        <p:nvCxnSpPr>
+          <p:cNvPr id="9" name="Straight Arrow Connector 8">
+            <a:extLst>
+              <a:ext uri="{FF2B5EF4-FFF2-40B4-BE49-F238E27FC236}">
+                <a16:creationId xmlns:a16="http://schemas.microsoft.com/office/drawing/2014/main" id="{7492B04E-5F72-4818-99B9-D2A01E7057FC}"/>
+              </a:ext>
+            </a:extLst>
+          </p:cNvPr>
+          <p:cNvCxnSpPr/>
+          <p:nvPr/>
+        </p:nvCxnSpPr>
+        <p:spPr>
+          <a:xfrm flipH="1">
+            <a:off x="7477128" y="2677236"/>
+            <a:ext cx="855184" cy="0"/>
+          </a:xfrm>
+          <a:prstGeom prst="straightConnector1">
+            <a:avLst/>
+          </a:prstGeom>
+          <a:ln>
+            <a:tailEnd type="triangle"/>
+          </a:ln>
+        </p:spPr>
+        <p:style>
+          <a:lnRef idx="1">
+            <a:schemeClr val="accent1"/>
+          </a:lnRef>
+          <a:fillRef idx="0">
+            <a:schemeClr val="accent1"/>
+          </a:fillRef>
+          <a:effectRef idx="0">
+            <a:schemeClr val="accent1"/>
+          </a:effectRef>
+          <a:fontRef idx="minor">
+            <a:schemeClr val="tx1"/>
+          </a:fontRef>
+        </p:style>
+      </p:cxnSp>
     </p:spTree>
     <p:extLst>
       <p:ext uri="{BB962C8B-B14F-4D97-AF65-F5344CB8AC3E}">
@@ -30614,8 +30824,8 @@
           <a:chExt cx="0" cy="0"/>
         </a:xfrm>
       </p:grpSpPr>
-      <mc:AlternateContent xmlns:mc="http://schemas.openxmlformats.org/markup-compatibility/2006">
-        <mc:Choice xmlns:a14="http://schemas.microsoft.com/office/drawing/2010/main" Requires="a14">
+      <mc:AlternateContent xmlns:mc="http://schemas.openxmlformats.org/markup-compatibility/2006" xmlns:a14="http://schemas.microsoft.com/office/drawing/2010/main">
+        <mc:Choice Requires="a14">
           <p:sp>
             <p:nvSpPr>
               <p:cNvPr id="2" name="Title 1">
@@ -30677,7 +30887,7 @@
             </p:txBody>
           </p:sp>
         </mc:Choice>
-        <mc:Fallback>
+        <mc:Fallback xmlns="">
           <p:sp>
             <p:nvSpPr>
               <p:cNvPr id="2" name="Title 1">
@@ -30717,8 +30927,8 @@
           </p:sp>
         </mc:Fallback>
       </mc:AlternateContent>
-      <mc:AlternateContent xmlns:mc="http://schemas.openxmlformats.org/markup-compatibility/2006">
-        <mc:Choice xmlns:a14="http://schemas.microsoft.com/office/drawing/2010/main" Requires="a14">
+      <mc:AlternateContent xmlns:mc="http://schemas.openxmlformats.org/markup-compatibility/2006" xmlns:a14="http://schemas.microsoft.com/office/drawing/2010/main">
+        <mc:Choice Requires="a14">
           <p:sp>
             <p:nvSpPr>
               <p:cNvPr id="3" name="Content Placeholder 2">
@@ -31189,7 +31399,7 @@
             </p:txBody>
           </p:sp>
         </mc:Choice>
-        <mc:Fallback>
+        <mc:Fallback xmlns="">
           <p:sp>
             <p:nvSpPr>
               <p:cNvPr id="3" name="Content Placeholder 2">
@@ -31258,8 +31468,8 @@
           </a:p>
         </p:txBody>
       </p:sp>
-      <mc:AlternateContent xmlns:mc="http://schemas.openxmlformats.org/markup-compatibility/2006">
-        <mc:Choice xmlns:a14="http://schemas.microsoft.com/office/drawing/2010/main" Requires="a14">
+      <mc:AlternateContent xmlns:mc="http://schemas.openxmlformats.org/markup-compatibility/2006" xmlns:a14="http://schemas.microsoft.com/office/drawing/2010/main">
+        <mc:Choice Requires="a14">
           <p:graphicFrame>
             <p:nvGraphicFramePr>
               <p:cNvPr id="6" name="Table 6">
@@ -31347,6 +31557,7 @@
                         <a:bodyPr/>
                         <a:lstStyle/>
                         <a:p>
+                          <a:pPr/>
                           <a14:m>
                             <m:oMathPara xmlns:m="http://schemas.openxmlformats.org/officeDocument/2006/math">
                               <m:oMathParaPr>
@@ -31457,6 +31668,7 @@
                         <a:bodyPr/>
                         <a:lstStyle/>
                         <a:p>
+                          <a:pPr/>
                           <a14:m>
                             <m:oMathPara xmlns:m="http://schemas.openxmlformats.org/officeDocument/2006/math">
                               <m:oMathParaPr>
@@ -31586,6 +31798,7 @@
                         <a:bodyPr/>
                         <a:lstStyle/>
                         <a:p>
+                          <a:pPr/>
                           <a14:m>
                             <m:oMathPara xmlns:m="http://schemas.openxmlformats.org/officeDocument/2006/math">
                               <m:oMathParaPr>
@@ -31714,7 +31927,7 @@
             </a:graphic>
           </p:graphicFrame>
         </mc:Choice>
-        <mc:Fallback>
+        <mc:Fallback xmlns="">
           <p:graphicFrame>
             <p:nvGraphicFramePr>
               <p:cNvPr id="6" name="Table 6">
@@ -32168,8 +32381,8 @@
           <a:chExt cx="0" cy="0"/>
         </a:xfrm>
       </p:grpSpPr>
-      <mc:AlternateContent xmlns:mc="http://schemas.openxmlformats.org/markup-compatibility/2006">
-        <mc:Choice xmlns:a14="http://schemas.microsoft.com/office/drawing/2010/main" Requires="a14">
+      <mc:AlternateContent xmlns:mc="http://schemas.openxmlformats.org/markup-compatibility/2006" xmlns:a14="http://schemas.microsoft.com/office/drawing/2010/main">
+        <mc:Choice Requires="a14">
           <p:sp>
             <p:nvSpPr>
               <p:cNvPr id="2" name="Title 1">
@@ -32231,7 +32444,7 @@
             </p:txBody>
           </p:sp>
         </mc:Choice>
-        <mc:Fallback>
+        <mc:Fallback xmlns="">
           <p:sp>
             <p:nvSpPr>
               <p:cNvPr id="2" name="Title 1">
@@ -32271,8 +32484,8 @@
           </p:sp>
         </mc:Fallback>
       </mc:AlternateContent>
-      <mc:AlternateContent xmlns:mc="http://schemas.openxmlformats.org/markup-compatibility/2006">
-        <mc:Choice xmlns:a14="http://schemas.microsoft.com/office/drawing/2010/main" Requires="a14">
+      <mc:AlternateContent xmlns:mc="http://schemas.openxmlformats.org/markup-compatibility/2006" xmlns:a14="http://schemas.microsoft.com/office/drawing/2010/main">
+        <mc:Choice Requires="a14">
           <p:sp>
             <p:nvSpPr>
               <p:cNvPr id="3" name="Content Placeholder 2">
@@ -32449,7 +32662,7 @@
             </p:txBody>
           </p:sp>
         </mc:Choice>
-        <mc:Fallback>
+        <mc:Fallback xmlns="">
           <p:sp>
             <p:nvSpPr>
               <p:cNvPr id="3" name="Content Placeholder 2">
@@ -32518,8 +32731,8 @@
           </a:p>
         </p:txBody>
       </p:sp>
-      <mc:AlternateContent xmlns:mc="http://schemas.openxmlformats.org/markup-compatibility/2006">
-        <mc:Choice xmlns:a14="http://schemas.microsoft.com/office/drawing/2010/main" Requires="a14">
+      <mc:AlternateContent xmlns:mc="http://schemas.openxmlformats.org/markup-compatibility/2006" xmlns:a14="http://schemas.microsoft.com/office/drawing/2010/main">
+        <mc:Choice Requires="a14">
           <p:graphicFrame>
             <p:nvGraphicFramePr>
               <p:cNvPr id="6" name="Table 6">
@@ -32601,6 +32814,7 @@
                         <a:bodyPr/>
                         <a:lstStyle/>
                         <a:p>
+                          <a:pPr/>
                           <a14:m>
                             <m:oMathPara xmlns:m="http://schemas.openxmlformats.org/officeDocument/2006/math">
                               <m:oMathParaPr>
@@ -32711,6 +32925,7 @@
                         <a:bodyPr/>
                         <a:lstStyle/>
                         <a:p>
+                          <a:pPr/>
                           <a14:m>
                             <m:oMathPara xmlns:m="http://schemas.openxmlformats.org/officeDocument/2006/math">
                               <m:oMathParaPr>
@@ -32840,6 +33055,7 @@
                         <a:bodyPr/>
                         <a:lstStyle/>
                         <a:p>
+                          <a:pPr/>
                           <a14:m>
                             <m:oMathPara xmlns:m="http://schemas.openxmlformats.org/officeDocument/2006/math">
                               <m:oMathParaPr>
@@ -32968,7 +33184,7 @@
             </a:graphic>
           </p:graphicFrame>
         </mc:Choice>
-        <mc:Fallback>
+        <mc:Fallback xmlns="">
           <p:graphicFrame>
             <p:nvGraphicFramePr>
               <p:cNvPr id="6" name="Table 6">
@@ -33416,6 +33632,474 @@
           <a:chExt cx="0" cy="0"/>
         </a:xfrm>
       </p:grpSpPr>
+      <p:sp>
+        <p:nvSpPr>
+          <p:cNvPr id="2" name="Title 1">
+            <a:extLst>
+              <a:ext uri="{FF2B5EF4-FFF2-40B4-BE49-F238E27FC236}">
+                <a16:creationId xmlns:a16="http://schemas.microsoft.com/office/drawing/2014/main" id="{6E7D4A57-A301-4BC1-991A-798B9F1C7C0C}"/>
+              </a:ext>
+            </a:extLst>
+          </p:cNvPr>
+          <p:cNvSpPr>
+            <a:spLocks noGrp="1"/>
+          </p:cNvSpPr>
+          <p:nvPr>
+            <p:ph type="title"/>
+          </p:nvPr>
+        </p:nvSpPr>
+        <p:spPr/>
+        <p:txBody>
+          <a:bodyPr/>
+          <a:lstStyle/>
+          <a:p>
+            <a:r>
+              <a:rPr lang="en-US" dirty="0"/>
+              <a:t>Example in 2D</a:t>
+            </a:r>
+          </a:p>
+        </p:txBody>
+      </p:sp>
+      <mc:AlternateContent xmlns:mc="http://schemas.openxmlformats.org/markup-compatibility/2006">
+        <mc:Choice xmlns:a14="http://schemas.microsoft.com/office/drawing/2010/main" Requires="a14">
+          <p:sp>
+            <p:nvSpPr>
+              <p:cNvPr id="3" name="Content Placeholder 2">
+                <a:extLst>
+                  <a:ext uri="{FF2B5EF4-FFF2-40B4-BE49-F238E27FC236}">
+                    <a16:creationId xmlns:a16="http://schemas.microsoft.com/office/drawing/2014/main" id="{C38DB42F-86B0-4AEA-B746-138C5AF842AA}"/>
+                  </a:ext>
+                </a:extLst>
+              </p:cNvPr>
+              <p:cNvSpPr>
+                <a:spLocks noGrp="1"/>
+              </p:cNvSpPr>
+              <p:nvPr>
+                <p:ph idx="1"/>
+              </p:nvPr>
+            </p:nvSpPr>
+            <p:spPr>
+              <a:xfrm>
+                <a:off x="7083188" y="1539277"/>
+                <a:ext cx="4072492" cy="4329817"/>
+              </a:xfrm>
+            </p:spPr>
+            <p:txBody>
+              <a:bodyPr/>
+              <a:lstStyle/>
+              <a:p>
+                <a:r>
+                  <a:rPr lang="en-US" dirty="0"/>
+                  <a:t>Example:</a:t>
+                </a:r>
+              </a:p>
+              <a:p>
+                <a:pPr lvl="1"/>
+                <a:r>
+                  <a:rPr lang="en-US" dirty="0"/>
+                  <a:t>10 data points with binary labels</a:t>
+                </a:r>
+              </a:p>
+              <a:p>
+                <a:pPr lvl="1"/>
+                <a:r>
+                  <a:rPr lang="en-US" dirty="0"/>
+                  <a:t>Fit SVM with </a:t>
+                </a:r>
+                <a14:m>
+                  <m:oMath xmlns:m="http://schemas.openxmlformats.org/officeDocument/2006/math">
+                    <m:r>
+                      <a:rPr lang="en-US" b="0" i="1" smtClean="0">
+                        <a:latin typeface="Cambria Math" panose="02040503050406030204" pitchFamily="18" charset="0"/>
+                      </a:rPr>
+                      <m:t>𝐶</m:t>
+                    </m:r>
+                    <m:r>
+                      <a:rPr lang="en-US" b="0" i="1" smtClean="0">
+                        <a:latin typeface="Cambria Math" panose="02040503050406030204" pitchFamily="18" charset="0"/>
+                      </a:rPr>
+                      <m:t>=1</m:t>
+                    </m:r>
+                  </m:oMath>
+                </a14:m>
+                <a:r>
+                  <a:rPr lang="en-US" dirty="0"/>
+                  <a:t> and RBF </a:t>
+                </a:r>
+              </a:p>
+              <a:p>
+                <a:pPr lvl="1"/>
+                <a14:m>
+                  <m:oMath xmlns:m="http://schemas.openxmlformats.org/officeDocument/2006/math">
+                    <m:r>
+                      <a:rPr lang="en-US" b="0" i="1" smtClean="0">
+                        <a:latin typeface="Cambria Math" panose="02040503050406030204" pitchFamily="18" charset="0"/>
+                      </a:rPr>
+                      <m:t>𝛾</m:t>
+                    </m:r>
+                    <m:r>
+                      <a:rPr lang="en-US" b="0" i="1" smtClean="0">
+                        <a:latin typeface="Cambria Math" panose="02040503050406030204" pitchFamily="18" charset="0"/>
+                      </a:rPr>
+                      <m:t>=</m:t>
+                    </m:r>
+                  </m:oMath>
+                </a14:m>
+                <a:r>
+                  <a:rPr lang="en-US" dirty="0"/>
+                  <a:t> 0.3, 3 and 10</a:t>
+                </a:r>
+              </a:p>
+              <a:p>
+                <a:r>
+                  <a:rPr lang="en-US" dirty="0"/>
+                  <a:t>Plot:</a:t>
+                </a:r>
+              </a:p>
+              <a:p>
+                <a:pPr lvl="1"/>
+                <a14:m>
+                  <m:oMath xmlns:m="http://schemas.openxmlformats.org/officeDocument/2006/math">
+                    <m:r>
+                      <a:rPr lang="en-US" b="0" i="1" smtClean="0">
+                        <a:latin typeface="Cambria Math" panose="02040503050406030204" pitchFamily="18" charset="0"/>
+                      </a:rPr>
+                      <m:t>𝑧</m:t>
+                    </m:r>
+                  </m:oMath>
+                </a14:m>
+                <a:r>
+                  <a:rPr lang="en-US" dirty="0"/>
+                  <a:t>= linear discriminant</a:t>
+                </a:r>
+              </a:p>
+              <a:p>
+                <a:pPr lvl="1"/>
+                <a14:m>
+                  <m:oMath xmlns:m="http://schemas.openxmlformats.org/officeDocument/2006/math">
+                    <m:acc>
+                      <m:accPr>
+                        <m:chr m:val="̂"/>
+                        <m:ctrlPr>
+                          <a:rPr lang="en-US" i="1" smtClean="0">
+                            <a:latin typeface="Cambria Math" panose="02040503050406030204" pitchFamily="18" charset="0"/>
+                          </a:rPr>
+                        </m:ctrlPr>
+                      </m:accPr>
+                      <m:e>
+                        <m:r>
+                          <a:rPr lang="en-US" b="0" i="1" smtClean="0">
+                            <a:latin typeface="Cambria Math" panose="02040503050406030204" pitchFamily="18" charset="0"/>
+                          </a:rPr>
+                          <m:t>𝑦</m:t>
+                        </m:r>
+                      </m:e>
+                    </m:acc>
+                    <m:r>
+                      <a:rPr lang="en-US" b="0" i="1" smtClean="0">
+                        <a:latin typeface="Cambria Math" panose="02040503050406030204" pitchFamily="18" charset="0"/>
+                      </a:rPr>
+                      <m:t>=</m:t>
+                    </m:r>
+                    <m:r>
+                      <a:rPr lang="en-US" b="0" i="1" smtClean="0">
+                        <a:latin typeface="Cambria Math" panose="02040503050406030204" pitchFamily="18" charset="0"/>
+                      </a:rPr>
+                      <m:t>𝑠𝑖𝑔𝑛</m:t>
+                    </m:r>
+                    <m:d>
+                      <m:dPr>
+                        <m:ctrlPr>
+                          <a:rPr lang="en-US" b="0" i="1" smtClean="0">
+                            <a:latin typeface="Cambria Math" panose="02040503050406030204" pitchFamily="18" charset="0"/>
+                          </a:rPr>
+                        </m:ctrlPr>
+                      </m:dPr>
+                      <m:e>
+                        <m:r>
+                          <a:rPr lang="en-US" b="0" i="1" smtClean="0">
+                            <a:latin typeface="Cambria Math" panose="02040503050406030204" pitchFamily="18" charset="0"/>
+                          </a:rPr>
+                          <m:t>𝑧</m:t>
+                        </m:r>
+                      </m:e>
+                    </m:d>
+                    <m:r>
+                      <a:rPr lang="en-US" b="0" i="1" smtClean="0">
+                        <a:latin typeface="Cambria Math" panose="02040503050406030204" pitchFamily="18" charset="0"/>
+                      </a:rPr>
+                      <m:t>=</m:t>
+                    </m:r>
+                  </m:oMath>
+                </a14:m>
+                <a:r>
+                  <a:rPr lang="en-US" dirty="0"/>
+                  <a:t> classification decision</a:t>
+                </a:r>
+              </a:p>
+              <a:p>
+                <a:r>
+                  <a:rPr lang="en-US" dirty="0"/>
+                  <a:t>Observe:  As </a:t>
+                </a:r>
+                <a14:m>
+                  <m:oMath xmlns:m="http://schemas.openxmlformats.org/officeDocument/2006/math">
+                    <m:r>
+                      <a:rPr lang="en-US" b="0" i="1" smtClean="0">
+                        <a:latin typeface="Cambria Math" panose="02040503050406030204" pitchFamily="18" charset="0"/>
+                      </a:rPr>
+                      <m:t>𝛾</m:t>
+                    </m:r>
+                  </m:oMath>
+                </a14:m>
+                <a:r>
+                  <a:rPr lang="en-US" dirty="0"/>
+                  <a:t> increases</a:t>
+                </a:r>
+              </a:p>
+              <a:p>
+                <a:pPr lvl="1"/>
+                <a:r>
+                  <a:rPr lang="en-US" dirty="0"/>
+                  <a:t>Fits training data better</a:t>
+                </a:r>
+              </a:p>
+              <a:p>
+                <a:pPr lvl="1"/>
+                <a:r>
+                  <a:rPr lang="en-US" dirty="0"/>
+                  <a:t>More complex decision region</a:t>
+                </a:r>
+              </a:p>
+            </p:txBody>
+          </p:sp>
+        </mc:Choice>
+        <mc:Fallback>
+          <p:sp>
+            <p:nvSpPr>
+              <p:cNvPr id="3" name="Content Placeholder 2">
+                <a:extLst>
+                  <a:ext uri="{FF2B5EF4-FFF2-40B4-BE49-F238E27FC236}">
+                    <a16:creationId xmlns:a16="http://schemas.microsoft.com/office/drawing/2014/main" id="{C38DB42F-86B0-4AEA-B746-138C5AF842AA}"/>
+                  </a:ext>
+                </a:extLst>
+              </p:cNvPr>
+              <p:cNvSpPr>
+                <a:spLocks noGrp="1" noRot="1" noChangeAspect="1" noMove="1" noResize="1" noEditPoints="1" noAdjustHandles="1" noChangeArrowheads="1" noChangeShapeType="1" noTextEdit="1"/>
+              </p:cNvSpPr>
+              <p:nvPr>
+                <p:ph idx="1"/>
+              </p:nvPr>
+            </p:nvSpPr>
+            <p:spPr>
+              <a:xfrm>
+                <a:off x="7083188" y="1539277"/>
+                <a:ext cx="4072492" cy="4329817"/>
+              </a:xfrm>
+              <a:blipFill>
+                <a:blip r:embed="rId2"/>
+                <a:stretch>
+                  <a:fillRect l="-3593" t="-1549"/>
+                </a:stretch>
+              </a:blipFill>
+            </p:spPr>
+            <p:txBody>
+              <a:bodyPr/>
+              <a:lstStyle/>
+              <a:p>
+                <a:r>
+                  <a:rPr lang="en-US">
+                    <a:noFill/>
+                  </a:rPr>
+                  <a:t> </a:t>
+                </a:r>
+              </a:p>
+            </p:txBody>
+          </p:sp>
+        </mc:Fallback>
+      </mc:AlternateContent>
+      <p:sp>
+        <p:nvSpPr>
+          <p:cNvPr id="4" name="Slide Number Placeholder 3">
+            <a:extLst>
+              <a:ext uri="{FF2B5EF4-FFF2-40B4-BE49-F238E27FC236}">
+                <a16:creationId xmlns:a16="http://schemas.microsoft.com/office/drawing/2014/main" id="{A6F6A158-997B-4602-B639-D2CCA89C7F21}"/>
+              </a:ext>
+            </a:extLst>
+          </p:cNvPr>
+          <p:cNvSpPr>
+            <a:spLocks noGrp="1"/>
+          </p:cNvSpPr>
+          <p:nvPr>
+            <p:ph type="sldNum" sz="quarter" idx="12"/>
+          </p:nvPr>
+        </p:nvSpPr>
+        <p:spPr/>
+        <p:txBody>
+          <a:bodyPr/>
+          <a:lstStyle/>
+          <a:p>
+            <a:fld id="{629637A9-119A-49DA-BD12-AAC58B377D80}" type="slidenum">
+              <a:rPr lang="en-US" smtClean="0"/>
+              <a:t>43</a:t>
+            </a:fld>
+            <a:endParaRPr lang="en-US" dirty="0"/>
+          </a:p>
+        </p:txBody>
+      </p:sp>
+      <p:pic>
+        <p:nvPicPr>
+          <p:cNvPr id="5" name="Picture 4">
+            <a:extLst>
+              <a:ext uri="{FF2B5EF4-FFF2-40B4-BE49-F238E27FC236}">
+                <a16:creationId xmlns:a16="http://schemas.microsoft.com/office/drawing/2014/main" id="{FFAD286B-6DBA-49EF-9550-7E59150E7A54}"/>
+              </a:ext>
+            </a:extLst>
+          </p:cNvPr>
+          <p:cNvPicPr>
+            <a:picLocks noChangeAspect="1"/>
+          </p:cNvPicPr>
+          <p:nvPr/>
+        </p:nvPicPr>
+        <p:blipFill>
+          <a:blip r:embed="rId3"/>
+          <a:stretch>
+            <a:fillRect/>
+          </a:stretch>
+        </p:blipFill>
+        <p:spPr>
+          <a:xfrm>
+            <a:off x="782782" y="1877290"/>
+            <a:ext cx="5832940" cy="3783157"/>
+          </a:xfrm>
+          <a:prstGeom prst="rect">
+            <a:avLst/>
+          </a:prstGeom>
+        </p:spPr>
+      </p:pic>
+      <p:sp>
+        <p:nvSpPr>
+          <p:cNvPr id="6" name="TextBox 5">
+            <a:extLst>
+              <a:ext uri="{FF2B5EF4-FFF2-40B4-BE49-F238E27FC236}">
+                <a16:creationId xmlns:a16="http://schemas.microsoft.com/office/drawing/2014/main" id="{A4D46C08-4E16-4FAE-8E70-7D633E6EAF16}"/>
+              </a:ext>
+            </a:extLst>
+          </p:cNvPr>
+          <p:cNvSpPr txBox="1"/>
+          <p:nvPr/>
+        </p:nvSpPr>
+        <p:spPr>
+          <a:xfrm>
+            <a:off x="1480782" y="1539277"/>
+            <a:ext cx="1818126" cy="369332"/>
+          </a:xfrm>
+          <a:prstGeom prst="rect">
+            <a:avLst/>
+          </a:prstGeom>
+          <a:noFill/>
+        </p:spPr>
+        <p:txBody>
+          <a:bodyPr wrap="none" rtlCol="0">
+            <a:spAutoFit/>
+          </a:bodyPr>
+          <a:lstStyle/>
+          <a:p>
+            <a:r>
+              <a:rPr lang="en-US" dirty="0">
+                <a:solidFill>
+                  <a:schemeClr val="accent5">
+                    <a:lumMod val="75000"/>
+                  </a:schemeClr>
+                </a:solidFill>
+              </a:rPr>
+              <a:t>Decision function</a:t>
+            </a:r>
+          </a:p>
+        </p:txBody>
+      </p:sp>
+      <p:sp>
+        <p:nvSpPr>
+          <p:cNvPr id="8" name="TextBox 7">
+            <a:extLst>
+              <a:ext uri="{FF2B5EF4-FFF2-40B4-BE49-F238E27FC236}">
+                <a16:creationId xmlns:a16="http://schemas.microsoft.com/office/drawing/2014/main" id="{B37EE7BA-A3FF-4F19-97AF-3DA0D187A251}"/>
+              </a:ext>
+            </a:extLst>
+          </p:cNvPr>
+          <p:cNvSpPr txBox="1"/>
+          <p:nvPr/>
+        </p:nvSpPr>
+        <p:spPr>
+          <a:xfrm>
+            <a:off x="3699252" y="1539277"/>
+            <a:ext cx="1458220" cy="369332"/>
+          </a:xfrm>
+          <a:prstGeom prst="rect">
+            <a:avLst/>
+          </a:prstGeom>
+          <a:noFill/>
+        </p:spPr>
+        <p:txBody>
+          <a:bodyPr wrap="none" rtlCol="0">
+            <a:spAutoFit/>
+          </a:bodyPr>
+          <a:lstStyle/>
+          <a:p>
+            <a:r>
+              <a:rPr lang="en-US" dirty="0">
+                <a:solidFill>
+                  <a:schemeClr val="accent5">
+                    <a:lumMod val="75000"/>
+                  </a:schemeClr>
+                </a:solidFill>
+              </a:rPr>
+              <a:t>Classification</a:t>
+            </a:r>
+            <a:r>
+              <a:rPr lang="en-US" dirty="0">
+                <a:solidFill>
+                  <a:schemeClr val="accent1">
+                    <a:lumMod val="60000"/>
+                    <a:lumOff val="40000"/>
+                  </a:schemeClr>
+                </a:solidFill>
+              </a:rPr>
+              <a:t> </a:t>
+            </a:r>
+          </a:p>
+        </p:txBody>
+      </p:sp>
+    </p:spTree>
+    <p:extLst>
+      <p:ext uri="{BB962C8B-B14F-4D97-AF65-F5344CB8AC3E}">
+        <p14:creationId xmlns:p14="http://schemas.microsoft.com/office/powerpoint/2010/main" val="3030445269"/>
+      </p:ext>
+    </p:extLst>
+  </p:cSld>
+  <p:clrMapOvr>
+    <a:masterClrMapping/>
+  </p:clrMapOvr>
+</p:sld>
+</file>
+
+<file path=ppt/slides/slide44.xml><?xml version="1.0" encoding="utf-8"?>
+<p:sld xmlns:a="http://schemas.openxmlformats.org/drawingml/2006/main" xmlns:r="http://schemas.openxmlformats.org/officeDocument/2006/relationships" xmlns:p="http://schemas.openxmlformats.org/presentationml/2006/main">
+  <p:cSld>
+    <p:spTree>
+      <p:nvGrpSpPr>
+        <p:cNvPr id="1" name=""/>
+        <p:cNvGrpSpPr/>
+        <p:nvPr/>
+      </p:nvGrpSpPr>
+      <p:grpSpPr>
+        <a:xfrm>
+          <a:off x="0" y="0"/>
+          <a:ext cx="0" cy="0"/>
+          <a:chOff x="0" y="0"/>
+          <a:chExt cx="0" cy="0"/>
+        </a:xfrm>
+      </p:grpSpPr>
       <p:pic>
         <p:nvPicPr>
           <p:cNvPr id="6146" name="Picture 2" descr="http://1.bp.blogspot.com/_UpN7DfJA0j4/TJs87kbBv7I/AAAAAAAAABQ/bGcjhdxHeqk/s320/mnist_train_10000_-1_1.svm_.png"/>
@@ -33732,7 +34416,7 @@
           <a:p>
             <a:fld id="{629637A9-119A-49DA-BD12-AAC58B377D80}" type="slidenum">
               <a:rPr lang="en-US" smtClean="0"/>
-              <a:t>43</a:t>
+              <a:t>44</a:t>
             </a:fld>
             <a:endParaRPr lang="en-US" dirty="0"/>
           </a:p>
@@ -33780,7 +34464,7 @@
 </p:sld>
 </file>
 
-<file path=ppt/slides/slide44.xml><?xml version="1.0" encoding="utf-8"?>
+<file path=ppt/slides/slide45.xml><?xml version="1.0" encoding="utf-8"?>
 <p:sld xmlns:a="http://schemas.openxmlformats.org/drawingml/2006/main" xmlns:r="http://schemas.openxmlformats.org/officeDocument/2006/relationships" xmlns:p="http://schemas.openxmlformats.org/presentationml/2006/main">
   <p:cSld>
     <p:spTree>
@@ -34087,7 +34771,7 @@
           <a:p>
             <a:fld id="{629637A9-119A-49DA-BD12-AAC58B377D80}" type="slidenum">
               <a:rPr lang="en-US" smtClean="0"/>
-              <a:t>44</a:t>
+              <a:t>45</a:t>
             </a:fld>
             <a:endParaRPr lang="en-US" dirty="0"/>
           </a:p>
@@ -34106,7 +34790,7 @@
 </p:sld>
 </file>
 
-<file path=ppt/slides/slide45.xml><?xml version="1.0" encoding="utf-8"?>
+<file path=ppt/slides/slide46.xml><?xml version="1.0" encoding="utf-8"?>
 <p:sld xmlns:a="http://schemas.openxmlformats.org/drawingml/2006/main" xmlns:r="http://schemas.openxmlformats.org/officeDocument/2006/relationships" xmlns:p="http://schemas.openxmlformats.org/presentationml/2006/main">
   <p:cSld>
     <p:spTree>
@@ -34308,7 +34992,7 @@
           <a:p>
             <a:fld id="{629637A9-119A-49DA-BD12-AAC58B377D80}" type="slidenum">
               <a:rPr lang="en-US" smtClean="0"/>
-              <a:t>45</a:t>
+              <a:t>46</a:t>
             </a:fld>
             <a:endParaRPr lang="en-US" dirty="0"/>
           </a:p>
@@ -34423,7 +35107,7 @@
 </p:sld>
 </file>
 
-<file path=ppt/slides/slide46.xml><?xml version="1.0" encoding="utf-8"?>
+<file path=ppt/slides/slide47.xml><?xml version="1.0" encoding="utf-8"?>
 <p:sld xmlns:a="http://schemas.openxmlformats.org/drawingml/2006/main" xmlns:r="http://schemas.openxmlformats.org/officeDocument/2006/relationships" xmlns:p="http://schemas.openxmlformats.org/presentationml/2006/main">
   <p:cSld>
     <p:spTree>
@@ -34506,7 +35190,7 @@
           <a:p>
             <a:fld id="{629637A9-119A-49DA-BD12-AAC58B377D80}" type="slidenum">
               <a:rPr lang="en-US" smtClean="0"/>
-              <a:t>46</a:t>
+              <a:t>47</a:t>
             </a:fld>
             <a:endParaRPr lang="en-US" dirty="0"/>
           </a:p>
@@ -34549,7 +35233,7 @@
 </p:sld>
 </file>
 
-<file path=ppt/slides/slide47.xml><?xml version="1.0" encoding="utf-8"?>
+<file path=ppt/slides/slide48.xml><?xml version="1.0" encoding="utf-8"?>
 <p:sld xmlns:a="http://schemas.openxmlformats.org/drawingml/2006/main" xmlns:r="http://schemas.openxmlformats.org/officeDocument/2006/relationships" xmlns:p="http://schemas.openxmlformats.org/presentationml/2006/main">
   <p:cSld>
     <p:spTree>
@@ -34658,7 +35342,7 @@
           <a:p>
             <a:fld id="{629637A9-119A-49DA-BD12-AAC58B377D80}" type="slidenum">
               <a:rPr lang="en-US" smtClean="0"/>
-              <a:t>47</a:t>
+              <a:t>48</a:t>
             </a:fld>
             <a:endParaRPr lang="en-US" dirty="0"/>
           </a:p>
@@ -34723,7 +35407,7 @@
 </p:sld>
 </file>
 
-<file path=ppt/slides/slide48.xml><?xml version="1.0" encoding="utf-8"?>
+<file path=ppt/slides/slide49.xml><?xml version="1.0" encoding="utf-8"?>
 <p:sld xmlns:a="http://schemas.openxmlformats.org/drawingml/2006/main" xmlns:r="http://schemas.openxmlformats.org/officeDocument/2006/relationships" xmlns:p="http://schemas.openxmlformats.org/presentationml/2006/main">
   <p:cSld>
     <p:spTree>
@@ -35247,7 +35931,7 @@
           <a:p>
             <a:fld id="{629637A9-119A-49DA-BD12-AAC58B377D80}" type="slidenum">
               <a:rPr lang="en-US" smtClean="0"/>
-              <a:t>48</a:t>
+              <a:t>49</a:t>
             </a:fld>
             <a:endParaRPr lang="en-US" dirty="0"/>
           </a:p>
@@ -35257,929 +35941,6 @@
     <p:extLst>
       <p:ext uri="{BB962C8B-B14F-4D97-AF65-F5344CB8AC3E}">
         <p14:creationId xmlns:p14="http://schemas.microsoft.com/office/powerpoint/2010/main" val="3312341847"/>
-      </p:ext>
-    </p:extLst>
-  </p:cSld>
-  <p:clrMapOvr>
-    <a:masterClrMapping/>
-  </p:clrMapOvr>
-</p:sld>
-</file>
-
-<file path=ppt/slides/slide49.xml><?xml version="1.0" encoding="utf-8"?>
-<p:sld xmlns:a="http://schemas.openxmlformats.org/drawingml/2006/main" xmlns:r="http://schemas.openxmlformats.org/officeDocument/2006/relationships" xmlns:p="http://schemas.openxmlformats.org/presentationml/2006/main">
-  <p:cSld>
-    <p:spTree>
-      <p:nvGrpSpPr>
-        <p:cNvPr id="1" name=""/>
-        <p:cNvGrpSpPr/>
-        <p:nvPr/>
-      </p:nvGrpSpPr>
-      <p:grpSpPr>
-        <a:xfrm>
-          <a:off x="0" y="0"/>
-          <a:ext cx="0" cy="0"/>
-          <a:chOff x="0" y="0"/>
-          <a:chExt cx="0" cy="0"/>
-        </a:xfrm>
-      </p:grpSpPr>
-      <p:sp>
-        <p:nvSpPr>
-          <p:cNvPr id="2" name="Title 1"/>
-          <p:cNvSpPr>
-            <a:spLocks noGrp="1"/>
-          </p:cNvSpPr>
-          <p:nvPr>
-            <p:ph type="title"/>
-          </p:nvPr>
-        </p:nvSpPr>
-        <p:spPr/>
-        <p:txBody>
-          <a:bodyPr/>
-          <a:lstStyle/>
-          <a:p>
-            <a:r>
-              <a:rPr lang="en-US" dirty="0" err="1"/>
-              <a:t>Lagrangian</a:t>
-            </a:r>
-            <a:endParaRPr lang="en-US" dirty="0"/>
-          </a:p>
-        </p:txBody>
-      </p:sp>
-      <mc:AlternateContent xmlns:mc="http://schemas.openxmlformats.org/markup-compatibility/2006" xmlns:a14="http://schemas.microsoft.com/office/drawing/2010/main">
-        <mc:Choice Requires="a14">
-          <p:sp>
-            <p:nvSpPr>
-              <p:cNvPr id="3" name="Content Placeholder 2"/>
-              <p:cNvSpPr>
-                <a:spLocks noGrp="1"/>
-              </p:cNvSpPr>
-              <p:nvPr>
-                <p:ph idx="1"/>
-              </p:nvPr>
-            </p:nvSpPr>
-            <p:spPr/>
-            <p:txBody>
-              <a:bodyPr/>
-              <a:lstStyle/>
-              <a:p>
-                <a:r>
-                  <a:rPr lang="en-US" dirty="0"/>
-                  <a:t>Constrained optimization: Min </a:t>
-                </a:r>
-                <a14:m>
-                  <m:oMath xmlns:m="http://schemas.openxmlformats.org/officeDocument/2006/math">
-                    <m:r>
-                      <a:rPr lang="en-US" i="1">
-                        <a:latin typeface="Cambria Math" panose="02040503050406030204" pitchFamily="18" charset="0"/>
-                      </a:rPr>
-                      <m:t>𝑓</m:t>
-                    </m:r>
-                    <m:d>
-                      <m:dPr>
-                        <m:ctrlPr>
-                          <a:rPr lang="en-US" i="1">
-                            <a:latin typeface="Cambria Math" panose="02040503050406030204" pitchFamily="18" charset="0"/>
-                          </a:rPr>
-                        </m:ctrlPr>
-                      </m:dPr>
-                      <m:e>
-                        <m:r>
-                          <a:rPr lang="en-US" b="1" i="1">
-                            <a:latin typeface="Cambria Math" panose="02040503050406030204" pitchFamily="18" charset="0"/>
-                          </a:rPr>
-                          <m:t>𝒘</m:t>
-                        </m:r>
-                      </m:e>
-                    </m:d>
-                    <m:r>
-                      <a:rPr lang="en-US" b="1" i="1">
-                        <a:latin typeface="Cambria Math" panose="02040503050406030204" pitchFamily="18" charset="0"/>
-                      </a:rPr>
-                      <m:t> </m:t>
-                    </m:r>
-                    <m:r>
-                      <m:rPr>
-                        <m:nor/>
-                      </m:rPr>
-                      <a:rPr lang="en-US" b="1" i="0">
-                        <a:latin typeface="Cambria Math" panose="02040503050406030204" pitchFamily="18" charset="0"/>
-                      </a:rPr>
-                      <m:t> </m:t>
-                    </m:r>
-                    <m:r>
-                      <m:rPr>
-                        <m:nor/>
-                      </m:rPr>
-                      <a:rPr lang="en-US" i="0">
-                        <a:latin typeface="Cambria Math" panose="02040503050406030204" pitchFamily="18" charset="0"/>
-                      </a:rPr>
-                      <m:t>s</m:t>
-                    </m:r>
-                    <m:r>
-                      <m:rPr>
-                        <m:nor/>
-                      </m:rPr>
-                      <a:rPr lang="en-US" i="0">
-                        <a:latin typeface="Cambria Math" panose="02040503050406030204" pitchFamily="18" charset="0"/>
-                      </a:rPr>
-                      <m:t>.</m:t>
-                    </m:r>
-                    <m:r>
-                      <m:rPr>
-                        <m:nor/>
-                      </m:rPr>
-                      <a:rPr lang="en-US" i="0">
-                        <a:latin typeface="Cambria Math" panose="02040503050406030204" pitchFamily="18" charset="0"/>
-                      </a:rPr>
-                      <m:t>t</m:t>
-                    </m:r>
-                    <m:r>
-                      <m:rPr>
-                        <m:nor/>
-                      </m:rPr>
-                      <a:rPr lang="en-US" i="0">
-                        <a:latin typeface="Cambria Math" panose="02040503050406030204" pitchFamily="18" charset="0"/>
-                      </a:rPr>
-                      <m:t>.</m:t>
-                    </m:r>
-                    <m:r>
-                      <a:rPr lang="en-US" i="1">
-                        <a:latin typeface="Cambria Math" panose="02040503050406030204" pitchFamily="18" charset="0"/>
-                      </a:rPr>
-                      <m:t>  </m:t>
-                    </m:r>
-                    <m:r>
-                      <a:rPr lang="en-US" i="1">
-                        <a:latin typeface="Cambria Math" panose="02040503050406030204" pitchFamily="18" charset="0"/>
-                      </a:rPr>
-                      <m:t>𝑔</m:t>
-                    </m:r>
-                    <m:d>
-                      <m:dPr>
-                        <m:ctrlPr>
-                          <a:rPr lang="en-US" i="1">
-                            <a:latin typeface="Cambria Math" panose="02040503050406030204" pitchFamily="18" charset="0"/>
-                          </a:rPr>
-                        </m:ctrlPr>
-                      </m:dPr>
-                      <m:e>
-                        <m:r>
-                          <a:rPr lang="en-US" b="1" i="1">
-                            <a:latin typeface="Cambria Math" panose="02040503050406030204" pitchFamily="18" charset="0"/>
-                          </a:rPr>
-                          <m:t>𝒘</m:t>
-                        </m:r>
-                      </m:e>
-                    </m:d>
-                    <m:r>
-                      <a:rPr lang="en-US" i="1">
-                        <a:latin typeface="Cambria Math" panose="02040503050406030204" pitchFamily="18" charset="0"/>
-                      </a:rPr>
-                      <m:t>≤0</m:t>
-                    </m:r>
-                  </m:oMath>
-                </a14:m>
-                <a:endParaRPr lang="en-US" dirty="0"/>
-              </a:p>
-              <a:p>
-                <a:r>
-                  <a:rPr lang="en-US" dirty="0"/>
-                  <a:t>Consider first a single constraint:  </a:t>
-                </a:r>
-                <a14:m>
-                  <m:oMath xmlns:m="http://schemas.openxmlformats.org/officeDocument/2006/math">
-                    <m:r>
-                      <a:rPr lang="en-US" i="1">
-                        <a:latin typeface="Cambria Math" panose="02040503050406030204" pitchFamily="18" charset="0"/>
-                      </a:rPr>
-                      <m:t>𝑔</m:t>
-                    </m:r>
-                    <m:d>
-                      <m:dPr>
-                        <m:ctrlPr>
-                          <a:rPr lang="en-US" i="1">
-                            <a:latin typeface="Cambria Math" panose="02040503050406030204" pitchFamily="18" charset="0"/>
-                          </a:rPr>
-                        </m:ctrlPr>
-                      </m:dPr>
-                      <m:e>
-                        <m:r>
-                          <a:rPr lang="en-US" b="1" i="1">
-                            <a:latin typeface="Cambria Math" panose="02040503050406030204" pitchFamily="18" charset="0"/>
-                          </a:rPr>
-                          <m:t>𝒘</m:t>
-                        </m:r>
-                      </m:e>
-                    </m:d>
-                  </m:oMath>
-                </a14:m>
-                <a:r>
-                  <a:rPr lang="en-US" dirty="0"/>
-                  <a:t> is a scalar </a:t>
-                </a:r>
-              </a:p>
-              <a:p>
-                <a:r>
-                  <a:rPr lang="en-US" dirty="0"/>
-                  <a:t>Define </a:t>
-                </a:r>
-                <a:r>
-                  <a:rPr lang="en-US" dirty="0" err="1">
-                    <a:solidFill>
-                      <a:schemeClr val="accent1">
-                        <a:lumMod val="60000"/>
-                        <a:lumOff val="40000"/>
-                      </a:schemeClr>
-                    </a:solidFill>
-                  </a:rPr>
-                  <a:t>Lagrangian</a:t>
-                </a:r>
-                <a:r>
-                  <a:rPr lang="en-US" dirty="0"/>
-                  <a:t>:   </a:t>
-                </a:r>
-                <a14:m>
-                  <m:oMath xmlns:m="http://schemas.openxmlformats.org/officeDocument/2006/math">
-                    <m:r>
-                      <a:rPr lang="en-US" b="0" i="1" smtClean="0">
-                        <a:latin typeface="Cambria Math" panose="02040503050406030204" pitchFamily="18" charset="0"/>
-                      </a:rPr>
-                      <m:t>𝐿</m:t>
-                    </m:r>
-                    <m:d>
-                      <m:dPr>
-                        <m:ctrlPr>
-                          <a:rPr lang="en-US" b="0" i="1" smtClean="0">
-                            <a:latin typeface="Cambria Math" panose="02040503050406030204" pitchFamily="18" charset="0"/>
-                          </a:rPr>
-                        </m:ctrlPr>
-                      </m:dPr>
-                      <m:e>
-                        <m:r>
-                          <a:rPr lang="en-US" b="1" i="1" smtClean="0">
-                            <a:latin typeface="Cambria Math" panose="02040503050406030204" pitchFamily="18" charset="0"/>
-                          </a:rPr>
-                          <m:t>𝒘</m:t>
-                        </m:r>
-                        <m:r>
-                          <a:rPr lang="en-US" b="0" i="1" smtClean="0">
-                            <a:latin typeface="Cambria Math" panose="02040503050406030204" pitchFamily="18" charset="0"/>
-                          </a:rPr>
-                          <m:t>,</m:t>
-                        </m:r>
-                        <m:r>
-                          <a:rPr lang="en-US" b="0" i="1" smtClean="0">
-                            <a:latin typeface="Cambria Math" panose="02040503050406030204" pitchFamily="18" charset="0"/>
-                          </a:rPr>
-                          <m:t>𝜆</m:t>
-                        </m:r>
-                      </m:e>
-                    </m:d>
-                    <m:r>
-                      <a:rPr lang="en-US" b="0" i="1" smtClean="0">
-                        <a:latin typeface="Cambria Math" panose="02040503050406030204" pitchFamily="18" charset="0"/>
-                      </a:rPr>
-                      <m:t>=</m:t>
-                    </m:r>
-                    <m:r>
-                      <a:rPr lang="en-US" b="0" i="1" smtClean="0">
-                        <a:latin typeface="Cambria Math" panose="02040503050406030204" pitchFamily="18" charset="0"/>
-                      </a:rPr>
-                      <m:t>𝑓</m:t>
-                    </m:r>
-                    <m:d>
-                      <m:dPr>
-                        <m:ctrlPr>
-                          <a:rPr lang="en-US" b="0" i="1" smtClean="0">
-                            <a:latin typeface="Cambria Math" panose="02040503050406030204" pitchFamily="18" charset="0"/>
-                          </a:rPr>
-                        </m:ctrlPr>
-                      </m:dPr>
-                      <m:e>
-                        <m:r>
-                          <a:rPr lang="en-US" b="1" i="1" smtClean="0">
-                            <a:latin typeface="Cambria Math" panose="02040503050406030204" pitchFamily="18" charset="0"/>
-                          </a:rPr>
-                          <m:t>𝒘</m:t>
-                        </m:r>
-                      </m:e>
-                    </m:d>
-                    <m:r>
-                      <a:rPr lang="en-US" b="0" i="1" smtClean="0">
-                        <a:latin typeface="Cambria Math" panose="02040503050406030204" pitchFamily="18" charset="0"/>
-                      </a:rPr>
-                      <m:t>+</m:t>
-                    </m:r>
-                    <m:r>
-                      <a:rPr lang="en-US" b="0" i="1" smtClean="0">
-                        <a:latin typeface="Cambria Math" panose="02040503050406030204" pitchFamily="18" charset="0"/>
-                      </a:rPr>
-                      <m:t>𝜆</m:t>
-                    </m:r>
-                    <m:r>
-                      <a:rPr lang="en-US" b="0" i="1" smtClean="0">
-                        <a:latin typeface="Cambria Math" panose="02040503050406030204" pitchFamily="18" charset="0"/>
-                      </a:rPr>
-                      <m:t>𝑔</m:t>
-                    </m:r>
-                    <m:d>
-                      <m:dPr>
-                        <m:ctrlPr>
-                          <a:rPr lang="en-US" b="0" i="1" smtClean="0">
-                            <a:latin typeface="Cambria Math" panose="02040503050406030204" pitchFamily="18" charset="0"/>
-                          </a:rPr>
-                        </m:ctrlPr>
-                      </m:dPr>
-                      <m:e>
-                        <m:r>
-                          <a:rPr lang="en-US" b="1" i="1" smtClean="0">
-                            <a:latin typeface="Cambria Math" panose="02040503050406030204" pitchFamily="18" charset="0"/>
-                          </a:rPr>
-                          <m:t>𝒘</m:t>
-                        </m:r>
-                      </m:e>
-                    </m:d>
-                  </m:oMath>
-                </a14:m>
-                <a:endParaRPr lang="en-US" b="0" dirty="0"/>
-              </a:p>
-              <a:p>
-                <a:pPr lvl="1"/>
-                <a14:m>
-                  <m:oMath xmlns:m="http://schemas.openxmlformats.org/officeDocument/2006/math">
-                    <m:r>
-                      <a:rPr lang="en-US" b="1" i="1">
-                        <a:latin typeface="Cambria Math" panose="02040503050406030204" pitchFamily="18" charset="0"/>
-                      </a:rPr>
-                      <m:t>𝒘</m:t>
-                    </m:r>
-                  </m:oMath>
-                </a14:m>
-                <a:r>
-                  <a:rPr lang="en-US" dirty="0"/>
-                  <a:t> is called the </a:t>
-                </a:r>
-                <a:r>
-                  <a:rPr lang="en-US" dirty="0">
-                    <a:solidFill>
-                      <a:schemeClr val="accent1">
-                        <a:lumMod val="60000"/>
-                        <a:lumOff val="40000"/>
-                      </a:schemeClr>
-                    </a:solidFill>
-                  </a:rPr>
-                  <a:t>primal</a:t>
-                </a:r>
-                <a:r>
-                  <a:rPr lang="en-US" dirty="0"/>
-                  <a:t> variable</a:t>
-                </a:r>
-              </a:p>
-              <a:p>
-                <a:pPr lvl="1"/>
-                <a14:m>
-                  <m:oMath xmlns:m="http://schemas.openxmlformats.org/officeDocument/2006/math">
-                    <m:r>
-                      <a:rPr lang="en-US" b="0" i="1" smtClean="0">
-                        <a:latin typeface="Cambria Math" panose="02040503050406030204" pitchFamily="18" charset="0"/>
-                      </a:rPr>
-                      <m:t>𝜆</m:t>
-                    </m:r>
-                  </m:oMath>
-                </a14:m>
-                <a:r>
-                  <a:rPr lang="en-US" dirty="0"/>
-                  <a:t> is called the </a:t>
-                </a:r>
-                <a:r>
-                  <a:rPr lang="en-US" dirty="0">
-                    <a:solidFill>
-                      <a:schemeClr val="accent1">
-                        <a:lumMod val="60000"/>
-                        <a:lumOff val="40000"/>
-                      </a:schemeClr>
-                    </a:solidFill>
-                  </a:rPr>
-                  <a:t>dual</a:t>
-                </a:r>
-                <a:r>
-                  <a:rPr lang="en-US" dirty="0"/>
-                  <a:t> variable</a:t>
-                </a:r>
-              </a:p>
-              <a:p>
-                <a:r>
-                  <a:rPr lang="en-US" dirty="0">
-                    <a:solidFill>
-                      <a:schemeClr val="tx2">
-                        <a:lumMod val="60000"/>
-                        <a:lumOff val="40000"/>
-                      </a:schemeClr>
-                    </a:solidFill>
-                  </a:rPr>
-                  <a:t>Dual minimization</a:t>
-                </a:r>
-                <a:r>
-                  <a:rPr lang="en-US" dirty="0"/>
-                  <a:t>:  Given a dual parameter </a:t>
-                </a:r>
-                <a14:m>
-                  <m:oMath xmlns:m="http://schemas.openxmlformats.org/officeDocument/2006/math">
-                    <m:r>
-                      <a:rPr lang="en-US" i="1">
-                        <a:latin typeface="Cambria Math" panose="02040503050406030204" pitchFamily="18" charset="0"/>
-                      </a:rPr>
-                      <m:t>𝜆</m:t>
-                    </m:r>
-                  </m:oMath>
-                </a14:m>
-                <a:r>
-                  <a:rPr lang="en-US" dirty="0"/>
-                  <a:t>, minimize</a:t>
-                </a:r>
-                <a:br>
-                  <a:rPr lang="en-US" dirty="0"/>
-                </a:br>
-                <a:br>
-                  <a:rPr lang="en-US" dirty="0"/>
-                </a:br>
-                <a14:m>
-                  <m:oMath xmlns:m="http://schemas.openxmlformats.org/officeDocument/2006/math">
-                    <m:acc>
-                      <m:accPr>
-                        <m:chr m:val="̂"/>
-                        <m:ctrlPr>
-                          <a:rPr lang="en-US" i="1" smtClean="0">
-                            <a:latin typeface="Cambria Math" panose="02040503050406030204" pitchFamily="18" charset="0"/>
-                          </a:rPr>
-                        </m:ctrlPr>
-                      </m:accPr>
-                      <m:e>
-                        <m:r>
-                          <a:rPr lang="en-US" b="1" i="1" smtClean="0">
-                            <a:latin typeface="Cambria Math" panose="02040503050406030204" pitchFamily="18" charset="0"/>
-                          </a:rPr>
-                          <m:t>𝒘</m:t>
-                        </m:r>
-                      </m:e>
-                    </m:acc>
-                    <m:d>
-                      <m:dPr>
-                        <m:ctrlPr>
-                          <a:rPr lang="en-US" b="0" i="1" smtClean="0">
-                            <a:latin typeface="Cambria Math" panose="02040503050406030204" pitchFamily="18" charset="0"/>
-                          </a:rPr>
-                        </m:ctrlPr>
-                      </m:dPr>
-                      <m:e>
-                        <m:r>
-                          <a:rPr lang="en-US" b="0" i="1" smtClean="0">
-                            <a:latin typeface="Cambria Math" panose="02040503050406030204" pitchFamily="18" charset="0"/>
-                          </a:rPr>
-                          <m:t>𝜆</m:t>
-                        </m:r>
-                      </m:e>
-                    </m:d>
-                    <m:r>
-                      <a:rPr lang="en-US" b="0" i="1" smtClean="0">
-                        <a:latin typeface="Cambria Math" panose="02040503050406030204" pitchFamily="18" charset="0"/>
-                      </a:rPr>
-                      <m:t>=</m:t>
-                    </m:r>
-                    <m:func>
-                      <m:funcPr>
-                        <m:ctrlPr>
-                          <a:rPr lang="en-US" b="0" i="1" smtClean="0">
-                            <a:latin typeface="Cambria Math" panose="02040503050406030204" pitchFamily="18" charset="0"/>
-                          </a:rPr>
-                        </m:ctrlPr>
-                      </m:funcPr>
-                      <m:fName>
-                        <m:r>
-                          <m:rPr>
-                            <m:sty m:val="p"/>
-                          </m:rPr>
-                          <a:rPr lang="en-US" b="0" i="0" smtClean="0">
-                            <a:latin typeface="Cambria Math" panose="02040503050406030204" pitchFamily="18" charset="0"/>
-                          </a:rPr>
-                          <m:t>arg</m:t>
-                        </m:r>
-                      </m:fName>
-                      <m:e>
-                        <m:func>
-                          <m:funcPr>
-                            <m:ctrlPr>
-                              <a:rPr lang="en-US" b="0" i="1" smtClean="0">
-                                <a:latin typeface="Cambria Math" panose="02040503050406030204" pitchFamily="18" charset="0"/>
-                              </a:rPr>
-                            </m:ctrlPr>
-                          </m:funcPr>
-                          <m:fName>
-                            <m:limLow>
-                              <m:limLowPr>
-                                <m:ctrlPr>
-                                  <a:rPr lang="en-US" b="0" i="1" smtClean="0">
-                                    <a:latin typeface="Cambria Math" panose="02040503050406030204" pitchFamily="18" charset="0"/>
-                                  </a:rPr>
-                                </m:ctrlPr>
-                              </m:limLowPr>
-                              <m:e>
-                                <m:r>
-                                  <m:rPr>
-                                    <m:sty m:val="p"/>
-                                  </m:rPr>
-                                  <a:rPr lang="en-US" b="0" i="0" smtClean="0">
-                                    <a:latin typeface="Cambria Math" panose="02040503050406030204" pitchFamily="18" charset="0"/>
-                                  </a:rPr>
-                                  <m:t>min</m:t>
-                                </m:r>
-                              </m:e>
-                              <m:lim>
-                                <m:r>
-                                  <a:rPr lang="en-US" b="1" i="1" smtClean="0">
-                                    <a:latin typeface="Cambria Math" panose="02040503050406030204" pitchFamily="18" charset="0"/>
-                                  </a:rPr>
-                                  <m:t>𝒘</m:t>
-                                </m:r>
-                              </m:lim>
-                            </m:limLow>
-                          </m:fName>
-                          <m:e>
-                            <m:r>
-                              <a:rPr lang="en-US" b="0" i="1" smtClean="0">
-                                <a:latin typeface="Cambria Math" panose="02040503050406030204" pitchFamily="18" charset="0"/>
-                              </a:rPr>
-                              <m:t>𝐿</m:t>
-                            </m:r>
-                            <m:r>
-                              <a:rPr lang="en-US" b="0" i="1" smtClean="0">
-                                <a:latin typeface="Cambria Math" panose="02040503050406030204" pitchFamily="18" charset="0"/>
-                              </a:rPr>
-                              <m:t>(</m:t>
-                            </m:r>
-                            <m:r>
-                              <a:rPr lang="en-US" b="1" i="1" smtClean="0">
-                                <a:latin typeface="Cambria Math" panose="02040503050406030204" pitchFamily="18" charset="0"/>
-                              </a:rPr>
-                              <m:t>𝒘</m:t>
-                            </m:r>
-                            <m:r>
-                              <a:rPr lang="en-US" b="0" i="1" smtClean="0">
-                                <a:latin typeface="Cambria Math" panose="02040503050406030204" pitchFamily="18" charset="0"/>
-                              </a:rPr>
-                              <m:t>,</m:t>
-                            </m:r>
-                            <m:r>
-                              <a:rPr lang="en-US" b="0" i="1" smtClean="0">
-                                <a:latin typeface="Cambria Math" panose="02040503050406030204" pitchFamily="18" charset="0"/>
-                              </a:rPr>
-                              <m:t>𝜆</m:t>
-                            </m:r>
-                            <m:r>
-                              <a:rPr lang="en-US" b="0" i="1" smtClean="0">
-                                <a:latin typeface="Cambria Math" panose="02040503050406030204" pitchFamily="18" charset="0"/>
-                              </a:rPr>
-                              <m:t>)</m:t>
-                            </m:r>
-                          </m:e>
-                        </m:func>
-                      </m:e>
-                    </m:func>
-                    <m:r>
-                      <a:rPr lang="en-US" b="0" i="1" smtClean="0">
-                        <a:latin typeface="Cambria Math" panose="02040503050406030204" pitchFamily="18" charset="0"/>
-                      </a:rPr>
-                      <m:t>,   </m:t>
-                    </m:r>
-                    <m:sSup>
-                      <m:sSupPr>
-                        <m:ctrlPr>
-                          <a:rPr lang="en-US" b="0" i="1" smtClean="0">
-                            <a:latin typeface="Cambria Math" panose="02040503050406030204" pitchFamily="18" charset="0"/>
-                          </a:rPr>
-                        </m:ctrlPr>
-                      </m:sSupPr>
-                      <m:e>
-                        <m:r>
-                          <a:rPr lang="en-US" b="0" i="1" smtClean="0">
-                            <a:latin typeface="Cambria Math" panose="02040503050406030204" pitchFamily="18" charset="0"/>
-                          </a:rPr>
-                          <m:t>𝐿</m:t>
-                        </m:r>
-                      </m:e>
-                      <m:sup>
-                        <m:r>
-                          <a:rPr lang="en-US" b="0" i="1" smtClean="0">
-                            <a:latin typeface="Cambria Math" panose="02040503050406030204" pitchFamily="18" charset="0"/>
-                          </a:rPr>
-                          <m:t>∗</m:t>
-                        </m:r>
-                      </m:sup>
-                    </m:sSup>
-                    <m:d>
-                      <m:dPr>
-                        <m:ctrlPr>
-                          <a:rPr lang="en-US" b="0" i="1" smtClean="0">
-                            <a:latin typeface="Cambria Math" panose="02040503050406030204" pitchFamily="18" charset="0"/>
-                          </a:rPr>
-                        </m:ctrlPr>
-                      </m:dPr>
-                      <m:e>
-                        <m:r>
-                          <a:rPr lang="en-US" b="0" i="1" smtClean="0">
-                            <a:latin typeface="Cambria Math" panose="02040503050406030204" pitchFamily="18" charset="0"/>
-                          </a:rPr>
-                          <m:t>𝜆</m:t>
-                        </m:r>
-                      </m:e>
-                    </m:d>
-                    <m:r>
-                      <a:rPr lang="en-US" b="0" i="1" smtClean="0">
-                        <a:latin typeface="Cambria Math" panose="02040503050406030204" pitchFamily="18" charset="0"/>
-                      </a:rPr>
-                      <m:t>=</m:t>
-                    </m:r>
-                    <m:func>
-                      <m:funcPr>
-                        <m:ctrlPr>
-                          <a:rPr lang="en-US" b="0" i="1" smtClean="0">
-                            <a:latin typeface="Cambria Math" panose="02040503050406030204" pitchFamily="18" charset="0"/>
-                          </a:rPr>
-                        </m:ctrlPr>
-                      </m:funcPr>
-                      <m:fName>
-                        <m:limLow>
-                          <m:limLowPr>
-                            <m:ctrlPr>
-                              <a:rPr lang="en-US" b="0" i="1" smtClean="0">
-                                <a:latin typeface="Cambria Math" panose="02040503050406030204" pitchFamily="18" charset="0"/>
-                              </a:rPr>
-                            </m:ctrlPr>
-                          </m:limLowPr>
-                          <m:e>
-                            <m:r>
-                              <m:rPr>
-                                <m:sty m:val="p"/>
-                              </m:rPr>
-                              <a:rPr lang="en-US" b="0" i="0" smtClean="0">
-                                <a:latin typeface="Cambria Math" panose="02040503050406030204" pitchFamily="18" charset="0"/>
-                              </a:rPr>
-                              <m:t>min</m:t>
-                            </m:r>
-                          </m:e>
-                          <m:lim>
-                            <m:r>
-                              <a:rPr lang="en-US" b="0" i="1" smtClean="0">
-                                <a:latin typeface="Cambria Math" panose="02040503050406030204" pitchFamily="18" charset="0"/>
-                              </a:rPr>
-                              <m:t>𝑤</m:t>
-                            </m:r>
-                          </m:lim>
-                        </m:limLow>
-                      </m:fName>
-                      <m:e>
-                        <m:r>
-                          <a:rPr lang="en-US" i="1">
-                            <a:latin typeface="Cambria Math" panose="02040503050406030204" pitchFamily="18" charset="0"/>
-                          </a:rPr>
-                          <m:t>𝐿</m:t>
-                        </m:r>
-                        <m:r>
-                          <a:rPr lang="en-US" i="1">
-                            <a:latin typeface="Cambria Math" panose="02040503050406030204" pitchFamily="18" charset="0"/>
-                          </a:rPr>
-                          <m:t>(</m:t>
-                        </m:r>
-                        <m:r>
-                          <a:rPr lang="en-US" b="1" i="1">
-                            <a:latin typeface="Cambria Math" panose="02040503050406030204" pitchFamily="18" charset="0"/>
-                          </a:rPr>
-                          <m:t>𝒘</m:t>
-                        </m:r>
-                        <m:r>
-                          <a:rPr lang="en-US" i="1">
-                            <a:latin typeface="Cambria Math" panose="02040503050406030204" pitchFamily="18" charset="0"/>
-                          </a:rPr>
-                          <m:t>,</m:t>
-                        </m:r>
-                        <m:r>
-                          <a:rPr lang="en-US" i="1">
-                            <a:latin typeface="Cambria Math" panose="02040503050406030204" pitchFamily="18" charset="0"/>
-                          </a:rPr>
-                          <m:t>𝜆</m:t>
-                        </m:r>
-                        <m:r>
-                          <a:rPr lang="en-US" i="1">
-                            <a:latin typeface="Cambria Math" panose="02040503050406030204" pitchFamily="18" charset="0"/>
-                          </a:rPr>
-                          <m:t>)</m:t>
-                        </m:r>
-                      </m:e>
-                    </m:func>
-                  </m:oMath>
-                </a14:m>
-                <a:endParaRPr lang="en-US" dirty="0"/>
-              </a:p>
-              <a:p>
-                <a:pPr lvl="1"/>
-                <a:endParaRPr lang="en-US" dirty="0"/>
-              </a:p>
-              <a:p>
-                <a:pPr lvl="1"/>
-                <a:r>
-                  <a:rPr lang="en-US" dirty="0"/>
-                  <a:t>Minimizes a weighted combination of objective and constraint.</a:t>
-                </a:r>
-              </a:p>
-              <a:p>
-                <a:pPr lvl="1"/>
-                <a:r>
-                  <a:rPr lang="en-US" dirty="0"/>
-                  <a:t>Higher </a:t>
-                </a:r>
-                <a14:m>
-                  <m:oMath xmlns:m="http://schemas.openxmlformats.org/officeDocument/2006/math">
-                    <m:r>
-                      <a:rPr lang="en-US" i="1">
-                        <a:latin typeface="Cambria Math" panose="02040503050406030204" pitchFamily="18" charset="0"/>
-                      </a:rPr>
-                      <m:t>𝜆</m:t>
-                    </m:r>
-                    <m:r>
-                      <a:rPr lang="en-US" b="0" i="1" smtClean="0">
-                        <a:latin typeface="Cambria Math" panose="02040503050406030204" pitchFamily="18" charset="0"/>
-                      </a:rPr>
-                      <m:t>⇒</m:t>
-                    </m:r>
-                  </m:oMath>
-                </a14:m>
-                <a:r>
-                  <a:rPr lang="en-US" dirty="0"/>
-                  <a:t>  Weight constraint more (try to make </a:t>
-                </a:r>
-                <a14:m>
-                  <m:oMath xmlns:m="http://schemas.openxmlformats.org/officeDocument/2006/math">
-                    <m:r>
-                      <a:rPr lang="en-US" i="1">
-                        <a:latin typeface="Cambria Math" panose="02040503050406030204" pitchFamily="18" charset="0"/>
-                      </a:rPr>
-                      <m:t>𝑔</m:t>
-                    </m:r>
-                    <m:d>
-                      <m:dPr>
-                        <m:ctrlPr>
-                          <a:rPr lang="en-US" i="1">
-                            <a:latin typeface="Cambria Math" panose="02040503050406030204" pitchFamily="18" charset="0"/>
-                          </a:rPr>
-                        </m:ctrlPr>
-                      </m:dPr>
-                      <m:e>
-                        <m:r>
-                          <a:rPr lang="en-US" b="1" i="1">
-                            <a:latin typeface="Cambria Math" panose="02040503050406030204" pitchFamily="18" charset="0"/>
-                          </a:rPr>
-                          <m:t>𝒘</m:t>
-                        </m:r>
-                      </m:e>
-                    </m:d>
-                  </m:oMath>
-                </a14:m>
-                <a:r>
-                  <a:rPr lang="en-US" dirty="0"/>
-                  <a:t> smaller)</a:t>
-                </a:r>
-              </a:p>
-              <a:p>
-                <a:pPr lvl="1"/>
-                <a:r>
-                  <a:rPr lang="en-US" dirty="0"/>
-                  <a:t>Lower </a:t>
-                </a:r>
-                <a14:m>
-                  <m:oMath xmlns:m="http://schemas.openxmlformats.org/officeDocument/2006/math">
-                    <m:r>
-                      <a:rPr lang="en-US" i="1">
-                        <a:latin typeface="Cambria Math" panose="02040503050406030204" pitchFamily="18" charset="0"/>
-                      </a:rPr>
-                      <m:t>𝜆</m:t>
-                    </m:r>
-                    <m:r>
-                      <a:rPr lang="en-US" i="1">
-                        <a:latin typeface="Cambria Math" panose="02040503050406030204" pitchFamily="18" charset="0"/>
-                      </a:rPr>
-                      <m:t>⇒</m:t>
-                    </m:r>
-                  </m:oMath>
-                </a14:m>
-                <a:r>
-                  <a:rPr lang="en-US" dirty="0"/>
-                  <a:t>  Weight objective more (try to make </a:t>
-                </a:r>
-                <a14:m>
-                  <m:oMath xmlns:m="http://schemas.openxmlformats.org/officeDocument/2006/math">
-                    <m:r>
-                      <a:rPr lang="en-US" b="0" i="1" smtClean="0">
-                        <a:latin typeface="Cambria Math" panose="02040503050406030204" pitchFamily="18" charset="0"/>
-                      </a:rPr>
-                      <m:t>𝑓</m:t>
-                    </m:r>
-                    <m:d>
-                      <m:dPr>
-                        <m:ctrlPr>
-                          <a:rPr lang="en-US" i="1">
-                            <a:latin typeface="Cambria Math" panose="02040503050406030204" pitchFamily="18" charset="0"/>
-                          </a:rPr>
-                        </m:ctrlPr>
-                      </m:dPr>
-                      <m:e>
-                        <m:r>
-                          <a:rPr lang="en-US" b="1" i="1">
-                            <a:latin typeface="Cambria Math" panose="02040503050406030204" pitchFamily="18" charset="0"/>
-                          </a:rPr>
-                          <m:t>𝒘</m:t>
-                        </m:r>
-                      </m:e>
-                    </m:d>
-                  </m:oMath>
-                </a14:m>
-                <a:r>
-                  <a:rPr lang="en-US" dirty="0"/>
-                  <a:t> smaller)</a:t>
-                </a:r>
-              </a:p>
-              <a:p>
-                <a:pPr lvl="1"/>
-                <a:endParaRPr lang="en-US" dirty="0"/>
-              </a:p>
-              <a:p>
-                <a:pPr lvl="1"/>
-                <a:endParaRPr lang="en-US" dirty="0"/>
-              </a:p>
-            </p:txBody>
-          </p:sp>
-        </mc:Choice>
-        <mc:Fallback xmlns="">
-          <p:sp>
-            <p:nvSpPr>
-              <p:cNvPr id="3" name="Content Placeholder 2"/>
-              <p:cNvSpPr>
-                <a:spLocks noGrp="1" noRot="1" noChangeAspect="1" noMove="1" noResize="1" noEditPoints="1" noAdjustHandles="1" noChangeArrowheads="1" noChangeShapeType="1" noTextEdit="1"/>
-              </p:cNvSpPr>
-              <p:nvPr>
-                <p:ph idx="1"/>
-              </p:nvPr>
-            </p:nvSpPr>
-            <p:spPr>
-              <a:blipFill>
-                <a:blip r:embed="rId2"/>
-                <a:stretch>
-                  <a:fillRect l="-1261" t="-1462" b="-877"/>
-                </a:stretch>
-              </a:blipFill>
-            </p:spPr>
-            <p:txBody>
-              <a:bodyPr/>
-              <a:lstStyle/>
-              <a:p>
-                <a:r>
-                  <a:rPr lang="en-US">
-                    <a:noFill/>
-                  </a:rPr>
-                  <a:t> </a:t>
-                </a:r>
-              </a:p>
-            </p:txBody>
-          </p:sp>
-        </mc:Fallback>
-      </mc:AlternateContent>
-      <p:sp>
-        <p:nvSpPr>
-          <p:cNvPr id="4" name="Slide Number Placeholder 3"/>
-          <p:cNvSpPr>
-            <a:spLocks noGrp="1"/>
-          </p:cNvSpPr>
-          <p:nvPr>
-            <p:ph type="sldNum" sz="quarter" idx="12"/>
-          </p:nvPr>
-        </p:nvSpPr>
-        <p:spPr/>
-        <p:txBody>
-          <a:bodyPr/>
-          <a:lstStyle/>
-          <a:p>
-            <a:fld id="{629637A9-119A-49DA-BD12-AAC58B377D80}" type="slidenum">
-              <a:rPr lang="en-US" smtClean="0"/>
-              <a:t>49</a:t>
-            </a:fld>
-            <a:endParaRPr lang="en-US" dirty="0"/>
-          </a:p>
-        </p:txBody>
-      </p:sp>
-    </p:spTree>
-    <p:extLst>
-      <p:ext uri="{BB962C8B-B14F-4D97-AF65-F5344CB8AC3E}">
-        <p14:creationId xmlns:p14="http://schemas.microsoft.com/office/powerpoint/2010/main" val="1637689429"/>
       </p:ext>
     </p:extLst>
   </p:cSld>
@@ -36406,6 +36167,929 @@
           <a:lstStyle/>
           <a:p>
             <a:r>
+              <a:rPr lang="en-US" dirty="0" err="1"/>
+              <a:t>Lagrangian</a:t>
+            </a:r>
+            <a:endParaRPr lang="en-US" dirty="0"/>
+          </a:p>
+        </p:txBody>
+      </p:sp>
+      <mc:AlternateContent xmlns:mc="http://schemas.openxmlformats.org/markup-compatibility/2006" xmlns:a14="http://schemas.microsoft.com/office/drawing/2010/main">
+        <mc:Choice Requires="a14">
+          <p:sp>
+            <p:nvSpPr>
+              <p:cNvPr id="3" name="Content Placeholder 2"/>
+              <p:cNvSpPr>
+                <a:spLocks noGrp="1"/>
+              </p:cNvSpPr>
+              <p:nvPr>
+                <p:ph idx="1"/>
+              </p:nvPr>
+            </p:nvSpPr>
+            <p:spPr/>
+            <p:txBody>
+              <a:bodyPr/>
+              <a:lstStyle/>
+              <a:p>
+                <a:r>
+                  <a:rPr lang="en-US" dirty="0"/>
+                  <a:t>Constrained optimization: Min </a:t>
+                </a:r>
+                <a14:m>
+                  <m:oMath xmlns:m="http://schemas.openxmlformats.org/officeDocument/2006/math">
+                    <m:r>
+                      <a:rPr lang="en-US" i="1">
+                        <a:latin typeface="Cambria Math" panose="02040503050406030204" pitchFamily="18" charset="0"/>
+                      </a:rPr>
+                      <m:t>𝑓</m:t>
+                    </m:r>
+                    <m:d>
+                      <m:dPr>
+                        <m:ctrlPr>
+                          <a:rPr lang="en-US" i="1">
+                            <a:latin typeface="Cambria Math" panose="02040503050406030204" pitchFamily="18" charset="0"/>
+                          </a:rPr>
+                        </m:ctrlPr>
+                      </m:dPr>
+                      <m:e>
+                        <m:r>
+                          <a:rPr lang="en-US" b="1" i="1">
+                            <a:latin typeface="Cambria Math" panose="02040503050406030204" pitchFamily="18" charset="0"/>
+                          </a:rPr>
+                          <m:t>𝒘</m:t>
+                        </m:r>
+                      </m:e>
+                    </m:d>
+                    <m:r>
+                      <a:rPr lang="en-US" b="1" i="1">
+                        <a:latin typeface="Cambria Math" panose="02040503050406030204" pitchFamily="18" charset="0"/>
+                      </a:rPr>
+                      <m:t> </m:t>
+                    </m:r>
+                    <m:r>
+                      <m:rPr>
+                        <m:nor/>
+                      </m:rPr>
+                      <a:rPr lang="en-US" b="1" i="0">
+                        <a:latin typeface="Cambria Math" panose="02040503050406030204" pitchFamily="18" charset="0"/>
+                      </a:rPr>
+                      <m:t> </m:t>
+                    </m:r>
+                    <m:r>
+                      <m:rPr>
+                        <m:nor/>
+                      </m:rPr>
+                      <a:rPr lang="en-US" i="0">
+                        <a:latin typeface="Cambria Math" panose="02040503050406030204" pitchFamily="18" charset="0"/>
+                      </a:rPr>
+                      <m:t>s</m:t>
+                    </m:r>
+                    <m:r>
+                      <m:rPr>
+                        <m:nor/>
+                      </m:rPr>
+                      <a:rPr lang="en-US" i="0">
+                        <a:latin typeface="Cambria Math" panose="02040503050406030204" pitchFamily="18" charset="0"/>
+                      </a:rPr>
+                      <m:t>.</m:t>
+                    </m:r>
+                    <m:r>
+                      <m:rPr>
+                        <m:nor/>
+                      </m:rPr>
+                      <a:rPr lang="en-US" i="0">
+                        <a:latin typeface="Cambria Math" panose="02040503050406030204" pitchFamily="18" charset="0"/>
+                      </a:rPr>
+                      <m:t>t</m:t>
+                    </m:r>
+                    <m:r>
+                      <m:rPr>
+                        <m:nor/>
+                      </m:rPr>
+                      <a:rPr lang="en-US" i="0">
+                        <a:latin typeface="Cambria Math" panose="02040503050406030204" pitchFamily="18" charset="0"/>
+                      </a:rPr>
+                      <m:t>.</m:t>
+                    </m:r>
+                    <m:r>
+                      <a:rPr lang="en-US" i="1">
+                        <a:latin typeface="Cambria Math" panose="02040503050406030204" pitchFamily="18" charset="0"/>
+                      </a:rPr>
+                      <m:t>  </m:t>
+                    </m:r>
+                    <m:r>
+                      <a:rPr lang="en-US" i="1">
+                        <a:latin typeface="Cambria Math" panose="02040503050406030204" pitchFamily="18" charset="0"/>
+                      </a:rPr>
+                      <m:t>𝑔</m:t>
+                    </m:r>
+                    <m:d>
+                      <m:dPr>
+                        <m:ctrlPr>
+                          <a:rPr lang="en-US" i="1">
+                            <a:latin typeface="Cambria Math" panose="02040503050406030204" pitchFamily="18" charset="0"/>
+                          </a:rPr>
+                        </m:ctrlPr>
+                      </m:dPr>
+                      <m:e>
+                        <m:r>
+                          <a:rPr lang="en-US" b="1" i="1">
+                            <a:latin typeface="Cambria Math" panose="02040503050406030204" pitchFamily="18" charset="0"/>
+                          </a:rPr>
+                          <m:t>𝒘</m:t>
+                        </m:r>
+                      </m:e>
+                    </m:d>
+                    <m:r>
+                      <a:rPr lang="en-US" i="1">
+                        <a:latin typeface="Cambria Math" panose="02040503050406030204" pitchFamily="18" charset="0"/>
+                      </a:rPr>
+                      <m:t>≤0</m:t>
+                    </m:r>
+                  </m:oMath>
+                </a14:m>
+                <a:endParaRPr lang="en-US" dirty="0"/>
+              </a:p>
+              <a:p>
+                <a:r>
+                  <a:rPr lang="en-US" dirty="0"/>
+                  <a:t>Consider first a single constraint:  </a:t>
+                </a:r>
+                <a14:m>
+                  <m:oMath xmlns:m="http://schemas.openxmlformats.org/officeDocument/2006/math">
+                    <m:r>
+                      <a:rPr lang="en-US" i="1">
+                        <a:latin typeface="Cambria Math" panose="02040503050406030204" pitchFamily="18" charset="0"/>
+                      </a:rPr>
+                      <m:t>𝑔</m:t>
+                    </m:r>
+                    <m:d>
+                      <m:dPr>
+                        <m:ctrlPr>
+                          <a:rPr lang="en-US" i="1">
+                            <a:latin typeface="Cambria Math" panose="02040503050406030204" pitchFamily="18" charset="0"/>
+                          </a:rPr>
+                        </m:ctrlPr>
+                      </m:dPr>
+                      <m:e>
+                        <m:r>
+                          <a:rPr lang="en-US" b="1" i="1">
+                            <a:latin typeface="Cambria Math" panose="02040503050406030204" pitchFamily="18" charset="0"/>
+                          </a:rPr>
+                          <m:t>𝒘</m:t>
+                        </m:r>
+                      </m:e>
+                    </m:d>
+                  </m:oMath>
+                </a14:m>
+                <a:r>
+                  <a:rPr lang="en-US" dirty="0"/>
+                  <a:t> is a scalar </a:t>
+                </a:r>
+              </a:p>
+              <a:p>
+                <a:r>
+                  <a:rPr lang="en-US" dirty="0"/>
+                  <a:t>Define </a:t>
+                </a:r>
+                <a:r>
+                  <a:rPr lang="en-US" dirty="0" err="1">
+                    <a:solidFill>
+                      <a:schemeClr val="accent1">
+                        <a:lumMod val="60000"/>
+                        <a:lumOff val="40000"/>
+                      </a:schemeClr>
+                    </a:solidFill>
+                  </a:rPr>
+                  <a:t>Lagrangian</a:t>
+                </a:r>
+                <a:r>
+                  <a:rPr lang="en-US" dirty="0"/>
+                  <a:t>:   </a:t>
+                </a:r>
+                <a14:m>
+                  <m:oMath xmlns:m="http://schemas.openxmlformats.org/officeDocument/2006/math">
+                    <m:r>
+                      <a:rPr lang="en-US" b="0" i="1" smtClean="0">
+                        <a:latin typeface="Cambria Math" panose="02040503050406030204" pitchFamily="18" charset="0"/>
+                      </a:rPr>
+                      <m:t>𝐿</m:t>
+                    </m:r>
+                    <m:d>
+                      <m:dPr>
+                        <m:ctrlPr>
+                          <a:rPr lang="en-US" b="0" i="1" smtClean="0">
+                            <a:latin typeface="Cambria Math" panose="02040503050406030204" pitchFamily="18" charset="0"/>
+                          </a:rPr>
+                        </m:ctrlPr>
+                      </m:dPr>
+                      <m:e>
+                        <m:r>
+                          <a:rPr lang="en-US" b="1" i="1" smtClean="0">
+                            <a:latin typeface="Cambria Math" panose="02040503050406030204" pitchFamily="18" charset="0"/>
+                          </a:rPr>
+                          <m:t>𝒘</m:t>
+                        </m:r>
+                        <m:r>
+                          <a:rPr lang="en-US" b="0" i="1" smtClean="0">
+                            <a:latin typeface="Cambria Math" panose="02040503050406030204" pitchFamily="18" charset="0"/>
+                          </a:rPr>
+                          <m:t>,</m:t>
+                        </m:r>
+                        <m:r>
+                          <a:rPr lang="en-US" b="0" i="1" smtClean="0">
+                            <a:latin typeface="Cambria Math" panose="02040503050406030204" pitchFamily="18" charset="0"/>
+                          </a:rPr>
+                          <m:t>𝜆</m:t>
+                        </m:r>
+                      </m:e>
+                    </m:d>
+                    <m:r>
+                      <a:rPr lang="en-US" b="0" i="1" smtClean="0">
+                        <a:latin typeface="Cambria Math" panose="02040503050406030204" pitchFamily="18" charset="0"/>
+                      </a:rPr>
+                      <m:t>=</m:t>
+                    </m:r>
+                    <m:r>
+                      <a:rPr lang="en-US" b="0" i="1" smtClean="0">
+                        <a:latin typeface="Cambria Math" panose="02040503050406030204" pitchFamily="18" charset="0"/>
+                      </a:rPr>
+                      <m:t>𝑓</m:t>
+                    </m:r>
+                    <m:d>
+                      <m:dPr>
+                        <m:ctrlPr>
+                          <a:rPr lang="en-US" b="0" i="1" smtClean="0">
+                            <a:latin typeface="Cambria Math" panose="02040503050406030204" pitchFamily="18" charset="0"/>
+                          </a:rPr>
+                        </m:ctrlPr>
+                      </m:dPr>
+                      <m:e>
+                        <m:r>
+                          <a:rPr lang="en-US" b="1" i="1" smtClean="0">
+                            <a:latin typeface="Cambria Math" panose="02040503050406030204" pitchFamily="18" charset="0"/>
+                          </a:rPr>
+                          <m:t>𝒘</m:t>
+                        </m:r>
+                      </m:e>
+                    </m:d>
+                    <m:r>
+                      <a:rPr lang="en-US" b="0" i="1" smtClean="0">
+                        <a:latin typeface="Cambria Math" panose="02040503050406030204" pitchFamily="18" charset="0"/>
+                      </a:rPr>
+                      <m:t>+</m:t>
+                    </m:r>
+                    <m:r>
+                      <a:rPr lang="en-US" b="0" i="1" smtClean="0">
+                        <a:latin typeface="Cambria Math" panose="02040503050406030204" pitchFamily="18" charset="0"/>
+                      </a:rPr>
+                      <m:t>𝜆</m:t>
+                    </m:r>
+                    <m:r>
+                      <a:rPr lang="en-US" b="0" i="1" smtClean="0">
+                        <a:latin typeface="Cambria Math" panose="02040503050406030204" pitchFamily="18" charset="0"/>
+                      </a:rPr>
+                      <m:t>𝑔</m:t>
+                    </m:r>
+                    <m:d>
+                      <m:dPr>
+                        <m:ctrlPr>
+                          <a:rPr lang="en-US" b="0" i="1" smtClean="0">
+                            <a:latin typeface="Cambria Math" panose="02040503050406030204" pitchFamily="18" charset="0"/>
+                          </a:rPr>
+                        </m:ctrlPr>
+                      </m:dPr>
+                      <m:e>
+                        <m:r>
+                          <a:rPr lang="en-US" b="1" i="1" smtClean="0">
+                            <a:latin typeface="Cambria Math" panose="02040503050406030204" pitchFamily="18" charset="0"/>
+                          </a:rPr>
+                          <m:t>𝒘</m:t>
+                        </m:r>
+                      </m:e>
+                    </m:d>
+                  </m:oMath>
+                </a14:m>
+                <a:endParaRPr lang="en-US" b="0" dirty="0"/>
+              </a:p>
+              <a:p>
+                <a:pPr lvl="1"/>
+                <a14:m>
+                  <m:oMath xmlns:m="http://schemas.openxmlformats.org/officeDocument/2006/math">
+                    <m:r>
+                      <a:rPr lang="en-US" b="1" i="1">
+                        <a:latin typeface="Cambria Math" panose="02040503050406030204" pitchFamily="18" charset="0"/>
+                      </a:rPr>
+                      <m:t>𝒘</m:t>
+                    </m:r>
+                  </m:oMath>
+                </a14:m>
+                <a:r>
+                  <a:rPr lang="en-US" dirty="0"/>
+                  <a:t> is called the </a:t>
+                </a:r>
+                <a:r>
+                  <a:rPr lang="en-US" dirty="0">
+                    <a:solidFill>
+                      <a:schemeClr val="accent1">
+                        <a:lumMod val="60000"/>
+                        <a:lumOff val="40000"/>
+                      </a:schemeClr>
+                    </a:solidFill>
+                  </a:rPr>
+                  <a:t>primal</a:t>
+                </a:r>
+                <a:r>
+                  <a:rPr lang="en-US" dirty="0"/>
+                  <a:t> variable</a:t>
+                </a:r>
+              </a:p>
+              <a:p>
+                <a:pPr lvl="1"/>
+                <a14:m>
+                  <m:oMath xmlns:m="http://schemas.openxmlformats.org/officeDocument/2006/math">
+                    <m:r>
+                      <a:rPr lang="en-US" b="0" i="1" smtClean="0">
+                        <a:latin typeface="Cambria Math" panose="02040503050406030204" pitchFamily="18" charset="0"/>
+                      </a:rPr>
+                      <m:t>𝜆</m:t>
+                    </m:r>
+                  </m:oMath>
+                </a14:m>
+                <a:r>
+                  <a:rPr lang="en-US" dirty="0"/>
+                  <a:t> is called the </a:t>
+                </a:r>
+                <a:r>
+                  <a:rPr lang="en-US" dirty="0">
+                    <a:solidFill>
+                      <a:schemeClr val="accent1">
+                        <a:lumMod val="60000"/>
+                        <a:lumOff val="40000"/>
+                      </a:schemeClr>
+                    </a:solidFill>
+                  </a:rPr>
+                  <a:t>dual</a:t>
+                </a:r>
+                <a:r>
+                  <a:rPr lang="en-US" dirty="0"/>
+                  <a:t> variable</a:t>
+                </a:r>
+              </a:p>
+              <a:p>
+                <a:r>
+                  <a:rPr lang="en-US" dirty="0">
+                    <a:solidFill>
+                      <a:schemeClr val="tx2">
+                        <a:lumMod val="60000"/>
+                        <a:lumOff val="40000"/>
+                      </a:schemeClr>
+                    </a:solidFill>
+                  </a:rPr>
+                  <a:t>Dual minimization</a:t>
+                </a:r>
+                <a:r>
+                  <a:rPr lang="en-US" dirty="0"/>
+                  <a:t>:  Given a dual parameter </a:t>
+                </a:r>
+                <a14:m>
+                  <m:oMath xmlns:m="http://schemas.openxmlformats.org/officeDocument/2006/math">
+                    <m:r>
+                      <a:rPr lang="en-US" i="1">
+                        <a:latin typeface="Cambria Math" panose="02040503050406030204" pitchFamily="18" charset="0"/>
+                      </a:rPr>
+                      <m:t>𝜆</m:t>
+                    </m:r>
+                  </m:oMath>
+                </a14:m>
+                <a:r>
+                  <a:rPr lang="en-US" dirty="0"/>
+                  <a:t>, minimize</a:t>
+                </a:r>
+                <a:br>
+                  <a:rPr lang="en-US" dirty="0"/>
+                </a:br>
+                <a:br>
+                  <a:rPr lang="en-US" dirty="0"/>
+                </a:br>
+                <a14:m>
+                  <m:oMath xmlns:m="http://schemas.openxmlformats.org/officeDocument/2006/math">
+                    <m:acc>
+                      <m:accPr>
+                        <m:chr m:val="̂"/>
+                        <m:ctrlPr>
+                          <a:rPr lang="en-US" i="1" smtClean="0">
+                            <a:latin typeface="Cambria Math" panose="02040503050406030204" pitchFamily="18" charset="0"/>
+                          </a:rPr>
+                        </m:ctrlPr>
+                      </m:accPr>
+                      <m:e>
+                        <m:r>
+                          <a:rPr lang="en-US" b="1" i="1" smtClean="0">
+                            <a:latin typeface="Cambria Math" panose="02040503050406030204" pitchFamily="18" charset="0"/>
+                          </a:rPr>
+                          <m:t>𝒘</m:t>
+                        </m:r>
+                      </m:e>
+                    </m:acc>
+                    <m:d>
+                      <m:dPr>
+                        <m:ctrlPr>
+                          <a:rPr lang="en-US" b="0" i="1" smtClean="0">
+                            <a:latin typeface="Cambria Math" panose="02040503050406030204" pitchFamily="18" charset="0"/>
+                          </a:rPr>
+                        </m:ctrlPr>
+                      </m:dPr>
+                      <m:e>
+                        <m:r>
+                          <a:rPr lang="en-US" b="0" i="1" smtClean="0">
+                            <a:latin typeface="Cambria Math" panose="02040503050406030204" pitchFamily="18" charset="0"/>
+                          </a:rPr>
+                          <m:t>𝜆</m:t>
+                        </m:r>
+                      </m:e>
+                    </m:d>
+                    <m:r>
+                      <a:rPr lang="en-US" b="0" i="1" smtClean="0">
+                        <a:latin typeface="Cambria Math" panose="02040503050406030204" pitchFamily="18" charset="0"/>
+                      </a:rPr>
+                      <m:t>=</m:t>
+                    </m:r>
+                    <m:func>
+                      <m:funcPr>
+                        <m:ctrlPr>
+                          <a:rPr lang="en-US" b="0" i="1" smtClean="0">
+                            <a:latin typeface="Cambria Math" panose="02040503050406030204" pitchFamily="18" charset="0"/>
+                          </a:rPr>
+                        </m:ctrlPr>
+                      </m:funcPr>
+                      <m:fName>
+                        <m:r>
+                          <m:rPr>
+                            <m:sty m:val="p"/>
+                          </m:rPr>
+                          <a:rPr lang="en-US" b="0" i="0" smtClean="0">
+                            <a:latin typeface="Cambria Math" panose="02040503050406030204" pitchFamily="18" charset="0"/>
+                          </a:rPr>
+                          <m:t>arg</m:t>
+                        </m:r>
+                      </m:fName>
+                      <m:e>
+                        <m:func>
+                          <m:funcPr>
+                            <m:ctrlPr>
+                              <a:rPr lang="en-US" b="0" i="1" smtClean="0">
+                                <a:latin typeface="Cambria Math" panose="02040503050406030204" pitchFamily="18" charset="0"/>
+                              </a:rPr>
+                            </m:ctrlPr>
+                          </m:funcPr>
+                          <m:fName>
+                            <m:limLow>
+                              <m:limLowPr>
+                                <m:ctrlPr>
+                                  <a:rPr lang="en-US" b="0" i="1" smtClean="0">
+                                    <a:latin typeface="Cambria Math" panose="02040503050406030204" pitchFamily="18" charset="0"/>
+                                  </a:rPr>
+                                </m:ctrlPr>
+                              </m:limLowPr>
+                              <m:e>
+                                <m:r>
+                                  <m:rPr>
+                                    <m:sty m:val="p"/>
+                                  </m:rPr>
+                                  <a:rPr lang="en-US" b="0" i="0" smtClean="0">
+                                    <a:latin typeface="Cambria Math" panose="02040503050406030204" pitchFamily="18" charset="0"/>
+                                  </a:rPr>
+                                  <m:t>min</m:t>
+                                </m:r>
+                              </m:e>
+                              <m:lim>
+                                <m:r>
+                                  <a:rPr lang="en-US" b="1" i="1" smtClean="0">
+                                    <a:latin typeface="Cambria Math" panose="02040503050406030204" pitchFamily="18" charset="0"/>
+                                  </a:rPr>
+                                  <m:t>𝒘</m:t>
+                                </m:r>
+                              </m:lim>
+                            </m:limLow>
+                          </m:fName>
+                          <m:e>
+                            <m:r>
+                              <a:rPr lang="en-US" b="0" i="1" smtClean="0">
+                                <a:latin typeface="Cambria Math" panose="02040503050406030204" pitchFamily="18" charset="0"/>
+                              </a:rPr>
+                              <m:t>𝐿</m:t>
+                            </m:r>
+                            <m:r>
+                              <a:rPr lang="en-US" b="0" i="1" smtClean="0">
+                                <a:latin typeface="Cambria Math" panose="02040503050406030204" pitchFamily="18" charset="0"/>
+                              </a:rPr>
+                              <m:t>(</m:t>
+                            </m:r>
+                            <m:r>
+                              <a:rPr lang="en-US" b="1" i="1" smtClean="0">
+                                <a:latin typeface="Cambria Math" panose="02040503050406030204" pitchFamily="18" charset="0"/>
+                              </a:rPr>
+                              <m:t>𝒘</m:t>
+                            </m:r>
+                            <m:r>
+                              <a:rPr lang="en-US" b="0" i="1" smtClean="0">
+                                <a:latin typeface="Cambria Math" panose="02040503050406030204" pitchFamily="18" charset="0"/>
+                              </a:rPr>
+                              <m:t>,</m:t>
+                            </m:r>
+                            <m:r>
+                              <a:rPr lang="en-US" b="0" i="1" smtClean="0">
+                                <a:latin typeface="Cambria Math" panose="02040503050406030204" pitchFamily="18" charset="0"/>
+                              </a:rPr>
+                              <m:t>𝜆</m:t>
+                            </m:r>
+                            <m:r>
+                              <a:rPr lang="en-US" b="0" i="1" smtClean="0">
+                                <a:latin typeface="Cambria Math" panose="02040503050406030204" pitchFamily="18" charset="0"/>
+                              </a:rPr>
+                              <m:t>)</m:t>
+                            </m:r>
+                          </m:e>
+                        </m:func>
+                      </m:e>
+                    </m:func>
+                    <m:r>
+                      <a:rPr lang="en-US" b="0" i="1" smtClean="0">
+                        <a:latin typeface="Cambria Math" panose="02040503050406030204" pitchFamily="18" charset="0"/>
+                      </a:rPr>
+                      <m:t>,   </m:t>
+                    </m:r>
+                    <m:sSup>
+                      <m:sSupPr>
+                        <m:ctrlPr>
+                          <a:rPr lang="en-US" b="0" i="1" smtClean="0">
+                            <a:latin typeface="Cambria Math" panose="02040503050406030204" pitchFamily="18" charset="0"/>
+                          </a:rPr>
+                        </m:ctrlPr>
+                      </m:sSupPr>
+                      <m:e>
+                        <m:r>
+                          <a:rPr lang="en-US" b="0" i="1" smtClean="0">
+                            <a:latin typeface="Cambria Math" panose="02040503050406030204" pitchFamily="18" charset="0"/>
+                          </a:rPr>
+                          <m:t>𝐿</m:t>
+                        </m:r>
+                      </m:e>
+                      <m:sup>
+                        <m:r>
+                          <a:rPr lang="en-US" b="0" i="1" smtClean="0">
+                            <a:latin typeface="Cambria Math" panose="02040503050406030204" pitchFamily="18" charset="0"/>
+                          </a:rPr>
+                          <m:t>∗</m:t>
+                        </m:r>
+                      </m:sup>
+                    </m:sSup>
+                    <m:d>
+                      <m:dPr>
+                        <m:ctrlPr>
+                          <a:rPr lang="en-US" b="0" i="1" smtClean="0">
+                            <a:latin typeface="Cambria Math" panose="02040503050406030204" pitchFamily="18" charset="0"/>
+                          </a:rPr>
+                        </m:ctrlPr>
+                      </m:dPr>
+                      <m:e>
+                        <m:r>
+                          <a:rPr lang="en-US" b="0" i="1" smtClean="0">
+                            <a:latin typeface="Cambria Math" panose="02040503050406030204" pitchFamily="18" charset="0"/>
+                          </a:rPr>
+                          <m:t>𝜆</m:t>
+                        </m:r>
+                      </m:e>
+                    </m:d>
+                    <m:r>
+                      <a:rPr lang="en-US" b="0" i="1" smtClean="0">
+                        <a:latin typeface="Cambria Math" panose="02040503050406030204" pitchFamily="18" charset="0"/>
+                      </a:rPr>
+                      <m:t>=</m:t>
+                    </m:r>
+                    <m:func>
+                      <m:funcPr>
+                        <m:ctrlPr>
+                          <a:rPr lang="en-US" b="0" i="1" smtClean="0">
+                            <a:latin typeface="Cambria Math" panose="02040503050406030204" pitchFamily="18" charset="0"/>
+                          </a:rPr>
+                        </m:ctrlPr>
+                      </m:funcPr>
+                      <m:fName>
+                        <m:limLow>
+                          <m:limLowPr>
+                            <m:ctrlPr>
+                              <a:rPr lang="en-US" b="0" i="1" smtClean="0">
+                                <a:latin typeface="Cambria Math" panose="02040503050406030204" pitchFamily="18" charset="0"/>
+                              </a:rPr>
+                            </m:ctrlPr>
+                          </m:limLowPr>
+                          <m:e>
+                            <m:r>
+                              <m:rPr>
+                                <m:sty m:val="p"/>
+                              </m:rPr>
+                              <a:rPr lang="en-US" b="0" i="0" smtClean="0">
+                                <a:latin typeface="Cambria Math" panose="02040503050406030204" pitchFamily="18" charset="0"/>
+                              </a:rPr>
+                              <m:t>min</m:t>
+                            </m:r>
+                          </m:e>
+                          <m:lim>
+                            <m:r>
+                              <a:rPr lang="en-US" b="0" i="1" smtClean="0">
+                                <a:latin typeface="Cambria Math" panose="02040503050406030204" pitchFamily="18" charset="0"/>
+                              </a:rPr>
+                              <m:t>𝑤</m:t>
+                            </m:r>
+                          </m:lim>
+                        </m:limLow>
+                      </m:fName>
+                      <m:e>
+                        <m:r>
+                          <a:rPr lang="en-US" i="1">
+                            <a:latin typeface="Cambria Math" panose="02040503050406030204" pitchFamily="18" charset="0"/>
+                          </a:rPr>
+                          <m:t>𝐿</m:t>
+                        </m:r>
+                        <m:r>
+                          <a:rPr lang="en-US" i="1">
+                            <a:latin typeface="Cambria Math" panose="02040503050406030204" pitchFamily="18" charset="0"/>
+                          </a:rPr>
+                          <m:t>(</m:t>
+                        </m:r>
+                        <m:r>
+                          <a:rPr lang="en-US" b="1" i="1">
+                            <a:latin typeface="Cambria Math" panose="02040503050406030204" pitchFamily="18" charset="0"/>
+                          </a:rPr>
+                          <m:t>𝒘</m:t>
+                        </m:r>
+                        <m:r>
+                          <a:rPr lang="en-US" i="1">
+                            <a:latin typeface="Cambria Math" panose="02040503050406030204" pitchFamily="18" charset="0"/>
+                          </a:rPr>
+                          <m:t>,</m:t>
+                        </m:r>
+                        <m:r>
+                          <a:rPr lang="en-US" i="1">
+                            <a:latin typeface="Cambria Math" panose="02040503050406030204" pitchFamily="18" charset="0"/>
+                          </a:rPr>
+                          <m:t>𝜆</m:t>
+                        </m:r>
+                        <m:r>
+                          <a:rPr lang="en-US" i="1">
+                            <a:latin typeface="Cambria Math" panose="02040503050406030204" pitchFamily="18" charset="0"/>
+                          </a:rPr>
+                          <m:t>)</m:t>
+                        </m:r>
+                      </m:e>
+                    </m:func>
+                  </m:oMath>
+                </a14:m>
+                <a:endParaRPr lang="en-US" dirty="0"/>
+              </a:p>
+              <a:p>
+                <a:pPr lvl="1"/>
+                <a:endParaRPr lang="en-US" dirty="0"/>
+              </a:p>
+              <a:p>
+                <a:pPr lvl="1"/>
+                <a:r>
+                  <a:rPr lang="en-US" dirty="0"/>
+                  <a:t>Minimizes a weighted combination of objective and constraint.</a:t>
+                </a:r>
+              </a:p>
+              <a:p>
+                <a:pPr lvl="1"/>
+                <a:r>
+                  <a:rPr lang="en-US" dirty="0"/>
+                  <a:t>Higher </a:t>
+                </a:r>
+                <a14:m>
+                  <m:oMath xmlns:m="http://schemas.openxmlformats.org/officeDocument/2006/math">
+                    <m:r>
+                      <a:rPr lang="en-US" i="1">
+                        <a:latin typeface="Cambria Math" panose="02040503050406030204" pitchFamily="18" charset="0"/>
+                      </a:rPr>
+                      <m:t>𝜆</m:t>
+                    </m:r>
+                    <m:r>
+                      <a:rPr lang="en-US" b="0" i="1" smtClean="0">
+                        <a:latin typeface="Cambria Math" panose="02040503050406030204" pitchFamily="18" charset="0"/>
+                      </a:rPr>
+                      <m:t>⇒</m:t>
+                    </m:r>
+                  </m:oMath>
+                </a14:m>
+                <a:r>
+                  <a:rPr lang="en-US" dirty="0"/>
+                  <a:t>  Weight constraint more (try to make </a:t>
+                </a:r>
+                <a14:m>
+                  <m:oMath xmlns:m="http://schemas.openxmlformats.org/officeDocument/2006/math">
+                    <m:r>
+                      <a:rPr lang="en-US" i="1">
+                        <a:latin typeface="Cambria Math" panose="02040503050406030204" pitchFamily="18" charset="0"/>
+                      </a:rPr>
+                      <m:t>𝑔</m:t>
+                    </m:r>
+                    <m:d>
+                      <m:dPr>
+                        <m:ctrlPr>
+                          <a:rPr lang="en-US" i="1">
+                            <a:latin typeface="Cambria Math" panose="02040503050406030204" pitchFamily="18" charset="0"/>
+                          </a:rPr>
+                        </m:ctrlPr>
+                      </m:dPr>
+                      <m:e>
+                        <m:r>
+                          <a:rPr lang="en-US" b="1" i="1">
+                            <a:latin typeface="Cambria Math" panose="02040503050406030204" pitchFamily="18" charset="0"/>
+                          </a:rPr>
+                          <m:t>𝒘</m:t>
+                        </m:r>
+                      </m:e>
+                    </m:d>
+                  </m:oMath>
+                </a14:m>
+                <a:r>
+                  <a:rPr lang="en-US" dirty="0"/>
+                  <a:t> smaller)</a:t>
+                </a:r>
+              </a:p>
+              <a:p>
+                <a:pPr lvl="1"/>
+                <a:r>
+                  <a:rPr lang="en-US" dirty="0"/>
+                  <a:t>Lower </a:t>
+                </a:r>
+                <a14:m>
+                  <m:oMath xmlns:m="http://schemas.openxmlformats.org/officeDocument/2006/math">
+                    <m:r>
+                      <a:rPr lang="en-US" i="1">
+                        <a:latin typeface="Cambria Math" panose="02040503050406030204" pitchFamily="18" charset="0"/>
+                      </a:rPr>
+                      <m:t>𝜆</m:t>
+                    </m:r>
+                    <m:r>
+                      <a:rPr lang="en-US" i="1">
+                        <a:latin typeface="Cambria Math" panose="02040503050406030204" pitchFamily="18" charset="0"/>
+                      </a:rPr>
+                      <m:t>⇒</m:t>
+                    </m:r>
+                  </m:oMath>
+                </a14:m>
+                <a:r>
+                  <a:rPr lang="en-US" dirty="0"/>
+                  <a:t>  Weight objective more (try to make </a:t>
+                </a:r>
+                <a14:m>
+                  <m:oMath xmlns:m="http://schemas.openxmlformats.org/officeDocument/2006/math">
+                    <m:r>
+                      <a:rPr lang="en-US" b="0" i="1" smtClean="0">
+                        <a:latin typeface="Cambria Math" panose="02040503050406030204" pitchFamily="18" charset="0"/>
+                      </a:rPr>
+                      <m:t>𝑓</m:t>
+                    </m:r>
+                    <m:d>
+                      <m:dPr>
+                        <m:ctrlPr>
+                          <a:rPr lang="en-US" i="1">
+                            <a:latin typeface="Cambria Math" panose="02040503050406030204" pitchFamily="18" charset="0"/>
+                          </a:rPr>
+                        </m:ctrlPr>
+                      </m:dPr>
+                      <m:e>
+                        <m:r>
+                          <a:rPr lang="en-US" b="1" i="1">
+                            <a:latin typeface="Cambria Math" panose="02040503050406030204" pitchFamily="18" charset="0"/>
+                          </a:rPr>
+                          <m:t>𝒘</m:t>
+                        </m:r>
+                      </m:e>
+                    </m:d>
+                  </m:oMath>
+                </a14:m>
+                <a:r>
+                  <a:rPr lang="en-US" dirty="0"/>
+                  <a:t> smaller)</a:t>
+                </a:r>
+              </a:p>
+              <a:p>
+                <a:pPr lvl="1"/>
+                <a:endParaRPr lang="en-US" dirty="0"/>
+              </a:p>
+              <a:p>
+                <a:pPr lvl="1"/>
+                <a:endParaRPr lang="en-US" dirty="0"/>
+              </a:p>
+            </p:txBody>
+          </p:sp>
+        </mc:Choice>
+        <mc:Fallback xmlns="">
+          <p:sp>
+            <p:nvSpPr>
+              <p:cNvPr id="3" name="Content Placeholder 2"/>
+              <p:cNvSpPr>
+                <a:spLocks noGrp="1" noRot="1" noChangeAspect="1" noMove="1" noResize="1" noEditPoints="1" noAdjustHandles="1" noChangeArrowheads="1" noChangeShapeType="1" noTextEdit="1"/>
+              </p:cNvSpPr>
+              <p:nvPr>
+                <p:ph idx="1"/>
+              </p:nvPr>
+            </p:nvSpPr>
+            <p:spPr>
+              <a:blipFill>
+                <a:blip r:embed="rId2"/>
+                <a:stretch>
+                  <a:fillRect l="-1261" t="-1462" b="-877"/>
+                </a:stretch>
+              </a:blipFill>
+            </p:spPr>
+            <p:txBody>
+              <a:bodyPr/>
+              <a:lstStyle/>
+              <a:p>
+                <a:r>
+                  <a:rPr lang="en-US">
+                    <a:noFill/>
+                  </a:rPr>
+                  <a:t> </a:t>
+                </a:r>
+              </a:p>
+            </p:txBody>
+          </p:sp>
+        </mc:Fallback>
+      </mc:AlternateContent>
+      <p:sp>
+        <p:nvSpPr>
+          <p:cNvPr id="4" name="Slide Number Placeholder 3"/>
+          <p:cNvSpPr>
+            <a:spLocks noGrp="1"/>
+          </p:cNvSpPr>
+          <p:nvPr>
+            <p:ph type="sldNum" sz="quarter" idx="12"/>
+          </p:nvPr>
+        </p:nvSpPr>
+        <p:spPr/>
+        <p:txBody>
+          <a:bodyPr/>
+          <a:lstStyle/>
+          <a:p>
+            <a:fld id="{629637A9-119A-49DA-BD12-AAC58B377D80}" type="slidenum">
+              <a:rPr lang="en-US" smtClean="0"/>
+              <a:t>50</a:t>
+            </a:fld>
+            <a:endParaRPr lang="en-US" dirty="0"/>
+          </a:p>
+        </p:txBody>
+      </p:sp>
+    </p:spTree>
+    <p:extLst>
+      <p:ext uri="{BB962C8B-B14F-4D97-AF65-F5344CB8AC3E}">
+        <p14:creationId xmlns:p14="http://schemas.microsoft.com/office/powerpoint/2010/main" val="1637689429"/>
+      </p:ext>
+    </p:extLst>
+  </p:cSld>
+  <p:clrMapOvr>
+    <a:masterClrMapping/>
+  </p:clrMapOvr>
+</p:sld>
+</file>
+
+<file path=ppt/slides/slide51.xml><?xml version="1.0" encoding="utf-8"?>
+<p:sld xmlns:a="http://schemas.openxmlformats.org/drawingml/2006/main" xmlns:r="http://schemas.openxmlformats.org/officeDocument/2006/relationships" xmlns:p="http://schemas.openxmlformats.org/presentationml/2006/main">
+  <p:cSld>
+    <p:spTree>
+      <p:nvGrpSpPr>
+        <p:cNvPr id="1" name=""/>
+        <p:cNvGrpSpPr/>
+        <p:nvPr/>
+      </p:nvGrpSpPr>
+      <p:grpSpPr>
+        <a:xfrm>
+          <a:off x="0" y="0"/>
+          <a:ext cx="0" cy="0"/>
+          <a:chOff x="0" y="0"/>
+          <a:chExt cx="0" cy="0"/>
+        </a:xfrm>
+      </p:grpSpPr>
+      <p:sp>
+        <p:nvSpPr>
+          <p:cNvPr id="2" name="Title 1"/>
+          <p:cNvSpPr>
+            <a:spLocks noGrp="1"/>
+          </p:cNvSpPr>
+          <p:nvPr>
+            <p:ph type="title"/>
+          </p:nvPr>
+        </p:nvSpPr>
+        <p:spPr/>
+        <p:txBody>
+          <a:bodyPr/>
+          <a:lstStyle/>
+          <a:p>
+            <a:r>
               <a:rPr lang="en-US" dirty="0"/>
               <a:t>KKT Conditions</a:t>
             </a:r>
@@ -37074,7 +37758,7 @@
           <a:p>
             <a:fld id="{629637A9-119A-49DA-BD12-AAC58B377D80}" type="slidenum">
               <a:rPr lang="en-US" smtClean="0"/>
-              <a:t>50</a:t>
+              <a:t>51</a:t>
             </a:fld>
             <a:endParaRPr lang="en-US" dirty="0"/>
           </a:p>
@@ -37093,7 +37777,7 @@
 </p:sld>
 </file>
 
-<file path=ppt/slides/slide51.xml><?xml version="1.0" encoding="utf-8"?>
+<file path=ppt/slides/slide52.xml><?xml version="1.0" encoding="utf-8"?>
 <p:sld xmlns:a="http://schemas.openxmlformats.org/drawingml/2006/main" xmlns:r="http://schemas.openxmlformats.org/officeDocument/2006/relationships" xmlns:p="http://schemas.openxmlformats.org/presentationml/2006/main">
   <p:cSld>
     <p:spTree>
@@ -37888,7 +38572,7 @@
           <a:p>
             <a:fld id="{629637A9-119A-49DA-BD12-AAC58B377D80}" type="slidenum">
               <a:rPr lang="en-US" smtClean="0"/>
-              <a:t>51</a:t>
+              <a:t>52</a:t>
             </a:fld>
             <a:endParaRPr lang="en-US" dirty="0"/>
           </a:p>
@@ -37907,7 +38591,7 @@
 </p:sld>
 </file>
 
-<file path=ppt/slides/slide52.xml><?xml version="1.0" encoding="utf-8"?>
+<file path=ppt/slides/slide53.xml><?xml version="1.0" encoding="utf-8"?>
 <p:sld xmlns:a="http://schemas.openxmlformats.org/drawingml/2006/main" xmlns:r="http://schemas.openxmlformats.org/officeDocument/2006/relationships" xmlns:p="http://schemas.openxmlformats.org/presentationml/2006/main">
   <p:cSld>
     <p:spTree>
@@ -38281,7 +38965,7 @@
           <a:p>
             <a:fld id="{629637A9-119A-49DA-BD12-AAC58B377D80}" type="slidenum">
               <a:rPr lang="en-US" smtClean="0"/>
-              <a:t>52</a:t>
+              <a:t>53</a:t>
             </a:fld>
             <a:endParaRPr lang="en-US" dirty="0"/>
           </a:p>
@@ -38300,7 +38984,7 @@
 </p:sld>
 </file>
 
-<file path=ppt/slides/slide53.xml><?xml version="1.0" encoding="utf-8"?>
+<file path=ppt/slides/slide54.xml><?xml version="1.0" encoding="utf-8"?>
 <p:sld xmlns:a="http://schemas.openxmlformats.org/drawingml/2006/main" xmlns:r="http://schemas.openxmlformats.org/officeDocument/2006/relationships" xmlns:p="http://schemas.openxmlformats.org/presentationml/2006/main">
   <p:cSld>
     <p:spTree>
@@ -39371,7 +40055,7 @@
           <a:p>
             <a:fld id="{629637A9-119A-49DA-BD12-AAC58B377D80}" type="slidenum">
               <a:rPr lang="en-US" smtClean="0"/>
-              <a:t>53</a:t>
+              <a:t>54</a:t>
             </a:fld>
             <a:endParaRPr lang="en-US" dirty="0"/>
           </a:p>
@@ -39390,7 +40074,7 @@
 </p:sld>
 </file>
 
-<file path=ppt/slides/slide54.xml><?xml version="1.0" encoding="utf-8"?>
+<file path=ppt/slides/slide55.xml><?xml version="1.0" encoding="utf-8"?>
 <p:sld xmlns:a="http://schemas.openxmlformats.org/drawingml/2006/main" xmlns:r="http://schemas.openxmlformats.org/officeDocument/2006/relationships" xmlns:p="http://schemas.openxmlformats.org/presentationml/2006/main">
   <p:cSld>
     <p:spTree>
@@ -40670,7 +41354,7 @@
           <a:p>
             <a:fld id="{629637A9-119A-49DA-BD12-AAC58B377D80}" type="slidenum">
               <a:rPr lang="en-US" smtClean="0"/>
-              <a:t>54</a:t>
+              <a:t>55</a:t>
             </a:fld>
             <a:endParaRPr lang="en-US" dirty="0"/>
           </a:p>
@@ -40689,7 +41373,7 @@
 </p:sld>
 </file>
 
-<file path=ppt/slides/slide55.xml><?xml version="1.0" encoding="utf-8"?>
+<file path=ppt/slides/slide56.xml><?xml version="1.0" encoding="utf-8"?>
 <p:sld xmlns:a="http://schemas.openxmlformats.org/drawingml/2006/main" xmlns:r="http://schemas.openxmlformats.org/officeDocument/2006/relationships" xmlns:p="http://schemas.openxmlformats.org/presentationml/2006/main">
   <p:cSld>
     <p:spTree>
@@ -41086,7 +41770,7 @@
           <a:p>
             <a:fld id="{629637A9-119A-49DA-BD12-AAC58B377D80}" type="slidenum">
               <a:rPr lang="en-US" smtClean="0"/>
-              <a:t>55</a:t>
+              <a:t>56</a:t>
             </a:fld>
             <a:endParaRPr lang="en-US" dirty="0"/>
           </a:p>
@@ -41129,7 +41813,7 @@
 </p:sld>
 </file>
 
-<file path=ppt/slides/slide56.xml><?xml version="1.0" encoding="utf-8"?>
+<file path=ppt/slides/slide57.xml><?xml version="1.0" encoding="utf-8"?>
 <p:sld xmlns:a="http://schemas.openxmlformats.org/drawingml/2006/main" xmlns:r="http://schemas.openxmlformats.org/officeDocument/2006/relationships" xmlns:p="http://schemas.openxmlformats.org/presentationml/2006/main">
   <p:cSld>
     <p:spTree>
@@ -41861,7 +42545,7 @@
           <a:p>
             <a:fld id="{629637A9-119A-49DA-BD12-AAC58B377D80}" type="slidenum">
               <a:rPr lang="en-US" smtClean="0"/>
-              <a:t>56</a:t>
+              <a:t>57</a:t>
             </a:fld>
             <a:endParaRPr lang="en-US" dirty="0"/>
           </a:p>
@@ -41880,7 +42564,7 @@
 </p:sld>
 </file>
 
-<file path=ppt/slides/slide57.xml><?xml version="1.0" encoding="utf-8"?>
+<file path=ppt/slides/slide58.xml><?xml version="1.0" encoding="utf-8"?>
 <p:sld xmlns:a="http://schemas.openxmlformats.org/drawingml/2006/main" xmlns:r="http://schemas.openxmlformats.org/officeDocument/2006/relationships" xmlns:p="http://schemas.openxmlformats.org/presentationml/2006/main">
   <p:cSld>
     <p:spTree>
@@ -42022,7 +42706,7 @@
           <a:p>
             <a:fld id="{629637A9-119A-49DA-BD12-AAC58B377D80}" type="slidenum">
               <a:rPr lang="en-US" smtClean="0"/>
-              <a:t>57</a:t>
+              <a:t>58</a:t>
             </a:fld>
             <a:endParaRPr lang="en-US" dirty="0"/>
           </a:p>
